--- a/public/vue3 antdesign.pptx
+++ b/public/vue3 antdesign.pptx
@@ -41,12 +41,12 @@
     <p:sldId id="753" r:id="rId31"/>
     <p:sldId id="754" r:id="rId32"/>
     <p:sldId id="755" r:id="rId33"/>
-    <p:sldId id="757" r:id="rId34"/>
-    <p:sldId id="756" r:id="rId35"/>
-    <p:sldId id="758" r:id="rId36"/>
-    <p:sldId id="719" r:id="rId37"/>
-    <p:sldId id="637" r:id="rId38"/>
-    <p:sldId id="638" r:id="rId39"/>
+    <p:sldId id="756" r:id="rId34"/>
+    <p:sldId id="758" r:id="rId35"/>
+    <p:sldId id="638" r:id="rId36"/>
+    <p:sldId id="768" r:id="rId37"/>
+    <p:sldId id="769" r:id="rId38"/>
+    <p:sldId id="719" r:id="rId39"/>
     <p:sldId id="582" r:id="rId40"/>
     <p:sldId id="580" r:id="rId41"/>
     <p:sldId id="587" r:id="rId42"/>
@@ -381,12 +381,12 @@
             <p14:sldId id="753"/>
             <p14:sldId id="754"/>
             <p14:sldId id="755"/>
-            <p14:sldId id="757"/>
             <p14:sldId id="756"/>
             <p14:sldId id="758"/>
+            <p14:sldId id="638"/>
+            <p14:sldId id="768"/>
+            <p14:sldId id="769"/>
             <p14:sldId id="719"/>
-            <p14:sldId id="637"/>
-            <p14:sldId id="638"/>
             <p14:sldId id="582"/>
             <p14:sldId id="580"/>
             <p14:sldId id="587"/>
@@ -9296,8 +9296,8 @@
         </p:nvSpPr>
         <p:spPr>
           <a:xfrm>
-            <a:off x="1447800" y="881881"/>
-            <a:ext cx="6545580" cy="3968115"/>
+            <a:off x="1447800" y="882015"/>
+            <a:ext cx="6851650" cy="3783330"/>
           </a:xfrm>
           <a:prstGeom prst="rect">
             <a:avLst/>
@@ -9344,7 +9344,7 @@
               <a:buNone/>
             </a:pPr>
             <a:r>
-              <a:rPr lang="en-US">
+              <a:rPr lang="en-US" sz="1600">
                 <a:solidFill>
                   <a:schemeClr val="tx1">
                     <a:lumMod val="85000"/>
@@ -9356,7 +9356,7 @@
               </a:rPr>
               <a:t>yarn</a:t>
             </a:r>
-            <a:endParaRPr>
+            <a:endParaRPr sz="1600">
               <a:solidFill>
                 <a:schemeClr val="tx1">
                   <a:lumMod val="85000"/>
@@ -9384,7 +9384,7 @@
               <a:buNone/>
             </a:pPr>
             <a:r>
-              <a:rPr>
+              <a:rPr sz="1600">
                 <a:solidFill>
                   <a:schemeClr val="tx1">
                     <a:lumMod val="85000"/>
@@ -9397,7 +9397,7 @@
               <a:t>yarn</a:t>
             </a:r>
             <a:r>
-              <a:rPr lang="zh-CN">
+              <a:rPr lang="zh-CN" sz="1600">
                 <a:solidFill>
                   <a:schemeClr val="tx1">
                     <a:lumMod val="85000"/>
@@ -9410,7 +9410,7 @@
               <a:t>针对</a:t>
             </a:r>
             <a:r>
-              <a:rPr lang="en-US" altLang="zh-CN">
+              <a:rPr lang="en-US" altLang="zh-CN" sz="1600">
                 <a:solidFill>
                   <a:schemeClr val="tx1">
                     <a:lumMod val="85000"/>
@@ -9423,7 +9423,7 @@
               <a:t>npm</a:t>
             </a:r>
             <a:r>
-              <a:rPr>
+              <a:rPr sz="1600">
                 <a:solidFill>
                   <a:schemeClr val="tx1">
                     <a:lumMod val="85000"/>
@@ -9436,7 +9436,7 @@
               <a:t>提供了一些改进</a:t>
             </a:r>
             <a:r>
-              <a:rPr lang="en-US">
+              <a:rPr lang="en-US" sz="1600">
                 <a:solidFill>
                   <a:schemeClr val="tx1">
                     <a:lumMod val="85000"/>
@@ -9448,7 +9448,7 @@
               </a:rPr>
               <a:t>,npm安装是非确定性的，程序包没有签名，并且npm除了做了基本的SHA1哈希之外不执行任何完整性检查，这给安装系统程序带来了安全风险。</a:t>
             </a:r>
-            <a:endParaRPr lang="en-US">
+            <a:endParaRPr lang="en-US" sz="1600">
               <a:solidFill>
                 <a:schemeClr val="tx1">
                   <a:lumMod val="85000"/>
@@ -9475,7 +9475,7 @@
               <a:buFontTx/>
               <a:buNone/>
             </a:pPr>
-            <a:endParaRPr>
+            <a:endParaRPr sz="1600">
               <a:solidFill>
                 <a:schemeClr val="tx1">
                   <a:lumMod val="85000"/>
@@ -9503,7 +9503,7 @@
               <a:buNone/>
             </a:pPr>
             <a:r>
-              <a:rPr>
+              <a:rPr sz="1600">
                 <a:solidFill>
                   <a:schemeClr val="tx1">
                     <a:lumMod val="85000"/>
@@ -9515,7 +9515,7 @@
               </a:rPr>
               <a:t>npm install -g yarn </a:t>
             </a:r>
-            <a:endParaRPr>
+            <a:endParaRPr sz="1600">
               <a:solidFill>
                 <a:schemeClr val="tx1">
                   <a:lumMod val="85000"/>
@@ -9542,7 +9542,7 @@
               <a:buFontTx/>
               <a:buNone/>
             </a:pPr>
-            <a:endParaRPr>
+            <a:endParaRPr sz="1600">
               <a:solidFill>
                 <a:schemeClr val="tx1">
                   <a:lumMod val="85000"/>
@@ -9570,7 +9570,7 @@
               <a:buNone/>
             </a:pPr>
             <a:r>
-              <a:rPr lang="en-US">
+              <a:rPr lang="en-US" sz="1600">
                 <a:solidFill>
                   <a:schemeClr val="tx1">
                     <a:lumMod val="85000"/>
@@ -9582,7 +9582,7 @@
               </a:rPr>
               <a:t>pnpm</a:t>
             </a:r>
-            <a:endParaRPr>
+            <a:endParaRPr sz="1600">
               <a:solidFill>
                 <a:schemeClr val="tx1">
                   <a:lumMod val="85000"/>
@@ -9610,7 +9610,7 @@
               <a:buNone/>
             </a:pPr>
             <a:r>
-              <a:rPr>
+              <a:rPr sz="1600">
                 <a:solidFill>
                   <a:schemeClr val="tx1">
                     <a:lumMod val="85000"/>
@@ -9623,7 +9623,7 @@
               <a:t>pnpm 跟 npm/yarn </a:t>
             </a:r>
             <a:r>
-              <a:rPr lang="zh-CN">
+              <a:rPr lang="zh-CN" sz="1600">
                 <a:solidFill>
                   <a:schemeClr val="tx1">
                     <a:lumMod val="85000"/>
@@ -9636,7 +9636,7 @@
               <a:t>一样</a:t>
             </a:r>
             <a:r>
-              <a:rPr>
+              <a:rPr sz="1600">
                 <a:solidFill>
                   <a:schemeClr val="tx1">
                     <a:lumMod val="85000"/>
@@ -9650,7 +9650,7 @@
               <a:t>本质上</a:t>
             </a:r>
             <a:r>
-              <a:rPr lang="zh-CN">
+              <a:rPr lang="zh-CN" sz="1600">
                 <a:solidFill>
                   <a:schemeClr val="tx1">
                     <a:lumMod val="85000"/>
@@ -9664,7 +9664,7 @@
               <a:t>也</a:t>
             </a:r>
             <a:r>
-              <a:rPr>
+              <a:rPr sz="1600">
                 <a:solidFill>
                   <a:schemeClr val="tx1">
                     <a:lumMod val="85000"/>
@@ -9678,7 +9678,7 @@
               <a:t>是一个包管理器</a:t>
             </a:r>
             <a:r>
-              <a:rPr>
+              <a:rPr sz="1600">
                 <a:solidFill>
                   <a:schemeClr val="tx1">
                     <a:lumMod val="85000"/>
@@ -9690,7 +9690,7 @@
               </a:rPr>
               <a:t>，但它作为杀手锏的两个优势在于:</a:t>
             </a:r>
-            <a:endParaRPr>
+            <a:endParaRPr sz="1600">
               <a:solidFill>
                 <a:schemeClr val="tx1">
                   <a:lumMod val="85000"/>
@@ -9718,7 +9718,7 @@
               <a:buNone/>
             </a:pPr>
             <a:r>
-              <a:rPr>
+              <a:rPr sz="1600">
                 <a:solidFill>
                   <a:schemeClr val="tx1">
                     <a:lumMod val="85000"/>
@@ -9730,7 +9730,7 @@
               </a:rPr>
               <a:t>包安装速度极快；</a:t>
             </a:r>
-            <a:endParaRPr>
+            <a:endParaRPr sz="1600">
               <a:solidFill>
                 <a:schemeClr val="tx1">
                   <a:lumMod val="85000"/>
@@ -9758,7 +9758,7 @@
               <a:buNone/>
             </a:pPr>
             <a:r>
-              <a:rPr>
+              <a:rPr sz="1600">
                 <a:solidFill>
                   <a:schemeClr val="tx1">
                     <a:lumMod val="85000"/>
@@ -9770,7 +9770,7 @@
               </a:rPr>
               <a:t>磁盘空间利用非常高效。</a:t>
             </a:r>
-            <a:endParaRPr>
+            <a:endParaRPr sz="1600">
               <a:solidFill>
                 <a:schemeClr val="tx1">
                   <a:lumMod val="85000"/>
@@ -9797,7 +9797,7 @@
               <a:buFontTx/>
               <a:buNone/>
             </a:pPr>
-            <a:endParaRPr>
+            <a:endParaRPr sz="1600">
               <a:solidFill>
                 <a:schemeClr val="tx1">
                   <a:lumMod val="85000"/>
@@ -9825,7 +9825,7 @@
               <a:buNone/>
             </a:pPr>
             <a:r>
-              <a:rPr>
+              <a:rPr sz="1600">
                 <a:solidFill>
                   <a:schemeClr val="tx1">
                     <a:lumMod val="85000"/>
@@ -9837,7 +9837,47 @@
               </a:rPr>
               <a:t>npm i -g pnpm</a:t>
             </a:r>
-            <a:endParaRPr>
+            <a:endParaRPr sz="1600">
+              <a:solidFill>
+                <a:schemeClr val="tx1">
+                  <a:lumMod val="85000"/>
+                  <a:lumOff val="15000"/>
+                </a:schemeClr>
+              </a:solidFill>
+              <a:latin typeface="Helvetica"/>
+              <a:cs typeface="Helvetica"/>
+            </a:endParaRPr>
+          </a:p>
+          <a:p>
+            <a:pPr marL="0" marR="0" indent="0" algn="l" defTabSz="914400" rtl="0" fontAlgn="auto" latinLnBrk="0" hangingPunct="0">
+              <a:lnSpc>
+                <a:spcPct val="100000"/>
+              </a:lnSpc>
+              <a:spcBef>
+                <a:spcPts val="0"/>
+              </a:spcBef>
+              <a:spcAft>
+                <a:spcPts val="0"/>
+              </a:spcAft>
+              <a:buClrTx/>
+              <a:buSzTx/>
+              <a:buFontTx/>
+              <a:buNone/>
+            </a:pPr>
+            <a:r>
+              <a:rPr sz="1600">
+                <a:solidFill>
+                  <a:schemeClr val="tx1">
+                    <a:lumMod val="85000"/>
+                    <a:lumOff val="15000"/>
+                  </a:schemeClr>
+                </a:solidFill>
+                <a:latin typeface="Helvetica"/>
+                <a:cs typeface="Helvetica"/>
+              </a:rPr>
+              <a:t>可以设置最新的淘宝源加快依赖速度</a:t>
+            </a:r>
+            <a:endParaRPr sz="1600">
               <a:solidFill>
                 <a:schemeClr val="tx1">
                   <a:lumMod val="85000"/>
@@ -17971,8 +18011,8 @@
         </p:nvSpPr>
         <p:spPr>
           <a:xfrm>
-            <a:off x="1323340" y="652145"/>
-            <a:ext cx="6497955" cy="1524000"/>
+            <a:off x="1323340" y="758825"/>
+            <a:ext cx="6497955" cy="3902075"/>
           </a:xfrm>
           <a:prstGeom prst="rect">
             <a:avLst/>
@@ -18003,23 +18043,23 @@
           </a:bodyPr>
           <a:lstStyle/>
           <a:p>
-            <a:pPr marL="0" marR="0" indent="0" algn="l" defTabSz="914400" rtl="0" fontAlgn="auto" latinLnBrk="0" hangingPunct="0">
-              <a:lnSpc>
-                <a:spcPct val="100000"/>
-              </a:lnSpc>
-              <a:spcBef>
-                <a:spcPts val="0"/>
-              </a:spcBef>
-              <a:spcAft>
-                <a:spcPts val="0"/>
-              </a:spcAft>
-              <a:buClrTx/>
-              <a:buSzTx/>
-              <a:buFontTx/>
-              <a:buNone/>
-            </a:pPr>
-            <a:r>
-              <a:rPr lang="en-US" altLang="zh-CN" sz="1200">
+            <a:pPr marL="171450" marR="0" indent="-171450" algn="l" defTabSz="914400" rtl="0" fontAlgn="auto" latinLnBrk="0" hangingPunct="0">
+              <a:lnSpc>
+                <a:spcPct val="100000"/>
+              </a:lnSpc>
+              <a:spcBef>
+                <a:spcPts val="0"/>
+              </a:spcBef>
+              <a:spcAft>
+                <a:spcPts val="0"/>
+              </a:spcAft>
+              <a:buClrTx/>
+              <a:buSzTx/>
+              <a:buFont typeface="Arial" panose="020B0604020202020204" pitchFamily="34" charset="0"/>
+              <a:buChar char="•"/>
+            </a:pPr>
+            <a:r>
+              <a:rPr lang="zh-CN" altLang="en-US" sz="1200" b="1">
                 <a:solidFill>
                   <a:schemeClr val="tx1">
                     <a:lumMod val="85000"/>
@@ -18027,9 +18067,24 @@
                   </a:schemeClr>
                 </a:solidFill>
                 <a:latin typeface="Helvetica"/>
+                <a:ea typeface="宋体" panose="02010600030101010101" pitchFamily="2" charset="-122"/>
                 <a:cs typeface="Helvetica"/>
               </a:rPr>
-              <a:t>初始化项目集成了 pinia ,我们这里只做配置</a:t>
+              <a:t>页面使用</a:t>
+            </a:r>
+            <a:r>
+              <a:rPr lang="en-US" altLang="zh-CN" sz="1200" b="1">
+                <a:solidFill>
+                  <a:schemeClr val="tx1">
+                    <a:lumMod val="85000"/>
+                    <a:lumOff val="15000"/>
+                  </a:schemeClr>
+                </a:solidFill>
+                <a:latin typeface="Helvetica"/>
+                <a:ea typeface="宋体" panose="02010600030101010101" pitchFamily="2" charset="-122"/>
+                <a:cs typeface="Helvetica"/>
+              </a:rPr>
+              <a:t>pinia</a:t>
             </a:r>
             <a:endParaRPr lang="en-US" altLang="zh-CN" sz="1200">
               <a:solidFill>
@@ -18059,7 +18114,7 @@
               <a:buNone/>
             </a:pPr>
             <a:r>
-              <a:rPr lang="en-US" altLang="zh-CN" sz="1200">
+              <a:rPr lang="en-US" altLang="zh-CN" sz="900">
                 <a:solidFill>
                   <a:schemeClr val="tx1">
                     <a:lumMod val="85000"/>
@@ -18069,10 +18124,37 @@
                 <a:latin typeface="Helvetica"/>
                 <a:cs typeface="Helvetica"/>
               </a:rPr>
-              <a:t>Pinia </a:t>
-            </a:r>
-            <a:r>
-              <a:rPr lang="zh-CN" altLang="en-US" sz="1200">
+              <a:t>&lt;script setup lang="ts"&gt;</a:t>
+            </a:r>
+            <a:endParaRPr lang="en-US" altLang="zh-CN" sz="900">
+              <a:solidFill>
+                <a:schemeClr val="tx1">
+                  <a:lumMod val="85000"/>
+                  <a:lumOff val="15000"/>
+                </a:schemeClr>
+              </a:solidFill>
+              <a:latin typeface="Helvetica"/>
+              <a:cs typeface="Helvetica"/>
+            </a:endParaRPr>
+          </a:p>
+          <a:p>
+            <a:pPr marL="0" marR="0" indent="0" algn="l" defTabSz="914400" rtl="0" fontAlgn="auto" latinLnBrk="0" hangingPunct="0">
+              <a:lnSpc>
+                <a:spcPct val="100000"/>
+              </a:lnSpc>
+              <a:spcBef>
+                <a:spcPts val="0"/>
+              </a:spcBef>
+              <a:spcAft>
+                <a:spcPts val="0"/>
+              </a:spcAft>
+              <a:buClrTx/>
+              <a:buSzTx/>
+              <a:buFontTx/>
+              <a:buNone/>
+            </a:pPr>
+            <a:r>
+              <a:rPr lang="en-US" altLang="zh-CN" sz="900">
                 <a:solidFill>
                   <a:schemeClr val="tx1">
                     <a:lumMod val="85000"/>
@@ -18082,10 +18164,37 @@
                 <a:latin typeface="Helvetica"/>
                 <a:cs typeface="Helvetica"/>
               </a:rPr>
-              <a:t>对比</a:t>
-            </a:r>
-            <a:r>
-              <a:rPr lang="en-US" altLang="zh-CN" sz="1200">
+              <a:t>import { useUserStore } from '@/store/user'</a:t>
+            </a:r>
+            <a:endParaRPr lang="en-US" altLang="zh-CN" sz="900">
+              <a:solidFill>
+                <a:schemeClr val="tx1">
+                  <a:lumMod val="85000"/>
+                  <a:lumOff val="15000"/>
+                </a:schemeClr>
+              </a:solidFill>
+              <a:latin typeface="Helvetica"/>
+              <a:cs typeface="Helvetica"/>
+            </a:endParaRPr>
+          </a:p>
+          <a:p>
+            <a:pPr marL="0" marR="0" indent="0" algn="l" defTabSz="914400" rtl="0" fontAlgn="auto" latinLnBrk="0" hangingPunct="0">
+              <a:lnSpc>
+                <a:spcPct val="100000"/>
+              </a:lnSpc>
+              <a:spcBef>
+                <a:spcPts val="0"/>
+              </a:spcBef>
+              <a:spcAft>
+                <a:spcPts val="0"/>
+              </a:spcAft>
+              <a:buClrTx/>
+              <a:buSzTx/>
+              <a:buFontTx/>
+              <a:buNone/>
+            </a:pPr>
+            <a:r>
+              <a:rPr lang="en-US" altLang="zh-CN" sz="900">
                 <a:solidFill>
                   <a:schemeClr val="tx1">
                     <a:lumMod val="85000"/>
@@ -18095,9 +18204,9 @@
                 <a:latin typeface="Helvetica"/>
                 <a:cs typeface="Helvetica"/>
               </a:rPr>
-              <a:t>vuex的特点：</a:t>
-            </a:r>
-            <a:endParaRPr lang="en-US" altLang="zh-CN" sz="1200">
+              <a:t>import { useAppStore } from '@/store/app'</a:t>
+            </a:r>
+            <a:endParaRPr lang="en-US" altLang="zh-CN" sz="900">
               <a:solidFill>
                 <a:schemeClr val="tx1">
                   <a:lumMod val="85000"/>
@@ -18109,23 +18218,23 @@
             </a:endParaRPr>
           </a:p>
           <a:p>
-            <a:pPr marL="457200" marR="0" lvl="1" indent="0" algn="l" defTabSz="914400" rtl="0" fontAlgn="auto" latinLnBrk="0" hangingPunct="0">
-              <a:lnSpc>
-                <a:spcPct val="100000"/>
-              </a:lnSpc>
-              <a:spcBef>
-                <a:spcPts val="0"/>
-              </a:spcBef>
-              <a:spcAft>
-                <a:spcPts val="0"/>
-              </a:spcAft>
-              <a:buClrTx/>
-              <a:buSzTx/>
-              <a:buFontTx/>
-              <a:buNone/>
-            </a:pPr>
-            <a:r>
-              <a:rPr lang="en-US" altLang="zh-CN" sz="1200">
+            <a:pPr marL="0" marR="0" indent="0" algn="l" defTabSz="914400" rtl="0" fontAlgn="auto" latinLnBrk="0" hangingPunct="0">
+              <a:lnSpc>
+                <a:spcPct val="100000"/>
+              </a:lnSpc>
+              <a:spcBef>
+                <a:spcPts val="0"/>
+              </a:spcBef>
+              <a:spcAft>
+                <a:spcPts val="0"/>
+              </a:spcAft>
+              <a:buClrTx/>
+              <a:buSzTx/>
+              <a:buFontTx/>
+              <a:buNone/>
+            </a:pPr>
+            <a:r>
+              <a:rPr lang="en-US" altLang="zh-CN" sz="900">
                 <a:solidFill>
                   <a:schemeClr val="tx1">
                     <a:lumMod val="85000"/>
@@ -18135,9 +18244,9 @@
                 <a:latin typeface="Helvetica"/>
                 <a:cs typeface="Helvetica"/>
               </a:rPr>
-              <a:t>完整的 typescript 的支持；</a:t>
-            </a:r>
-            <a:endParaRPr lang="en-US" altLang="zh-CN" sz="1200">
+              <a:t>import { storeToRefs } from 'pinia'</a:t>
+            </a:r>
+            <a:endParaRPr lang="en-US" altLang="zh-CN" sz="900">
               <a:solidFill>
                 <a:schemeClr val="tx1">
                   <a:lumMod val="85000"/>
@@ -18149,23 +18258,23 @@
             </a:endParaRPr>
           </a:p>
           <a:p>
-            <a:pPr marL="457200" marR="0" lvl="1" indent="0" algn="l" defTabSz="914400" rtl="0" fontAlgn="auto" latinLnBrk="0" hangingPunct="0">
-              <a:lnSpc>
-                <a:spcPct val="100000"/>
-              </a:lnSpc>
-              <a:spcBef>
-                <a:spcPts val="0"/>
-              </a:spcBef>
-              <a:spcAft>
-                <a:spcPts val="0"/>
-              </a:spcAft>
-              <a:buClrTx/>
-              <a:buSzTx/>
-              <a:buFontTx/>
-              <a:buNone/>
-            </a:pPr>
-            <a:r>
-              <a:rPr lang="en-US" altLang="zh-CN" sz="1200">
+            <a:pPr marL="0" marR="0" indent="0" algn="l" defTabSz="914400" rtl="0" fontAlgn="auto" latinLnBrk="0" hangingPunct="0">
+              <a:lnSpc>
+                <a:spcPct val="100000"/>
+              </a:lnSpc>
+              <a:spcBef>
+                <a:spcPts val="0"/>
+              </a:spcBef>
+              <a:spcAft>
+                <a:spcPts val="0"/>
+              </a:spcAft>
+              <a:buClrTx/>
+              <a:buSzTx/>
+              <a:buFontTx/>
+              <a:buNone/>
+            </a:pPr>
+            <a:r>
+              <a:rPr lang="en-US" altLang="zh-CN" sz="900">
                 <a:solidFill>
                   <a:schemeClr val="tx1">
                     <a:lumMod val="85000"/>
@@ -18175,9 +18284,9 @@
                 <a:latin typeface="Helvetica"/>
                 <a:cs typeface="Helvetica"/>
               </a:rPr>
-              <a:t>足够轻量，压缩后的体积只有 1.6kb;</a:t>
-            </a:r>
-            <a:endParaRPr lang="en-US" altLang="zh-CN" sz="1200">
+              <a:t>import { computed } from 'vue'</a:t>
+            </a:r>
+            <a:endParaRPr lang="en-US" altLang="zh-CN" sz="900">
               <a:solidFill>
                 <a:schemeClr val="tx1">
                   <a:lumMod val="85000"/>
@@ -18189,23 +18298,50 @@
             </a:endParaRPr>
           </a:p>
           <a:p>
-            <a:pPr marL="457200" marR="0" lvl="1" indent="0" algn="l" defTabSz="914400" rtl="0" fontAlgn="auto" latinLnBrk="0" hangingPunct="0">
-              <a:lnSpc>
-                <a:spcPct val="100000"/>
-              </a:lnSpc>
-              <a:spcBef>
-                <a:spcPts val="0"/>
-              </a:spcBef>
-              <a:spcAft>
-                <a:spcPts val="0"/>
-              </a:spcAft>
-              <a:buClrTx/>
-              <a:buSzTx/>
-              <a:buFontTx/>
-              <a:buNone/>
-            </a:pPr>
-            <a:r>
-              <a:rPr lang="en-US" altLang="zh-CN" sz="1200">
+            <a:pPr marL="0" marR="0" indent="0" algn="l" defTabSz="914400" rtl="0" fontAlgn="auto" latinLnBrk="0" hangingPunct="0">
+              <a:lnSpc>
+                <a:spcPct val="100000"/>
+              </a:lnSpc>
+              <a:spcBef>
+                <a:spcPts val="0"/>
+              </a:spcBef>
+              <a:spcAft>
+                <a:spcPts val="0"/>
+              </a:spcAft>
+              <a:buClrTx/>
+              <a:buSzTx/>
+              <a:buFontTx/>
+              <a:buNone/>
+            </a:pPr>
+            <a:endParaRPr lang="en-US" altLang="zh-CN" sz="900">
+              <a:solidFill>
+                <a:schemeClr val="tx1">
+                  <a:lumMod val="85000"/>
+                  <a:lumOff val="15000"/>
+                </a:schemeClr>
+              </a:solidFill>
+              <a:latin typeface="Helvetica"/>
+              <a:cs typeface="Helvetica"/>
+            </a:endParaRPr>
+          </a:p>
+          <a:p>
+            <a:pPr marL="0" marR="0" indent="0" algn="l" defTabSz="914400" rtl="0" fontAlgn="auto" latinLnBrk="0" hangingPunct="0">
+              <a:lnSpc>
+                <a:spcPct val="100000"/>
+              </a:lnSpc>
+              <a:spcBef>
+                <a:spcPts val="0"/>
+              </a:spcBef>
+              <a:spcAft>
+                <a:spcPts val="0"/>
+              </a:spcAft>
+              <a:buClrTx/>
+              <a:buSzTx/>
+              <a:buFontTx/>
+              <a:buNone/>
+            </a:pPr>
+            <a:r>
+              <a:rPr lang="en-US" altLang="zh-CN" sz="900">
                 <a:solidFill>
                   <a:schemeClr val="tx1">
                     <a:lumMod val="85000"/>
@@ -18215,9 +18351,9 @@
                 <a:latin typeface="Helvetica"/>
                 <a:cs typeface="Helvetica"/>
               </a:rPr>
-              <a:t>去除 mutations，只有 state，getters，actions；</a:t>
-            </a:r>
-            <a:endParaRPr lang="en-US" altLang="zh-CN" sz="1200">
+              <a:t>const userStore = useUserStore()</a:t>
+            </a:r>
+            <a:endParaRPr lang="en-US" altLang="zh-CN" sz="900">
               <a:solidFill>
                 <a:schemeClr val="tx1">
                   <a:lumMod val="85000"/>
@@ -18229,23 +18365,23 @@
             </a:endParaRPr>
           </a:p>
           <a:p>
-            <a:pPr marL="457200" marR="0" lvl="1" indent="0" algn="l" defTabSz="914400" rtl="0" fontAlgn="auto" latinLnBrk="0" hangingPunct="0">
-              <a:lnSpc>
-                <a:spcPct val="100000"/>
-              </a:lnSpc>
-              <a:spcBef>
-                <a:spcPts val="0"/>
-              </a:spcBef>
-              <a:spcAft>
-                <a:spcPts val="0"/>
-              </a:spcAft>
-              <a:buClrTx/>
-              <a:buSzTx/>
-              <a:buFontTx/>
-              <a:buNone/>
-            </a:pPr>
-            <a:r>
-              <a:rPr lang="en-US" altLang="zh-CN" sz="1200">
+            <a:pPr marL="0" marR="0" indent="0" algn="l" defTabSz="914400" rtl="0" fontAlgn="auto" latinLnBrk="0" hangingPunct="0">
+              <a:lnSpc>
+                <a:spcPct val="100000"/>
+              </a:lnSpc>
+              <a:spcBef>
+                <a:spcPts val="0"/>
+              </a:spcBef>
+              <a:spcAft>
+                <a:spcPts val="0"/>
+              </a:spcAft>
+              <a:buClrTx/>
+              <a:buSzTx/>
+              <a:buFontTx/>
+              <a:buNone/>
+            </a:pPr>
+            <a:r>
+              <a:rPr lang="en-US" altLang="zh-CN" sz="900">
                 <a:solidFill>
                   <a:schemeClr val="tx1">
                     <a:lumMod val="85000"/>
@@ -18255,9 +18391,9 @@
                 <a:latin typeface="Helvetica"/>
                 <a:cs typeface="Helvetica"/>
               </a:rPr>
-              <a:t>actions 支持同步和异步；</a:t>
-            </a:r>
-            <a:endParaRPr lang="en-US" altLang="zh-CN" sz="1200">
+              <a:t>const appStore = useAppStore()</a:t>
+            </a:r>
+            <a:endParaRPr lang="en-US" altLang="zh-CN" sz="900">
               <a:solidFill>
                 <a:schemeClr val="tx1">
                   <a:lumMod val="85000"/>
@@ -18269,23 +18405,23 @@
             </a:endParaRPr>
           </a:p>
           <a:p>
-            <a:pPr marL="457200" marR="0" lvl="1" indent="0" algn="l" defTabSz="914400" rtl="0" fontAlgn="auto" latinLnBrk="0" hangingPunct="0">
-              <a:lnSpc>
-                <a:spcPct val="100000"/>
-              </a:lnSpc>
-              <a:spcBef>
-                <a:spcPts val="0"/>
-              </a:spcBef>
-              <a:spcAft>
-                <a:spcPts val="0"/>
-              </a:spcAft>
-              <a:buClrTx/>
-              <a:buSzTx/>
-              <a:buFontTx/>
-              <a:buNone/>
-            </a:pPr>
-            <a:r>
-              <a:rPr lang="en-US" altLang="zh-CN" sz="1200">
+            <a:pPr marL="0" marR="0" indent="0" algn="l" defTabSz="914400" rtl="0" fontAlgn="auto" latinLnBrk="0" hangingPunct="0">
+              <a:lnSpc>
+                <a:spcPct val="100000"/>
+              </a:lnSpc>
+              <a:spcBef>
+                <a:spcPts val="0"/>
+              </a:spcBef>
+              <a:spcAft>
+                <a:spcPts val="0"/>
+              </a:spcAft>
+              <a:buClrTx/>
+              <a:buSzTx/>
+              <a:buFontTx/>
+              <a:buNone/>
+            </a:pPr>
+            <a:r>
+              <a:rPr lang="en-US" altLang="zh-CN" sz="900">
                 <a:solidFill>
                   <a:schemeClr val="tx1">
                     <a:lumMod val="85000"/>
@@ -18295,9 +18431,9 @@
                 <a:latin typeface="Helvetica"/>
                 <a:cs typeface="Helvetica"/>
               </a:rPr>
-              <a:t>没有模块嵌套，只有 store 的概念，store 之间可以自由使用，更好的代码分割；</a:t>
-            </a:r>
-            <a:endParaRPr lang="en-US" altLang="zh-CN" sz="1200">
+              <a:t>const name = computed(() =&gt; userStore.name)</a:t>
+            </a:r>
+            <a:endParaRPr lang="en-US" altLang="zh-CN" sz="900">
               <a:solidFill>
                 <a:schemeClr val="tx1">
                   <a:lumMod val="85000"/>
@@ -18309,23 +18445,23 @@
             </a:endParaRPr>
           </a:p>
           <a:p>
-            <a:pPr marL="457200" marR="0" lvl="1" indent="0" algn="l" defTabSz="914400" rtl="0" fontAlgn="auto" latinLnBrk="0" hangingPunct="0">
-              <a:lnSpc>
-                <a:spcPct val="100000"/>
-              </a:lnSpc>
-              <a:spcBef>
-                <a:spcPts val="0"/>
-              </a:spcBef>
-              <a:spcAft>
-                <a:spcPts val="0"/>
-              </a:spcAft>
-              <a:buClrTx/>
-              <a:buSzTx/>
-              <a:buFontTx/>
-              <a:buNone/>
-            </a:pPr>
-            <a:r>
-              <a:rPr lang="en-US" altLang="zh-CN" sz="1200">
+            <a:pPr marL="0" marR="0" indent="0" algn="l" defTabSz="914400" rtl="0" fontAlgn="auto" latinLnBrk="0" hangingPunct="0">
+              <a:lnSpc>
+                <a:spcPct val="100000"/>
+              </a:lnSpc>
+              <a:spcBef>
+                <a:spcPts val="0"/>
+              </a:spcBef>
+              <a:spcAft>
+                <a:spcPts val="0"/>
+              </a:spcAft>
+              <a:buClrTx/>
+              <a:buSzTx/>
+              <a:buFontTx/>
+              <a:buNone/>
+            </a:pPr>
+            <a:r>
+              <a:rPr lang="en-US" altLang="zh-CN" sz="900">
                 <a:solidFill>
                   <a:schemeClr val="tx1">
                     <a:lumMod val="85000"/>
@@ -18335,9 +18471,9 @@
                 <a:latin typeface="Helvetica"/>
                 <a:cs typeface="Helvetica"/>
               </a:rPr>
-              <a:t>无需手动添加 store，store 一旦创建便会自动添加；</a:t>
-            </a:r>
-            <a:endParaRPr lang="en-US" altLang="zh-CN" sz="1200">
+              <a:t>const { age } = storeToRefs(userStore)</a:t>
+            </a:r>
+            <a:endParaRPr lang="en-US" altLang="zh-CN" sz="900">
               <a:solidFill>
                 <a:schemeClr val="tx1">
                   <a:lumMod val="85000"/>
@@ -18348,32 +18484,608 @@
               <a:cs typeface="Helvetica"/>
             </a:endParaRPr>
           </a:p>
+          <a:p>
+            <a:pPr marL="0" marR="0" indent="0" algn="l" defTabSz="914400" rtl="0" fontAlgn="auto" latinLnBrk="0" hangingPunct="0">
+              <a:lnSpc>
+                <a:spcPct val="100000"/>
+              </a:lnSpc>
+              <a:spcBef>
+                <a:spcPts val="0"/>
+              </a:spcBef>
+              <a:spcAft>
+                <a:spcPts val="0"/>
+              </a:spcAft>
+              <a:buClrTx/>
+              <a:buSzTx/>
+              <a:buFontTx/>
+              <a:buNone/>
+            </a:pPr>
+            <a:r>
+              <a:rPr lang="en-US" altLang="zh-CN" sz="900">
+                <a:solidFill>
+                  <a:schemeClr val="tx1">
+                    <a:lumMod val="85000"/>
+                    <a:lumOff val="15000"/>
+                  </a:schemeClr>
+                </a:solidFill>
+                <a:latin typeface="Helvetica"/>
+                <a:cs typeface="Helvetica"/>
+              </a:rPr>
+              <a:t>const updateUserState = () =&gt; {</a:t>
+            </a:r>
+            <a:endParaRPr lang="en-US" altLang="zh-CN" sz="900">
+              <a:solidFill>
+                <a:schemeClr val="tx1">
+                  <a:lumMod val="85000"/>
+                  <a:lumOff val="15000"/>
+                </a:schemeClr>
+              </a:solidFill>
+              <a:latin typeface="Helvetica"/>
+              <a:cs typeface="Helvetica"/>
+            </a:endParaRPr>
+          </a:p>
+          <a:p>
+            <a:pPr marL="0" marR="0" indent="0" algn="l" defTabSz="914400" rtl="0" fontAlgn="auto" latinLnBrk="0" hangingPunct="0">
+              <a:lnSpc>
+                <a:spcPct val="100000"/>
+              </a:lnSpc>
+              <a:spcBef>
+                <a:spcPts val="0"/>
+              </a:spcBef>
+              <a:spcAft>
+                <a:spcPts val="0"/>
+              </a:spcAft>
+              <a:buClrTx/>
+              <a:buSzTx/>
+              <a:buFontTx/>
+              <a:buNone/>
+            </a:pPr>
+            <a:r>
+              <a:rPr lang="en-US" altLang="zh-CN" sz="900">
+                <a:solidFill>
+                  <a:schemeClr val="tx1">
+                    <a:lumMod val="85000"/>
+                    <a:lumOff val="15000"/>
+                  </a:schemeClr>
+                </a:solidFill>
+                <a:latin typeface="Helvetica"/>
+                <a:cs typeface="Helvetica"/>
+              </a:rPr>
+              <a:t>	const { name, age } = userStore.$state</a:t>
+            </a:r>
+            <a:endParaRPr lang="en-US" altLang="zh-CN" sz="900">
+              <a:solidFill>
+                <a:schemeClr val="tx1">
+                  <a:lumMod val="85000"/>
+                  <a:lumOff val="15000"/>
+                </a:schemeClr>
+              </a:solidFill>
+              <a:latin typeface="Helvetica"/>
+              <a:cs typeface="Helvetica"/>
+            </a:endParaRPr>
+          </a:p>
+          <a:p>
+            <a:pPr marL="0" marR="0" indent="0" algn="l" defTabSz="914400" rtl="0" fontAlgn="auto" latinLnBrk="0" hangingPunct="0">
+              <a:lnSpc>
+                <a:spcPct val="100000"/>
+              </a:lnSpc>
+              <a:spcBef>
+                <a:spcPts val="0"/>
+              </a:spcBef>
+              <a:spcAft>
+                <a:spcPts val="0"/>
+              </a:spcAft>
+              <a:buClrTx/>
+              <a:buSzTx/>
+              <a:buFontTx/>
+              <a:buNone/>
+            </a:pPr>
+            <a:r>
+              <a:rPr lang="en-US" altLang="zh-CN" sz="900">
+                <a:solidFill>
+                  <a:schemeClr val="tx1">
+                    <a:lumMod val="85000"/>
+                    <a:lumOff val="15000"/>
+                  </a:schemeClr>
+                </a:solidFill>
+                <a:latin typeface="Helvetica"/>
+                <a:cs typeface="Helvetica"/>
+              </a:rPr>
+              <a:t>	userStore.updateState({</a:t>
+            </a:r>
+            <a:endParaRPr lang="en-US" altLang="zh-CN" sz="900">
+              <a:solidFill>
+                <a:schemeClr val="tx1">
+                  <a:lumMod val="85000"/>
+                  <a:lumOff val="15000"/>
+                </a:schemeClr>
+              </a:solidFill>
+              <a:latin typeface="Helvetica"/>
+              <a:cs typeface="Helvetica"/>
+            </a:endParaRPr>
+          </a:p>
+          <a:p>
+            <a:pPr marL="0" marR="0" indent="0" algn="l" defTabSz="914400" rtl="0" fontAlgn="auto" latinLnBrk="0" hangingPunct="0">
+              <a:lnSpc>
+                <a:spcPct val="100000"/>
+              </a:lnSpc>
+              <a:spcBef>
+                <a:spcPts val="0"/>
+              </a:spcBef>
+              <a:spcAft>
+                <a:spcPts val="0"/>
+              </a:spcAft>
+              <a:buClrTx/>
+              <a:buSzTx/>
+              <a:buFontTx/>
+              <a:buNone/>
+            </a:pPr>
+            <a:r>
+              <a:rPr lang="en-US" altLang="zh-CN" sz="900">
+                <a:solidFill>
+                  <a:schemeClr val="tx1">
+                    <a:lumMod val="85000"/>
+                    <a:lumOff val="15000"/>
+                  </a:schemeClr>
+                </a:solidFill>
+                <a:latin typeface="Helvetica"/>
+                <a:cs typeface="Helvetica"/>
+              </a:rPr>
+              <a:t>		name: name + 1,</a:t>
+            </a:r>
+            <a:endParaRPr lang="en-US" altLang="zh-CN" sz="900">
+              <a:solidFill>
+                <a:schemeClr val="tx1">
+                  <a:lumMod val="85000"/>
+                  <a:lumOff val="15000"/>
+                </a:schemeClr>
+              </a:solidFill>
+              <a:latin typeface="Helvetica"/>
+              <a:cs typeface="Helvetica"/>
+            </a:endParaRPr>
+          </a:p>
+          <a:p>
+            <a:pPr marL="0" marR="0" indent="0" algn="l" defTabSz="914400" rtl="0" fontAlgn="auto" latinLnBrk="0" hangingPunct="0">
+              <a:lnSpc>
+                <a:spcPct val="100000"/>
+              </a:lnSpc>
+              <a:spcBef>
+                <a:spcPts val="0"/>
+              </a:spcBef>
+              <a:spcAft>
+                <a:spcPts val="0"/>
+              </a:spcAft>
+              <a:buClrTx/>
+              <a:buSzTx/>
+              <a:buFontTx/>
+              <a:buNone/>
+            </a:pPr>
+            <a:r>
+              <a:rPr lang="en-US" altLang="zh-CN" sz="900">
+                <a:solidFill>
+                  <a:schemeClr val="tx1">
+                    <a:lumMod val="85000"/>
+                    <a:lumOff val="15000"/>
+                  </a:schemeClr>
+                </a:solidFill>
+                <a:latin typeface="Helvetica"/>
+                <a:cs typeface="Helvetica"/>
+              </a:rPr>
+              <a:t>		age: age + 1</a:t>
+            </a:r>
+            <a:endParaRPr lang="en-US" altLang="zh-CN" sz="900">
+              <a:solidFill>
+                <a:schemeClr val="tx1">
+                  <a:lumMod val="85000"/>
+                  <a:lumOff val="15000"/>
+                </a:schemeClr>
+              </a:solidFill>
+              <a:latin typeface="Helvetica"/>
+              <a:cs typeface="Helvetica"/>
+            </a:endParaRPr>
+          </a:p>
+          <a:p>
+            <a:pPr marL="0" marR="0" indent="0" algn="l" defTabSz="914400" rtl="0" fontAlgn="auto" latinLnBrk="0" hangingPunct="0">
+              <a:lnSpc>
+                <a:spcPct val="100000"/>
+              </a:lnSpc>
+              <a:spcBef>
+                <a:spcPts val="0"/>
+              </a:spcBef>
+              <a:spcAft>
+                <a:spcPts val="0"/>
+              </a:spcAft>
+              <a:buClrTx/>
+              <a:buSzTx/>
+              <a:buFontTx/>
+              <a:buNone/>
+            </a:pPr>
+            <a:r>
+              <a:rPr lang="en-US" altLang="zh-CN" sz="900">
+                <a:solidFill>
+                  <a:schemeClr val="tx1">
+                    <a:lumMod val="85000"/>
+                    <a:lumOff val="15000"/>
+                  </a:schemeClr>
+                </a:solidFill>
+                <a:latin typeface="Helvetica"/>
+                <a:cs typeface="Helvetica"/>
+              </a:rPr>
+              <a:t>	})</a:t>
+            </a:r>
+            <a:endParaRPr lang="en-US" altLang="zh-CN" sz="900">
+              <a:solidFill>
+                <a:schemeClr val="tx1">
+                  <a:lumMod val="85000"/>
+                  <a:lumOff val="15000"/>
+                </a:schemeClr>
+              </a:solidFill>
+              <a:latin typeface="Helvetica"/>
+              <a:cs typeface="Helvetica"/>
+            </a:endParaRPr>
+          </a:p>
+          <a:p>
+            <a:pPr marL="0" marR="0" indent="0" algn="l" defTabSz="914400" rtl="0" fontAlgn="auto" latinLnBrk="0" hangingPunct="0">
+              <a:lnSpc>
+                <a:spcPct val="100000"/>
+              </a:lnSpc>
+              <a:spcBef>
+                <a:spcPts val="0"/>
+              </a:spcBef>
+              <a:spcAft>
+                <a:spcPts val="0"/>
+              </a:spcAft>
+              <a:buClrTx/>
+              <a:buSzTx/>
+              <a:buFontTx/>
+              <a:buNone/>
+            </a:pPr>
+            <a:r>
+              <a:rPr lang="en-US" altLang="zh-CN" sz="900">
+                <a:solidFill>
+                  <a:schemeClr val="tx1">
+                    <a:lumMod val="85000"/>
+                    <a:lumOff val="15000"/>
+                  </a:schemeClr>
+                </a:solidFill>
+                <a:latin typeface="Helvetica"/>
+                <a:cs typeface="Helvetica"/>
+              </a:rPr>
+              <a:t>}</a:t>
+            </a:r>
+            <a:endParaRPr lang="en-US" altLang="zh-CN" sz="900">
+              <a:solidFill>
+                <a:schemeClr val="tx1">
+                  <a:lumMod val="85000"/>
+                  <a:lumOff val="15000"/>
+                </a:schemeClr>
+              </a:solidFill>
+              <a:latin typeface="Helvetica"/>
+              <a:cs typeface="Helvetica"/>
+            </a:endParaRPr>
+          </a:p>
+          <a:p>
+            <a:pPr marL="0" marR="0" indent="0" algn="l" defTabSz="914400" rtl="0" fontAlgn="auto" latinLnBrk="0" hangingPunct="0">
+              <a:lnSpc>
+                <a:spcPct val="100000"/>
+              </a:lnSpc>
+              <a:spcBef>
+                <a:spcPts val="0"/>
+              </a:spcBef>
+              <a:spcAft>
+                <a:spcPts val="0"/>
+              </a:spcAft>
+              <a:buClrTx/>
+              <a:buSzTx/>
+              <a:buFontTx/>
+              <a:buNone/>
+            </a:pPr>
+            <a:r>
+              <a:rPr lang="en-US" altLang="zh-CN" sz="900">
+                <a:solidFill>
+                  <a:schemeClr val="tx1">
+                    <a:lumMod val="85000"/>
+                    <a:lumOff val="15000"/>
+                  </a:schemeClr>
+                </a:solidFill>
+                <a:latin typeface="Helvetica"/>
+                <a:cs typeface="Helvetica"/>
+              </a:rPr>
+              <a:t>&lt;/script&gt;</a:t>
+            </a:r>
+            <a:endParaRPr lang="en-US" altLang="zh-CN" sz="900">
+              <a:solidFill>
+                <a:schemeClr val="tx1">
+                  <a:lumMod val="85000"/>
+                  <a:lumOff val="15000"/>
+                </a:schemeClr>
+              </a:solidFill>
+              <a:latin typeface="Helvetica"/>
+              <a:cs typeface="Helvetica"/>
+            </a:endParaRPr>
+          </a:p>
+          <a:p>
+            <a:pPr marL="0" marR="0" indent="0" algn="l" defTabSz="914400" rtl="0" fontAlgn="auto" latinLnBrk="0" hangingPunct="0">
+              <a:lnSpc>
+                <a:spcPct val="100000"/>
+              </a:lnSpc>
+              <a:spcBef>
+                <a:spcPts val="0"/>
+              </a:spcBef>
+              <a:spcAft>
+                <a:spcPts val="0"/>
+              </a:spcAft>
+              <a:buClrTx/>
+              <a:buSzTx/>
+              <a:buFontTx/>
+              <a:buNone/>
+            </a:pPr>
+            <a:r>
+              <a:rPr lang="en-US" altLang="zh-CN" sz="900">
+                <a:solidFill>
+                  <a:schemeClr val="tx1">
+                    <a:lumMod val="85000"/>
+                    <a:lumOff val="15000"/>
+                  </a:schemeClr>
+                </a:solidFill>
+                <a:latin typeface="Helvetica"/>
+                <a:cs typeface="Helvetica"/>
+              </a:rPr>
+              <a:t>&lt;template&gt;</a:t>
+            </a:r>
+            <a:endParaRPr lang="en-US" altLang="zh-CN" sz="900">
+              <a:solidFill>
+                <a:schemeClr val="tx1">
+                  <a:lumMod val="85000"/>
+                  <a:lumOff val="15000"/>
+                </a:schemeClr>
+              </a:solidFill>
+              <a:latin typeface="Helvetica"/>
+              <a:cs typeface="Helvetica"/>
+            </a:endParaRPr>
+          </a:p>
+          <a:p>
+            <a:pPr marL="0" marR="0" indent="0" algn="l" defTabSz="914400" rtl="0" fontAlgn="auto" latinLnBrk="0" hangingPunct="0">
+              <a:lnSpc>
+                <a:spcPct val="100000"/>
+              </a:lnSpc>
+              <a:spcBef>
+                <a:spcPts val="0"/>
+              </a:spcBef>
+              <a:spcAft>
+                <a:spcPts val="0"/>
+              </a:spcAft>
+              <a:buClrTx/>
+              <a:buSzTx/>
+              <a:buFontTx/>
+              <a:buNone/>
+            </a:pPr>
+            <a:r>
+              <a:rPr lang="en-US" altLang="zh-CN" sz="900">
+                <a:solidFill>
+                  <a:schemeClr val="tx1">
+                    <a:lumMod val="85000"/>
+                    <a:lumOff val="15000"/>
+                  </a:schemeClr>
+                </a:solidFill>
+                <a:latin typeface="Helvetica"/>
+                <a:cs typeface="Helvetica"/>
+              </a:rPr>
+              <a:t>	&lt;div&gt;姓名：{{ name }}&lt;/div&gt;</a:t>
+            </a:r>
+            <a:endParaRPr lang="en-US" altLang="zh-CN" sz="900">
+              <a:solidFill>
+                <a:schemeClr val="tx1">
+                  <a:lumMod val="85000"/>
+                  <a:lumOff val="15000"/>
+                </a:schemeClr>
+              </a:solidFill>
+              <a:latin typeface="Helvetica"/>
+              <a:cs typeface="Helvetica"/>
+            </a:endParaRPr>
+          </a:p>
+          <a:p>
+            <a:pPr marL="0" marR="0" indent="0" algn="l" defTabSz="914400" rtl="0" fontAlgn="auto" latinLnBrk="0" hangingPunct="0">
+              <a:lnSpc>
+                <a:spcPct val="100000"/>
+              </a:lnSpc>
+              <a:spcBef>
+                <a:spcPts val="0"/>
+              </a:spcBef>
+              <a:spcAft>
+                <a:spcPts val="0"/>
+              </a:spcAft>
+              <a:buClrTx/>
+              <a:buSzTx/>
+              <a:buFontTx/>
+              <a:buNone/>
+            </a:pPr>
+            <a:r>
+              <a:rPr lang="en-US" altLang="zh-CN" sz="900">
+                <a:solidFill>
+                  <a:schemeClr val="tx1">
+                    <a:lumMod val="85000"/>
+                    <a:lumOff val="15000"/>
+                  </a:schemeClr>
+                </a:solidFill>
+                <a:latin typeface="Helvetica"/>
+                <a:cs typeface="Helvetica"/>
+              </a:rPr>
+              <a:t>	&lt;div&gt;年龄：{{ age }}&lt;/div&gt;</a:t>
+            </a:r>
+            <a:endParaRPr lang="en-US" altLang="zh-CN" sz="900">
+              <a:solidFill>
+                <a:schemeClr val="tx1">
+                  <a:lumMod val="85000"/>
+                  <a:lumOff val="15000"/>
+                </a:schemeClr>
+              </a:solidFill>
+              <a:latin typeface="Helvetica"/>
+              <a:cs typeface="Helvetica"/>
+            </a:endParaRPr>
+          </a:p>
+          <a:p>
+            <a:pPr marL="0" marR="0" indent="0" algn="l" defTabSz="914400" rtl="0" fontAlgn="auto" latinLnBrk="0" hangingPunct="0">
+              <a:lnSpc>
+                <a:spcPct val="100000"/>
+              </a:lnSpc>
+              <a:spcBef>
+                <a:spcPts val="0"/>
+              </a:spcBef>
+              <a:spcAft>
+                <a:spcPts val="0"/>
+              </a:spcAft>
+              <a:buClrTx/>
+              <a:buSzTx/>
+              <a:buFontTx/>
+              <a:buNone/>
+            </a:pPr>
+            <a:r>
+              <a:rPr lang="en-US" altLang="zh-CN" sz="900">
+                <a:solidFill>
+                  <a:schemeClr val="tx1">
+                    <a:lumMod val="85000"/>
+                    <a:lumOff val="15000"/>
+                  </a:schemeClr>
+                </a:solidFill>
+                <a:latin typeface="Helvetica"/>
+                <a:cs typeface="Helvetica"/>
+              </a:rPr>
+              <a:t>	&lt;div&gt;计算的名字：{{ userStore.fullName }}&lt;/div&gt;</a:t>
+            </a:r>
+            <a:endParaRPr lang="en-US" altLang="zh-CN" sz="900">
+              <a:solidFill>
+                <a:schemeClr val="tx1">
+                  <a:lumMod val="85000"/>
+                  <a:lumOff val="15000"/>
+                </a:schemeClr>
+              </a:solidFill>
+              <a:latin typeface="Helvetica"/>
+              <a:cs typeface="Helvetica"/>
+            </a:endParaRPr>
+          </a:p>
+          <a:p>
+            <a:pPr marL="0" marR="0" indent="0" algn="l" defTabSz="914400" rtl="0" fontAlgn="auto" latinLnBrk="0" hangingPunct="0">
+              <a:lnSpc>
+                <a:spcPct val="100000"/>
+              </a:lnSpc>
+              <a:spcBef>
+                <a:spcPts val="0"/>
+              </a:spcBef>
+              <a:spcAft>
+                <a:spcPts val="0"/>
+              </a:spcAft>
+              <a:buClrTx/>
+              <a:buSzTx/>
+              <a:buFontTx/>
+              <a:buNone/>
+            </a:pPr>
+            <a:r>
+              <a:rPr lang="en-US" altLang="zh-CN" sz="900">
+                <a:solidFill>
+                  <a:schemeClr val="tx1">
+                    <a:lumMod val="85000"/>
+                    <a:lumOff val="15000"/>
+                  </a:schemeClr>
+                </a:solidFill>
+                <a:latin typeface="Helvetica"/>
+                <a:cs typeface="Helvetica"/>
+              </a:rPr>
+              <a:t>	&lt;div&gt;app的config: {{ appStore.config }}&lt;/div&gt;</a:t>
+            </a:r>
+            <a:endParaRPr lang="en-US" altLang="zh-CN" sz="900">
+              <a:solidFill>
+                <a:schemeClr val="tx1">
+                  <a:lumMod val="85000"/>
+                  <a:lumOff val="15000"/>
+                </a:schemeClr>
+              </a:solidFill>
+              <a:latin typeface="Helvetica"/>
+              <a:cs typeface="Helvetica"/>
+            </a:endParaRPr>
+          </a:p>
+          <a:p>
+            <a:pPr marL="0" marR="0" indent="0" algn="l" defTabSz="914400" rtl="0" fontAlgn="auto" latinLnBrk="0" hangingPunct="0">
+              <a:lnSpc>
+                <a:spcPct val="100000"/>
+              </a:lnSpc>
+              <a:spcBef>
+                <a:spcPts val="0"/>
+              </a:spcBef>
+              <a:spcAft>
+                <a:spcPts val="0"/>
+              </a:spcAft>
+              <a:buClrTx/>
+              <a:buSzTx/>
+              <a:buFontTx/>
+              <a:buNone/>
+            </a:pPr>
+            <a:r>
+              <a:rPr lang="en-US" altLang="zh-CN" sz="900">
+                <a:solidFill>
+                  <a:schemeClr val="tx1">
+                    <a:lumMod val="85000"/>
+                    <a:lumOff val="15000"/>
+                  </a:schemeClr>
+                </a:solidFill>
+                <a:latin typeface="Helvetica"/>
+                <a:cs typeface="Helvetica"/>
+              </a:rPr>
+              <a:t>	&lt;button @click="updateUserState"&gt;更新数据&lt;/button&gt;</a:t>
+            </a:r>
+            <a:endParaRPr lang="en-US" altLang="zh-CN" sz="900">
+              <a:solidFill>
+                <a:schemeClr val="tx1">
+                  <a:lumMod val="85000"/>
+                  <a:lumOff val="15000"/>
+                </a:schemeClr>
+              </a:solidFill>
+              <a:latin typeface="Helvetica"/>
+              <a:cs typeface="Helvetica"/>
+            </a:endParaRPr>
+          </a:p>
+          <a:p>
+            <a:pPr marL="0" marR="0" indent="0" algn="l" defTabSz="914400" rtl="0" fontAlgn="auto" latinLnBrk="0" hangingPunct="0">
+              <a:lnSpc>
+                <a:spcPct val="100000"/>
+              </a:lnSpc>
+              <a:spcBef>
+                <a:spcPts val="0"/>
+              </a:spcBef>
+              <a:spcAft>
+                <a:spcPts val="0"/>
+              </a:spcAft>
+              <a:buClrTx/>
+              <a:buSzTx/>
+              <a:buFontTx/>
+              <a:buNone/>
+            </a:pPr>
+            <a:r>
+              <a:rPr lang="en-US" altLang="zh-CN" sz="900">
+                <a:solidFill>
+                  <a:schemeClr val="tx1">
+                    <a:lumMod val="85000"/>
+                    <a:lumOff val="15000"/>
+                  </a:schemeClr>
+                </a:solidFill>
+                <a:latin typeface="Helvetica"/>
+                <a:cs typeface="Helvetica"/>
+              </a:rPr>
+              <a:t>&lt;/template&gt;</a:t>
+            </a:r>
+            <a:endParaRPr lang="en-US" altLang="zh-CN" sz="900">
+              <a:solidFill>
+                <a:schemeClr val="tx1">
+                  <a:lumMod val="85000"/>
+                  <a:lumOff val="15000"/>
+                </a:schemeClr>
+              </a:solidFill>
+              <a:latin typeface="Helvetica"/>
+              <a:cs typeface="Helvetica"/>
+            </a:endParaRPr>
+          </a:p>
         </p:txBody>
       </p:sp>
-      <p:pic>
-        <p:nvPicPr>
-          <p:cNvPr id="3" name="图片 2"/>
-          <p:cNvPicPr>
-            <a:picLocks noChangeAspect="1"/>
-          </p:cNvPicPr>
-          <p:nvPr/>
-        </p:nvPicPr>
-        <p:blipFill>
-          <a:blip r:embed="rId2"/>
-          <a:stretch>
-            <a:fillRect/>
-          </a:stretch>
-        </p:blipFill>
-        <p:spPr>
-          <a:xfrm>
-            <a:off x="2283460" y="2230120"/>
-            <a:ext cx="4578350" cy="2623185"/>
-          </a:xfrm>
-          <a:prstGeom prst="rect">
-            <a:avLst/>
-          </a:prstGeom>
-        </p:spPr>
-      </p:pic>
     </p:spTree>
   </p:cSld>
   <p:clrMapOvr>
@@ -18576,7 +19288,7 @@
                 <a:ea typeface="微软雅黑" panose="020B0503020204020204" charset="-122"/>
                 <a:sym typeface="Helvetica"/>
               </a:rPr>
-              <a:t>Pinia 状态管理</a:t>
+              <a:t>mockjs</a:t>
             </a:r>
             <a:endParaRPr lang="en-US" altLang="zh-CN" b="1" dirty="0">
               <a:solidFill>
@@ -18598,7 +19310,7 @@
         <p:spPr>
           <a:xfrm>
             <a:off x="1323340" y="758825"/>
-            <a:ext cx="6497955" cy="3902075"/>
+            <a:ext cx="6497955" cy="706755"/>
           </a:xfrm>
           <a:prstGeom prst="rect">
             <a:avLst/>
@@ -18645,7 +19357,7 @@
               <a:buChar char="•"/>
             </a:pPr>
             <a:r>
-              <a:rPr lang="zh-CN" altLang="en-US" sz="1200" b="1">
+              <a:rPr sz="1400" b="1">
                 <a:solidFill>
                   <a:schemeClr val="tx1">
                     <a:lumMod val="85000"/>
@@ -18656,10 +19368,38 @@
                 <a:ea typeface="宋体" panose="02010600030101010101" pitchFamily="2" charset="-122"/>
                 <a:cs typeface="Helvetica"/>
               </a:rPr>
-              <a:t>页面使用</a:t>
-            </a:r>
-            <a:r>
-              <a:rPr lang="en-US" altLang="zh-CN" sz="1200" b="1">
+              <a:t>文档：https://github.com/vbenjs/vite-plugin-mock</a:t>
+            </a:r>
+            <a:endParaRPr sz="1400" b="1">
+              <a:solidFill>
+                <a:schemeClr val="tx1">
+                  <a:lumMod val="85000"/>
+                  <a:lumOff val="15000"/>
+                </a:schemeClr>
+              </a:solidFill>
+              <a:latin typeface="Helvetica"/>
+              <a:ea typeface="宋体" panose="02010600030101010101" pitchFamily="2" charset="-122"/>
+              <a:cs typeface="Helvetica"/>
+            </a:endParaRPr>
+          </a:p>
+          <a:p>
+            <a:pPr marL="171450" marR="0" indent="-171450" algn="l" defTabSz="914400" rtl="0" fontAlgn="auto" latinLnBrk="0" hangingPunct="0">
+              <a:lnSpc>
+                <a:spcPct val="100000"/>
+              </a:lnSpc>
+              <a:spcBef>
+                <a:spcPts val="0"/>
+              </a:spcBef>
+              <a:spcAft>
+                <a:spcPts val="0"/>
+              </a:spcAft>
+              <a:buClrTx/>
+              <a:buSzTx/>
+              <a:buFont typeface="Arial" panose="020B0604020202020204" pitchFamily="34" charset="0"/>
+              <a:buChar char="•"/>
+            </a:pPr>
+            <a:r>
+              <a:rPr sz="1400" b="1">
                 <a:solidFill>
                   <a:schemeClr val="tx1">
                     <a:lumMod val="85000"/>
@@ -18670,9 +19410,9 @@
                 <a:ea typeface="宋体" panose="02010600030101010101" pitchFamily="2" charset="-122"/>
                 <a:cs typeface="Helvetica"/>
               </a:rPr>
-              <a:t>pinia</a:t>
-            </a:r>
-            <a:endParaRPr lang="en-US" altLang="zh-CN" sz="1200">
+              <a:t>安装依赖</a:t>
+            </a:r>
+            <a:endParaRPr sz="1400" b="1">
               <a:solidFill>
                 <a:schemeClr val="tx1">
                   <a:lumMod val="85000"/>
@@ -18680,27 +19420,27 @@
                 </a:schemeClr>
               </a:solidFill>
               <a:latin typeface="Helvetica"/>
+              <a:ea typeface="宋体" panose="02010600030101010101" pitchFamily="2" charset="-122"/>
               <a:cs typeface="Helvetica"/>
             </a:endParaRPr>
           </a:p>
           <a:p>
-            <a:pPr marL="0" marR="0" indent="0" algn="l" defTabSz="914400" rtl="0" fontAlgn="auto" latinLnBrk="0" hangingPunct="0">
-              <a:lnSpc>
-                <a:spcPct val="100000"/>
-              </a:lnSpc>
-              <a:spcBef>
-                <a:spcPts val="0"/>
-              </a:spcBef>
-              <a:spcAft>
-                <a:spcPts val="0"/>
-              </a:spcAft>
-              <a:buClrTx/>
-              <a:buSzTx/>
-              <a:buFontTx/>
-              <a:buNone/>
-            </a:pPr>
-            <a:r>
-              <a:rPr lang="en-US" altLang="zh-CN" sz="900">
+            <a:pPr marR="0" algn="l" defTabSz="914400" rtl="0" fontAlgn="auto" latinLnBrk="0" hangingPunct="0">
+              <a:lnSpc>
+                <a:spcPct val="100000"/>
+              </a:lnSpc>
+              <a:spcBef>
+                <a:spcPts val="0"/>
+              </a:spcBef>
+              <a:spcAft>
+                <a:spcPts val="0"/>
+              </a:spcAft>
+              <a:buClrTx/>
+              <a:buSzTx/>
+              <a:buFont typeface="Arial" panose="020B0604020202020204" pitchFamily="34" charset="0"/>
+            </a:pPr>
+            <a:r>
+              <a:rPr sz="1400" b="1">
                 <a:solidFill>
                   <a:schemeClr val="tx1">
                     <a:lumMod val="85000"/>
@@ -18708,11 +19448,12 @@
                   </a:schemeClr>
                 </a:solidFill>
                 <a:latin typeface="Helvetica"/>
+                <a:ea typeface="宋体" panose="02010600030101010101" pitchFamily="2" charset="-122"/>
                 <a:cs typeface="Helvetica"/>
               </a:rPr>
-              <a:t>&lt;script setup lang="ts"&gt;</a:t>
-            </a:r>
-            <a:endParaRPr lang="en-US" altLang="zh-CN" sz="900">
+              <a:t>pnpm i -D vite-plugin-mock mockjs @types/mockjs</a:t>
+            </a:r>
+            <a:endParaRPr sz="1400" b="1">
               <a:solidFill>
                 <a:schemeClr val="tx1">
                   <a:lumMod val="85000"/>
@@ -18720,958 +19461,36 @@
                 </a:schemeClr>
               </a:solidFill>
               <a:latin typeface="Helvetica"/>
-              <a:cs typeface="Helvetica"/>
-            </a:endParaRPr>
-          </a:p>
-          <a:p>
-            <a:pPr marL="0" marR="0" indent="0" algn="l" defTabSz="914400" rtl="0" fontAlgn="auto" latinLnBrk="0" hangingPunct="0">
-              <a:lnSpc>
-                <a:spcPct val="100000"/>
-              </a:lnSpc>
-              <a:spcBef>
-                <a:spcPts val="0"/>
-              </a:spcBef>
-              <a:spcAft>
-                <a:spcPts val="0"/>
-              </a:spcAft>
-              <a:buClrTx/>
-              <a:buSzTx/>
-              <a:buFontTx/>
-              <a:buNone/>
-            </a:pPr>
-            <a:r>
-              <a:rPr lang="en-US" altLang="zh-CN" sz="900">
-                <a:solidFill>
-                  <a:schemeClr val="tx1">
-                    <a:lumMod val="85000"/>
-                    <a:lumOff val="15000"/>
-                  </a:schemeClr>
-                </a:solidFill>
-                <a:latin typeface="Helvetica"/>
-                <a:cs typeface="Helvetica"/>
-              </a:rPr>
-              <a:t>import { useUserStore } from '@/store/user'</a:t>
-            </a:r>
-            <a:endParaRPr lang="en-US" altLang="zh-CN" sz="900">
-              <a:solidFill>
-                <a:schemeClr val="tx1">
-                  <a:lumMod val="85000"/>
-                  <a:lumOff val="15000"/>
-                </a:schemeClr>
-              </a:solidFill>
-              <a:latin typeface="Helvetica"/>
-              <a:cs typeface="Helvetica"/>
-            </a:endParaRPr>
-          </a:p>
-          <a:p>
-            <a:pPr marL="0" marR="0" indent="0" algn="l" defTabSz="914400" rtl="0" fontAlgn="auto" latinLnBrk="0" hangingPunct="0">
-              <a:lnSpc>
-                <a:spcPct val="100000"/>
-              </a:lnSpc>
-              <a:spcBef>
-                <a:spcPts val="0"/>
-              </a:spcBef>
-              <a:spcAft>
-                <a:spcPts val="0"/>
-              </a:spcAft>
-              <a:buClrTx/>
-              <a:buSzTx/>
-              <a:buFontTx/>
-              <a:buNone/>
-            </a:pPr>
-            <a:r>
-              <a:rPr lang="en-US" altLang="zh-CN" sz="900">
-                <a:solidFill>
-                  <a:schemeClr val="tx1">
-                    <a:lumMod val="85000"/>
-                    <a:lumOff val="15000"/>
-                  </a:schemeClr>
-                </a:solidFill>
-                <a:latin typeface="Helvetica"/>
-                <a:cs typeface="Helvetica"/>
-              </a:rPr>
-              <a:t>import { useAppStore } from '@/store/app'</a:t>
-            </a:r>
-            <a:endParaRPr lang="en-US" altLang="zh-CN" sz="900">
-              <a:solidFill>
-                <a:schemeClr val="tx1">
-                  <a:lumMod val="85000"/>
-                  <a:lumOff val="15000"/>
-                </a:schemeClr>
-              </a:solidFill>
-              <a:latin typeface="Helvetica"/>
-              <a:cs typeface="Helvetica"/>
-            </a:endParaRPr>
-          </a:p>
-          <a:p>
-            <a:pPr marL="0" marR="0" indent="0" algn="l" defTabSz="914400" rtl="0" fontAlgn="auto" latinLnBrk="0" hangingPunct="0">
-              <a:lnSpc>
-                <a:spcPct val="100000"/>
-              </a:lnSpc>
-              <a:spcBef>
-                <a:spcPts val="0"/>
-              </a:spcBef>
-              <a:spcAft>
-                <a:spcPts val="0"/>
-              </a:spcAft>
-              <a:buClrTx/>
-              <a:buSzTx/>
-              <a:buFontTx/>
-              <a:buNone/>
-            </a:pPr>
-            <a:r>
-              <a:rPr lang="en-US" altLang="zh-CN" sz="900">
-                <a:solidFill>
-                  <a:schemeClr val="tx1">
-                    <a:lumMod val="85000"/>
-                    <a:lumOff val="15000"/>
-                  </a:schemeClr>
-                </a:solidFill>
-                <a:latin typeface="Helvetica"/>
-                <a:cs typeface="Helvetica"/>
-              </a:rPr>
-              <a:t>import { storeToRefs } from 'pinia'</a:t>
-            </a:r>
-            <a:endParaRPr lang="en-US" altLang="zh-CN" sz="900">
-              <a:solidFill>
-                <a:schemeClr val="tx1">
-                  <a:lumMod val="85000"/>
-                  <a:lumOff val="15000"/>
-                </a:schemeClr>
-              </a:solidFill>
-              <a:latin typeface="Helvetica"/>
-              <a:cs typeface="Helvetica"/>
-            </a:endParaRPr>
-          </a:p>
-          <a:p>
-            <a:pPr marL="0" marR="0" indent="0" algn="l" defTabSz="914400" rtl="0" fontAlgn="auto" latinLnBrk="0" hangingPunct="0">
-              <a:lnSpc>
-                <a:spcPct val="100000"/>
-              </a:lnSpc>
-              <a:spcBef>
-                <a:spcPts val="0"/>
-              </a:spcBef>
-              <a:spcAft>
-                <a:spcPts val="0"/>
-              </a:spcAft>
-              <a:buClrTx/>
-              <a:buSzTx/>
-              <a:buFontTx/>
-              <a:buNone/>
-            </a:pPr>
-            <a:r>
-              <a:rPr lang="en-US" altLang="zh-CN" sz="900">
-                <a:solidFill>
-                  <a:schemeClr val="tx1">
-                    <a:lumMod val="85000"/>
-                    <a:lumOff val="15000"/>
-                  </a:schemeClr>
-                </a:solidFill>
-                <a:latin typeface="Helvetica"/>
-                <a:cs typeface="Helvetica"/>
-              </a:rPr>
-              <a:t>import { computed } from 'vue'</a:t>
-            </a:r>
-            <a:endParaRPr lang="en-US" altLang="zh-CN" sz="900">
-              <a:solidFill>
-                <a:schemeClr val="tx1">
-                  <a:lumMod val="85000"/>
-                  <a:lumOff val="15000"/>
-                </a:schemeClr>
-              </a:solidFill>
-              <a:latin typeface="Helvetica"/>
-              <a:cs typeface="Helvetica"/>
-            </a:endParaRPr>
-          </a:p>
-          <a:p>
-            <a:pPr marL="0" marR="0" indent="0" algn="l" defTabSz="914400" rtl="0" fontAlgn="auto" latinLnBrk="0" hangingPunct="0">
-              <a:lnSpc>
-                <a:spcPct val="100000"/>
-              </a:lnSpc>
-              <a:spcBef>
-                <a:spcPts val="0"/>
-              </a:spcBef>
-              <a:spcAft>
-                <a:spcPts val="0"/>
-              </a:spcAft>
-              <a:buClrTx/>
-              <a:buSzTx/>
-              <a:buFontTx/>
-              <a:buNone/>
-            </a:pPr>
-            <a:endParaRPr lang="en-US" altLang="zh-CN" sz="900">
-              <a:solidFill>
-                <a:schemeClr val="tx1">
-                  <a:lumMod val="85000"/>
-                  <a:lumOff val="15000"/>
-                </a:schemeClr>
-              </a:solidFill>
-              <a:latin typeface="Helvetica"/>
-              <a:cs typeface="Helvetica"/>
-            </a:endParaRPr>
-          </a:p>
-          <a:p>
-            <a:pPr marL="0" marR="0" indent="0" algn="l" defTabSz="914400" rtl="0" fontAlgn="auto" latinLnBrk="0" hangingPunct="0">
-              <a:lnSpc>
-                <a:spcPct val="100000"/>
-              </a:lnSpc>
-              <a:spcBef>
-                <a:spcPts val="0"/>
-              </a:spcBef>
-              <a:spcAft>
-                <a:spcPts val="0"/>
-              </a:spcAft>
-              <a:buClrTx/>
-              <a:buSzTx/>
-              <a:buFontTx/>
-              <a:buNone/>
-            </a:pPr>
-            <a:r>
-              <a:rPr lang="en-US" altLang="zh-CN" sz="900">
-                <a:solidFill>
-                  <a:schemeClr val="tx1">
-                    <a:lumMod val="85000"/>
-                    <a:lumOff val="15000"/>
-                  </a:schemeClr>
-                </a:solidFill>
-                <a:latin typeface="Helvetica"/>
-                <a:cs typeface="Helvetica"/>
-              </a:rPr>
-              <a:t>const userStore = useUserStore()</a:t>
-            </a:r>
-            <a:endParaRPr lang="en-US" altLang="zh-CN" sz="900">
-              <a:solidFill>
-                <a:schemeClr val="tx1">
-                  <a:lumMod val="85000"/>
-                  <a:lumOff val="15000"/>
-                </a:schemeClr>
-              </a:solidFill>
-              <a:latin typeface="Helvetica"/>
-              <a:cs typeface="Helvetica"/>
-            </a:endParaRPr>
-          </a:p>
-          <a:p>
-            <a:pPr marL="0" marR="0" indent="0" algn="l" defTabSz="914400" rtl="0" fontAlgn="auto" latinLnBrk="0" hangingPunct="0">
-              <a:lnSpc>
-                <a:spcPct val="100000"/>
-              </a:lnSpc>
-              <a:spcBef>
-                <a:spcPts val="0"/>
-              </a:spcBef>
-              <a:spcAft>
-                <a:spcPts val="0"/>
-              </a:spcAft>
-              <a:buClrTx/>
-              <a:buSzTx/>
-              <a:buFontTx/>
-              <a:buNone/>
-            </a:pPr>
-            <a:r>
-              <a:rPr lang="en-US" altLang="zh-CN" sz="900">
-                <a:solidFill>
-                  <a:schemeClr val="tx1">
-                    <a:lumMod val="85000"/>
-                    <a:lumOff val="15000"/>
-                  </a:schemeClr>
-                </a:solidFill>
-                <a:latin typeface="Helvetica"/>
-                <a:cs typeface="Helvetica"/>
-              </a:rPr>
-              <a:t>const appStore = useAppStore()</a:t>
-            </a:r>
-            <a:endParaRPr lang="en-US" altLang="zh-CN" sz="900">
-              <a:solidFill>
-                <a:schemeClr val="tx1">
-                  <a:lumMod val="85000"/>
-                  <a:lumOff val="15000"/>
-                </a:schemeClr>
-              </a:solidFill>
-              <a:latin typeface="Helvetica"/>
-              <a:cs typeface="Helvetica"/>
-            </a:endParaRPr>
-          </a:p>
-          <a:p>
-            <a:pPr marL="0" marR="0" indent="0" algn="l" defTabSz="914400" rtl="0" fontAlgn="auto" latinLnBrk="0" hangingPunct="0">
-              <a:lnSpc>
-                <a:spcPct val="100000"/>
-              </a:lnSpc>
-              <a:spcBef>
-                <a:spcPts val="0"/>
-              </a:spcBef>
-              <a:spcAft>
-                <a:spcPts val="0"/>
-              </a:spcAft>
-              <a:buClrTx/>
-              <a:buSzTx/>
-              <a:buFontTx/>
-              <a:buNone/>
-            </a:pPr>
-            <a:r>
-              <a:rPr lang="en-US" altLang="zh-CN" sz="900">
-                <a:solidFill>
-                  <a:schemeClr val="tx1">
-                    <a:lumMod val="85000"/>
-                    <a:lumOff val="15000"/>
-                  </a:schemeClr>
-                </a:solidFill>
-                <a:latin typeface="Helvetica"/>
-                <a:cs typeface="Helvetica"/>
-              </a:rPr>
-              <a:t>const name = computed(() =&gt; userStore.name)</a:t>
-            </a:r>
-            <a:endParaRPr lang="en-US" altLang="zh-CN" sz="900">
-              <a:solidFill>
-                <a:schemeClr val="tx1">
-                  <a:lumMod val="85000"/>
-                  <a:lumOff val="15000"/>
-                </a:schemeClr>
-              </a:solidFill>
-              <a:latin typeface="Helvetica"/>
-              <a:cs typeface="Helvetica"/>
-            </a:endParaRPr>
-          </a:p>
-          <a:p>
-            <a:pPr marL="0" marR="0" indent="0" algn="l" defTabSz="914400" rtl="0" fontAlgn="auto" latinLnBrk="0" hangingPunct="0">
-              <a:lnSpc>
-                <a:spcPct val="100000"/>
-              </a:lnSpc>
-              <a:spcBef>
-                <a:spcPts val="0"/>
-              </a:spcBef>
-              <a:spcAft>
-                <a:spcPts val="0"/>
-              </a:spcAft>
-              <a:buClrTx/>
-              <a:buSzTx/>
-              <a:buFontTx/>
-              <a:buNone/>
-            </a:pPr>
-            <a:r>
-              <a:rPr lang="en-US" altLang="zh-CN" sz="900">
-                <a:solidFill>
-                  <a:schemeClr val="tx1">
-                    <a:lumMod val="85000"/>
-                    <a:lumOff val="15000"/>
-                  </a:schemeClr>
-                </a:solidFill>
-                <a:latin typeface="Helvetica"/>
-                <a:cs typeface="Helvetica"/>
-              </a:rPr>
-              <a:t>const { age } = storeToRefs(userStore)</a:t>
-            </a:r>
-            <a:endParaRPr lang="en-US" altLang="zh-CN" sz="900">
-              <a:solidFill>
-                <a:schemeClr val="tx1">
-                  <a:lumMod val="85000"/>
-                  <a:lumOff val="15000"/>
-                </a:schemeClr>
-              </a:solidFill>
-              <a:latin typeface="Helvetica"/>
-              <a:cs typeface="Helvetica"/>
-            </a:endParaRPr>
-          </a:p>
-          <a:p>
-            <a:pPr marL="0" marR="0" indent="0" algn="l" defTabSz="914400" rtl="0" fontAlgn="auto" latinLnBrk="0" hangingPunct="0">
-              <a:lnSpc>
-                <a:spcPct val="100000"/>
-              </a:lnSpc>
-              <a:spcBef>
-                <a:spcPts val="0"/>
-              </a:spcBef>
-              <a:spcAft>
-                <a:spcPts val="0"/>
-              </a:spcAft>
-              <a:buClrTx/>
-              <a:buSzTx/>
-              <a:buFontTx/>
-              <a:buNone/>
-            </a:pPr>
-            <a:r>
-              <a:rPr lang="en-US" altLang="zh-CN" sz="900">
-                <a:solidFill>
-                  <a:schemeClr val="tx1">
-                    <a:lumMod val="85000"/>
-                    <a:lumOff val="15000"/>
-                  </a:schemeClr>
-                </a:solidFill>
-                <a:latin typeface="Helvetica"/>
-                <a:cs typeface="Helvetica"/>
-              </a:rPr>
-              <a:t>const updateUserState = () =&gt; {</a:t>
-            </a:r>
-            <a:endParaRPr lang="en-US" altLang="zh-CN" sz="900">
-              <a:solidFill>
-                <a:schemeClr val="tx1">
-                  <a:lumMod val="85000"/>
-                  <a:lumOff val="15000"/>
-                </a:schemeClr>
-              </a:solidFill>
-              <a:latin typeface="Helvetica"/>
-              <a:cs typeface="Helvetica"/>
-            </a:endParaRPr>
-          </a:p>
-          <a:p>
-            <a:pPr marL="0" marR="0" indent="0" algn="l" defTabSz="914400" rtl="0" fontAlgn="auto" latinLnBrk="0" hangingPunct="0">
-              <a:lnSpc>
-                <a:spcPct val="100000"/>
-              </a:lnSpc>
-              <a:spcBef>
-                <a:spcPts val="0"/>
-              </a:spcBef>
-              <a:spcAft>
-                <a:spcPts val="0"/>
-              </a:spcAft>
-              <a:buClrTx/>
-              <a:buSzTx/>
-              <a:buFontTx/>
-              <a:buNone/>
-            </a:pPr>
-            <a:r>
-              <a:rPr lang="en-US" altLang="zh-CN" sz="900">
-                <a:solidFill>
-                  <a:schemeClr val="tx1">
-                    <a:lumMod val="85000"/>
-                    <a:lumOff val="15000"/>
-                  </a:schemeClr>
-                </a:solidFill>
-                <a:latin typeface="Helvetica"/>
-                <a:cs typeface="Helvetica"/>
-              </a:rPr>
-              <a:t>	const { name, age } = userStore.$state</a:t>
-            </a:r>
-            <a:endParaRPr lang="en-US" altLang="zh-CN" sz="900">
-              <a:solidFill>
-                <a:schemeClr val="tx1">
-                  <a:lumMod val="85000"/>
-                  <a:lumOff val="15000"/>
-                </a:schemeClr>
-              </a:solidFill>
-              <a:latin typeface="Helvetica"/>
-              <a:cs typeface="Helvetica"/>
-            </a:endParaRPr>
-          </a:p>
-          <a:p>
-            <a:pPr marL="0" marR="0" indent="0" algn="l" defTabSz="914400" rtl="0" fontAlgn="auto" latinLnBrk="0" hangingPunct="0">
-              <a:lnSpc>
-                <a:spcPct val="100000"/>
-              </a:lnSpc>
-              <a:spcBef>
-                <a:spcPts val="0"/>
-              </a:spcBef>
-              <a:spcAft>
-                <a:spcPts val="0"/>
-              </a:spcAft>
-              <a:buClrTx/>
-              <a:buSzTx/>
-              <a:buFontTx/>
-              <a:buNone/>
-            </a:pPr>
-            <a:r>
-              <a:rPr lang="en-US" altLang="zh-CN" sz="900">
-                <a:solidFill>
-                  <a:schemeClr val="tx1">
-                    <a:lumMod val="85000"/>
-                    <a:lumOff val="15000"/>
-                  </a:schemeClr>
-                </a:solidFill>
-                <a:latin typeface="Helvetica"/>
-                <a:cs typeface="Helvetica"/>
-              </a:rPr>
-              <a:t>	userStore.updateState({</a:t>
-            </a:r>
-            <a:endParaRPr lang="en-US" altLang="zh-CN" sz="900">
-              <a:solidFill>
-                <a:schemeClr val="tx1">
-                  <a:lumMod val="85000"/>
-                  <a:lumOff val="15000"/>
-                </a:schemeClr>
-              </a:solidFill>
-              <a:latin typeface="Helvetica"/>
-              <a:cs typeface="Helvetica"/>
-            </a:endParaRPr>
-          </a:p>
-          <a:p>
-            <a:pPr marL="0" marR="0" indent="0" algn="l" defTabSz="914400" rtl="0" fontAlgn="auto" latinLnBrk="0" hangingPunct="0">
-              <a:lnSpc>
-                <a:spcPct val="100000"/>
-              </a:lnSpc>
-              <a:spcBef>
-                <a:spcPts val="0"/>
-              </a:spcBef>
-              <a:spcAft>
-                <a:spcPts val="0"/>
-              </a:spcAft>
-              <a:buClrTx/>
-              <a:buSzTx/>
-              <a:buFontTx/>
-              <a:buNone/>
-            </a:pPr>
-            <a:r>
-              <a:rPr lang="en-US" altLang="zh-CN" sz="900">
-                <a:solidFill>
-                  <a:schemeClr val="tx1">
-                    <a:lumMod val="85000"/>
-                    <a:lumOff val="15000"/>
-                  </a:schemeClr>
-                </a:solidFill>
-                <a:latin typeface="Helvetica"/>
-                <a:cs typeface="Helvetica"/>
-              </a:rPr>
-              <a:t>		name: name + 1,</a:t>
-            </a:r>
-            <a:endParaRPr lang="en-US" altLang="zh-CN" sz="900">
-              <a:solidFill>
-                <a:schemeClr val="tx1">
-                  <a:lumMod val="85000"/>
-                  <a:lumOff val="15000"/>
-                </a:schemeClr>
-              </a:solidFill>
-              <a:latin typeface="Helvetica"/>
-              <a:cs typeface="Helvetica"/>
-            </a:endParaRPr>
-          </a:p>
-          <a:p>
-            <a:pPr marL="0" marR="0" indent="0" algn="l" defTabSz="914400" rtl="0" fontAlgn="auto" latinLnBrk="0" hangingPunct="0">
-              <a:lnSpc>
-                <a:spcPct val="100000"/>
-              </a:lnSpc>
-              <a:spcBef>
-                <a:spcPts val="0"/>
-              </a:spcBef>
-              <a:spcAft>
-                <a:spcPts val="0"/>
-              </a:spcAft>
-              <a:buClrTx/>
-              <a:buSzTx/>
-              <a:buFontTx/>
-              <a:buNone/>
-            </a:pPr>
-            <a:r>
-              <a:rPr lang="en-US" altLang="zh-CN" sz="900">
-                <a:solidFill>
-                  <a:schemeClr val="tx1">
-                    <a:lumMod val="85000"/>
-                    <a:lumOff val="15000"/>
-                  </a:schemeClr>
-                </a:solidFill>
-                <a:latin typeface="Helvetica"/>
-                <a:cs typeface="Helvetica"/>
-              </a:rPr>
-              <a:t>		age: age + 1</a:t>
-            </a:r>
-            <a:endParaRPr lang="en-US" altLang="zh-CN" sz="900">
-              <a:solidFill>
-                <a:schemeClr val="tx1">
-                  <a:lumMod val="85000"/>
-                  <a:lumOff val="15000"/>
-                </a:schemeClr>
-              </a:solidFill>
-              <a:latin typeface="Helvetica"/>
-              <a:cs typeface="Helvetica"/>
-            </a:endParaRPr>
-          </a:p>
-          <a:p>
-            <a:pPr marL="0" marR="0" indent="0" algn="l" defTabSz="914400" rtl="0" fontAlgn="auto" latinLnBrk="0" hangingPunct="0">
-              <a:lnSpc>
-                <a:spcPct val="100000"/>
-              </a:lnSpc>
-              <a:spcBef>
-                <a:spcPts val="0"/>
-              </a:spcBef>
-              <a:spcAft>
-                <a:spcPts val="0"/>
-              </a:spcAft>
-              <a:buClrTx/>
-              <a:buSzTx/>
-              <a:buFontTx/>
-              <a:buNone/>
-            </a:pPr>
-            <a:r>
-              <a:rPr lang="en-US" altLang="zh-CN" sz="900">
-                <a:solidFill>
-                  <a:schemeClr val="tx1">
-                    <a:lumMod val="85000"/>
-                    <a:lumOff val="15000"/>
-                  </a:schemeClr>
-                </a:solidFill>
-                <a:latin typeface="Helvetica"/>
-                <a:cs typeface="Helvetica"/>
-              </a:rPr>
-              <a:t>	})</a:t>
-            </a:r>
-            <a:endParaRPr lang="en-US" altLang="zh-CN" sz="900">
-              <a:solidFill>
-                <a:schemeClr val="tx1">
-                  <a:lumMod val="85000"/>
-                  <a:lumOff val="15000"/>
-                </a:schemeClr>
-              </a:solidFill>
-              <a:latin typeface="Helvetica"/>
-              <a:cs typeface="Helvetica"/>
-            </a:endParaRPr>
-          </a:p>
-          <a:p>
-            <a:pPr marL="0" marR="0" indent="0" algn="l" defTabSz="914400" rtl="0" fontAlgn="auto" latinLnBrk="0" hangingPunct="0">
-              <a:lnSpc>
-                <a:spcPct val="100000"/>
-              </a:lnSpc>
-              <a:spcBef>
-                <a:spcPts val="0"/>
-              </a:spcBef>
-              <a:spcAft>
-                <a:spcPts val="0"/>
-              </a:spcAft>
-              <a:buClrTx/>
-              <a:buSzTx/>
-              <a:buFontTx/>
-              <a:buNone/>
-            </a:pPr>
-            <a:r>
-              <a:rPr lang="en-US" altLang="zh-CN" sz="900">
-                <a:solidFill>
-                  <a:schemeClr val="tx1">
-                    <a:lumMod val="85000"/>
-                    <a:lumOff val="15000"/>
-                  </a:schemeClr>
-                </a:solidFill>
-                <a:latin typeface="Helvetica"/>
-                <a:cs typeface="Helvetica"/>
-              </a:rPr>
-              <a:t>}</a:t>
-            </a:r>
-            <a:endParaRPr lang="en-US" altLang="zh-CN" sz="900">
-              <a:solidFill>
-                <a:schemeClr val="tx1">
-                  <a:lumMod val="85000"/>
-                  <a:lumOff val="15000"/>
-                </a:schemeClr>
-              </a:solidFill>
-              <a:latin typeface="Helvetica"/>
-              <a:cs typeface="Helvetica"/>
-            </a:endParaRPr>
-          </a:p>
-          <a:p>
-            <a:pPr marL="0" marR="0" indent="0" algn="l" defTabSz="914400" rtl="0" fontAlgn="auto" latinLnBrk="0" hangingPunct="0">
-              <a:lnSpc>
-                <a:spcPct val="100000"/>
-              </a:lnSpc>
-              <a:spcBef>
-                <a:spcPts val="0"/>
-              </a:spcBef>
-              <a:spcAft>
-                <a:spcPts val="0"/>
-              </a:spcAft>
-              <a:buClrTx/>
-              <a:buSzTx/>
-              <a:buFontTx/>
-              <a:buNone/>
-            </a:pPr>
-            <a:r>
-              <a:rPr lang="en-US" altLang="zh-CN" sz="900">
-                <a:solidFill>
-                  <a:schemeClr val="tx1">
-                    <a:lumMod val="85000"/>
-                    <a:lumOff val="15000"/>
-                  </a:schemeClr>
-                </a:solidFill>
-                <a:latin typeface="Helvetica"/>
-                <a:cs typeface="Helvetica"/>
-              </a:rPr>
-              <a:t>&lt;/script&gt;</a:t>
-            </a:r>
-            <a:endParaRPr lang="en-US" altLang="zh-CN" sz="900">
-              <a:solidFill>
-                <a:schemeClr val="tx1">
-                  <a:lumMod val="85000"/>
-                  <a:lumOff val="15000"/>
-                </a:schemeClr>
-              </a:solidFill>
-              <a:latin typeface="Helvetica"/>
-              <a:cs typeface="Helvetica"/>
-            </a:endParaRPr>
-          </a:p>
-          <a:p>
-            <a:pPr marL="0" marR="0" indent="0" algn="l" defTabSz="914400" rtl="0" fontAlgn="auto" latinLnBrk="0" hangingPunct="0">
-              <a:lnSpc>
-                <a:spcPct val="100000"/>
-              </a:lnSpc>
-              <a:spcBef>
-                <a:spcPts val="0"/>
-              </a:spcBef>
-              <a:spcAft>
-                <a:spcPts val="0"/>
-              </a:spcAft>
-              <a:buClrTx/>
-              <a:buSzTx/>
-              <a:buFontTx/>
-              <a:buNone/>
-            </a:pPr>
-            <a:r>
-              <a:rPr lang="en-US" altLang="zh-CN" sz="900">
-                <a:solidFill>
-                  <a:schemeClr val="tx1">
-                    <a:lumMod val="85000"/>
-                    <a:lumOff val="15000"/>
-                  </a:schemeClr>
-                </a:solidFill>
-                <a:latin typeface="Helvetica"/>
-                <a:cs typeface="Helvetica"/>
-              </a:rPr>
-              <a:t>&lt;template&gt;</a:t>
-            </a:r>
-            <a:endParaRPr lang="en-US" altLang="zh-CN" sz="900">
-              <a:solidFill>
-                <a:schemeClr val="tx1">
-                  <a:lumMod val="85000"/>
-                  <a:lumOff val="15000"/>
-                </a:schemeClr>
-              </a:solidFill>
-              <a:latin typeface="Helvetica"/>
-              <a:cs typeface="Helvetica"/>
-            </a:endParaRPr>
-          </a:p>
-          <a:p>
-            <a:pPr marL="0" marR="0" indent="0" algn="l" defTabSz="914400" rtl="0" fontAlgn="auto" latinLnBrk="0" hangingPunct="0">
-              <a:lnSpc>
-                <a:spcPct val="100000"/>
-              </a:lnSpc>
-              <a:spcBef>
-                <a:spcPts val="0"/>
-              </a:spcBef>
-              <a:spcAft>
-                <a:spcPts val="0"/>
-              </a:spcAft>
-              <a:buClrTx/>
-              <a:buSzTx/>
-              <a:buFontTx/>
-              <a:buNone/>
-            </a:pPr>
-            <a:r>
-              <a:rPr lang="en-US" altLang="zh-CN" sz="900">
-                <a:solidFill>
-                  <a:schemeClr val="tx1">
-                    <a:lumMod val="85000"/>
-                    <a:lumOff val="15000"/>
-                  </a:schemeClr>
-                </a:solidFill>
-                <a:latin typeface="Helvetica"/>
-                <a:cs typeface="Helvetica"/>
-              </a:rPr>
-              <a:t>	&lt;div&gt;姓名：{{ name }}&lt;/div&gt;</a:t>
-            </a:r>
-            <a:endParaRPr lang="en-US" altLang="zh-CN" sz="900">
-              <a:solidFill>
-                <a:schemeClr val="tx1">
-                  <a:lumMod val="85000"/>
-                  <a:lumOff val="15000"/>
-                </a:schemeClr>
-              </a:solidFill>
-              <a:latin typeface="Helvetica"/>
-              <a:cs typeface="Helvetica"/>
-            </a:endParaRPr>
-          </a:p>
-          <a:p>
-            <a:pPr marL="0" marR="0" indent="0" algn="l" defTabSz="914400" rtl="0" fontAlgn="auto" latinLnBrk="0" hangingPunct="0">
-              <a:lnSpc>
-                <a:spcPct val="100000"/>
-              </a:lnSpc>
-              <a:spcBef>
-                <a:spcPts val="0"/>
-              </a:spcBef>
-              <a:spcAft>
-                <a:spcPts val="0"/>
-              </a:spcAft>
-              <a:buClrTx/>
-              <a:buSzTx/>
-              <a:buFontTx/>
-              <a:buNone/>
-            </a:pPr>
-            <a:r>
-              <a:rPr lang="en-US" altLang="zh-CN" sz="900">
-                <a:solidFill>
-                  <a:schemeClr val="tx1">
-                    <a:lumMod val="85000"/>
-                    <a:lumOff val="15000"/>
-                  </a:schemeClr>
-                </a:solidFill>
-                <a:latin typeface="Helvetica"/>
-                <a:cs typeface="Helvetica"/>
-              </a:rPr>
-              <a:t>	&lt;div&gt;年龄：{{ age }}&lt;/div&gt;</a:t>
-            </a:r>
-            <a:endParaRPr lang="en-US" altLang="zh-CN" sz="900">
-              <a:solidFill>
-                <a:schemeClr val="tx1">
-                  <a:lumMod val="85000"/>
-                  <a:lumOff val="15000"/>
-                </a:schemeClr>
-              </a:solidFill>
-              <a:latin typeface="Helvetica"/>
-              <a:cs typeface="Helvetica"/>
-            </a:endParaRPr>
-          </a:p>
-          <a:p>
-            <a:pPr marL="0" marR="0" indent="0" algn="l" defTabSz="914400" rtl="0" fontAlgn="auto" latinLnBrk="0" hangingPunct="0">
-              <a:lnSpc>
-                <a:spcPct val="100000"/>
-              </a:lnSpc>
-              <a:spcBef>
-                <a:spcPts val="0"/>
-              </a:spcBef>
-              <a:spcAft>
-                <a:spcPts val="0"/>
-              </a:spcAft>
-              <a:buClrTx/>
-              <a:buSzTx/>
-              <a:buFontTx/>
-              <a:buNone/>
-            </a:pPr>
-            <a:r>
-              <a:rPr lang="en-US" altLang="zh-CN" sz="900">
-                <a:solidFill>
-                  <a:schemeClr val="tx1">
-                    <a:lumMod val="85000"/>
-                    <a:lumOff val="15000"/>
-                  </a:schemeClr>
-                </a:solidFill>
-                <a:latin typeface="Helvetica"/>
-                <a:cs typeface="Helvetica"/>
-              </a:rPr>
-              <a:t>	&lt;div&gt;计算的名字：{{ userStore.fullName }}&lt;/div&gt;</a:t>
-            </a:r>
-            <a:endParaRPr lang="en-US" altLang="zh-CN" sz="900">
-              <a:solidFill>
-                <a:schemeClr val="tx1">
-                  <a:lumMod val="85000"/>
-                  <a:lumOff val="15000"/>
-                </a:schemeClr>
-              </a:solidFill>
-              <a:latin typeface="Helvetica"/>
-              <a:cs typeface="Helvetica"/>
-            </a:endParaRPr>
-          </a:p>
-          <a:p>
-            <a:pPr marL="0" marR="0" indent="0" algn="l" defTabSz="914400" rtl="0" fontAlgn="auto" latinLnBrk="0" hangingPunct="0">
-              <a:lnSpc>
-                <a:spcPct val="100000"/>
-              </a:lnSpc>
-              <a:spcBef>
-                <a:spcPts val="0"/>
-              </a:spcBef>
-              <a:spcAft>
-                <a:spcPts val="0"/>
-              </a:spcAft>
-              <a:buClrTx/>
-              <a:buSzTx/>
-              <a:buFontTx/>
-              <a:buNone/>
-            </a:pPr>
-            <a:r>
-              <a:rPr lang="en-US" altLang="zh-CN" sz="900">
-                <a:solidFill>
-                  <a:schemeClr val="tx1">
-                    <a:lumMod val="85000"/>
-                    <a:lumOff val="15000"/>
-                  </a:schemeClr>
-                </a:solidFill>
-                <a:latin typeface="Helvetica"/>
-                <a:cs typeface="Helvetica"/>
-              </a:rPr>
-              <a:t>	&lt;div&gt;app的config: {{ appStore.config }}&lt;/div&gt;</a:t>
-            </a:r>
-            <a:endParaRPr lang="en-US" altLang="zh-CN" sz="900">
-              <a:solidFill>
-                <a:schemeClr val="tx1">
-                  <a:lumMod val="85000"/>
-                  <a:lumOff val="15000"/>
-                </a:schemeClr>
-              </a:solidFill>
-              <a:latin typeface="Helvetica"/>
-              <a:cs typeface="Helvetica"/>
-            </a:endParaRPr>
-          </a:p>
-          <a:p>
-            <a:pPr marL="0" marR="0" indent="0" algn="l" defTabSz="914400" rtl="0" fontAlgn="auto" latinLnBrk="0" hangingPunct="0">
-              <a:lnSpc>
-                <a:spcPct val="100000"/>
-              </a:lnSpc>
-              <a:spcBef>
-                <a:spcPts val="0"/>
-              </a:spcBef>
-              <a:spcAft>
-                <a:spcPts val="0"/>
-              </a:spcAft>
-              <a:buClrTx/>
-              <a:buSzTx/>
-              <a:buFontTx/>
-              <a:buNone/>
-            </a:pPr>
-            <a:r>
-              <a:rPr lang="en-US" altLang="zh-CN" sz="900">
-                <a:solidFill>
-                  <a:schemeClr val="tx1">
-                    <a:lumMod val="85000"/>
-                    <a:lumOff val="15000"/>
-                  </a:schemeClr>
-                </a:solidFill>
-                <a:latin typeface="Helvetica"/>
-                <a:cs typeface="Helvetica"/>
-              </a:rPr>
-              <a:t>	&lt;button @click="updateUserState"&gt;更新数据&lt;/button&gt;</a:t>
-            </a:r>
-            <a:endParaRPr lang="en-US" altLang="zh-CN" sz="900">
-              <a:solidFill>
-                <a:schemeClr val="tx1">
-                  <a:lumMod val="85000"/>
-                  <a:lumOff val="15000"/>
-                </a:schemeClr>
-              </a:solidFill>
-              <a:latin typeface="Helvetica"/>
-              <a:cs typeface="Helvetica"/>
-            </a:endParaRPr>
-          </a:p>
-          <a:p>
-            <a:pPr marL="0" marR="0" indent="0" algn="l" defTabSz="914400" rtl="0" fontAlgn="auto" latinLnBrk="0" hangingPunct="0">
-              <a:lnSpc>
-                <a:spcPct val="100000"/>
-              </a:lnSpc>
-              <a:spcBef>
-                <a:spcPts val="0"/>
-              </a:spcBef>
-              <a:spcAft>
-                <a:spcPts val="0"/>
-              </a:spcAft>
-              <a:buClrTx/>
-              <a:buSzTx/>
-              <a:buFontTx/>
-              <a:buNone/>
-            </a:pPr>
-            <a:r>
-              <a:rPr lang="en-US" altLang="zh-CN" sz="900">
-                <a:solidFill>
-                  <a:schemeClr val="tx1">
-                    <a:lumMod val="85000"/>
-                    <a:lumOff val="15000"/>
-                  </a:schemeClr>
-                </a:solidFill>
-                <a:latin typeface="Helvetica"/>
-                <a:cs typeface="Helvetica"/>
-              </a:rPr>
-              <a:t>&lt;/template&gt;</a:t>
-            </a:r>
-            <a:endParaRPr lang="en-US" altLang="zh-CN" sz="900">
-              <a:solidFill>
-                <a:schemeClr val="tx1">
-                  <a:lumMod val="85000"/>
-                  <a:lumOff val="15000"/>
-                </a:schemeClr>
-              </a:solidFill>
-              <a:latin typeface="Helvetica"/>
+              <a:ea typeface="宋体" panose="02010600030101010101" pitchFamily="2" charset="-122"/>
               <a:cs typeface="Helvetica"/>
             </a:endParaRPr>
           </a:p>
         </p:txBody>
       </p:sp>
+      <p:pic>
+        <p:nvPicPr>
+          <p:cNvPr id="2" name="图片 1"/>
+          <p:cNvPicPr>
+            <a:picLocks noChangeAspect="1"/>
+          </p:cNvPicPr>
+          <p:nvPr/>
+        </p:nvPicPr>
+        <p:blipFill>
+          <a:blip r:embed="rId2"/>
+          <a:stretch>
+            <a:fillRect/>
+          </a:stretch>
+        </p:blipFill>
+        <p:spPr>
+          <a:xfrm>
+            <a:off x="1389380" y="1471295"/>
+            <a:ext cx="6449695" cy="3364865"/>
+          </a:xfrm>
+          <a:prstGeom prst="rect">
+            <a:avLst/>
+          </a:prstGeom>
+        </p:spPr>
+      </p:pic>
     </p:spTree>
   </p:cSld>
   <p:clrMapOvr>
@@ -19874,7 +19693,7 @@
                 <a:ea typeface="微软雅黑" panose="020B0503020204020204" charset="-122"/>
                 <a:sym typeface="Helvetica"/>
               </a:rPr>
-              <a:t>mockjs</a:t>
+              <a:t>配置 proxy 跨域</a:t>
             </a:r>
             <a:endParaRPr lang="en-US" altLang="zh-CN" b="1" dirty="0">
               <a:solidFill>
@@ -19895,8 +19714,8 @@
         </p:nvSpPr>
         <p:spPr>
           <a:xfrm>
-            <a:off x="1323340" y="758825"/>
-            <a:ext cx="6497955" cy="3902075"/>
+            <a:off x="1447800" y="3573011"/>
+            <a:ext cx="6545580" cy="1382395"/>
           </a:xfrm>
           <a:prstGeom prst="rect">
             <a:avLst/>
@@ -19923,27 +19742,27 @@
         </p:style>
         <p:txBody>
           <a:bodyPr rot="0" spcFirstLastPara="1" vertOverflow="overflow" horzOverflow="overflow" vert="horz" wrap="square" lIns="45718" tIns="45718" rIns="45718" bIns="45718" numCol="1" spcCol="38100" rtlCol="0" anchor="t">
-            <a:noAutofit/>
+            <a:spAutoFit/>
           </a:bodyPr>
           <a:lstStyle/>
           <a:p>
-            <a:pPr marL="171450" marR="0" indent="-171450" algn="l" defTabSz="914400" rtl="0" fontAlgn="auto" latinLnBrk="0" hangingPunct="0">
-              <a:lnSpc>
-                <a:spcPct val="100000"/>
-              </a:lnSpc>
-              <a:spcBef>
-                <a:spcPts val="0"/>
-              </a:spcBef>
-              <a:spcAft>
-                <a:spcPts val="0"/>
-              </a:spcAft>
-              <a:buClrTx/>
-              <a:buSzTx/>
-              <a:buFont typeface="Arial" panose="020B0604020202020204" pitchFamily="34" charset="0"/>
-              <a:buChar char="•"/>
-            </a:pPr>
-            <a:r>
-              <a:rPr sz="1200" b="1">
+            <a:pPr marL="0" marR="0" indent="0" algn="l" defTabSz="914400" rtl="0" fontAlgn="auto" latinLnBrk="0" hangingPunct="0">
+              <a:lnSpc>
+                <a:spcPct val="100000"/>
+              </a:lnSpc>
+              <a:spcBef>
+                <a:spcPts val="0"/>
+              </a:spcBef>
+              <a:spcAft>
+                <a:spcPts val="0"/>
+              </a:spcAft>
+              <a:buClrTx/>
+              <a:buSzTx/>
+              <a:buFontTx/>
+              <a:buNone/>
+            </a:pPr>
+            <a:r>
+              <a:rPr lang="zh-CN" sz="1400">
                 <a:solidFill>
                   <a:schemeClr val="tx1">
                     <a:lumMod val="85000"/>
@@ -19951,12 +19770,11 @@
                   </a:schemeClr>
                 </a:solidFill>
                 <a:latin typeface="Helvetica"/>
-                <a:ea typeface="宋体" panose="02010600030101010101" pitchFamily="2" charset="-122"/>
                 <a:cs typeface="Helvetica"/>
               </a:rPr>
-              <a:t>文档：https://github.com/vbenjs/vite-plugin-mock</a:t>
-            </a:r>
-            <a:endParaRPr sz="1200" b="1">
+              <a:t>这段配置代表的意思简单来说就是去匹配 /api 这个路径，假如发送的请求包含了这个路径，那么就将进行反向代理，将请求代理到 target 字段配置的路径。</a:t>
+            </a:r>
+            <a:endParaRPr lang="zh-CN" sz="1400">
               <a:solidFill>
                 <a:schemeClr val="tx1">
                   <a:lumMod val="85000"/>
@@ -19964,28 +19782,54 @@
                 </a:schemeClr>
               </a:solidFill>
               <a:latin typeface="Helvetica"/>
-              <a:ea typeface="宋体" panose="02010600030101010101" pitchFamily="2" charset="-122"/>
               <a:cs typeface="Helvetica"/>
             </a:endParaRPr>
           </a:p>
           <a:p>
-            <a:pPr marL="171450" marR="0" indent="-171450" algn="l" defTabSz="914400" rtl="0" fontAlgn="auto" latinLnBrk="0" hangingPunct="0">
-              <a:lnSpc>
-                <a:spcPct val="100000"/>
-              </a:lnSpc>
-              <a:spcBef>
-                <a:spcPts val="0"/>
-              </a:spcBef>
-              <a:spcAft>
-                <a:spcPts val="0"/>
-              </a:spcAft>
-              <a:buClrTx/>
-              <a:buSzTx/>
-              <a:buFont typeface="Arial" panose="020B0604020202020204" pitchFamily="34" charset="0"/>
-              <a:buChar char="•"/>
-            </a:pPr>
-            <a:r>
-              <a:rPr sz="1200" b="1">
+            <a:pPr marL="0" marR="0" indent="0" algn="l" defTabSz="914400" rtl="0" fontAlgn="auto" latinLnBrk="0" hangingPunct="0">
+              <a:lnSpc>
+                <a:spcPct val="100000"/>
+              </a:lnSpc>
+              <a:spcBef>
+                <a:spcPts val="0"/>
+              </a:spcBef>
+              <a:spcAft>
+                <a:spcPts val="0"/>
+              </a:spcAft>
+              <a:buClrTx/>
+              <a:buSzTx/>
+              <a:buFontTx/>
+              <a:buNone/>
+            </a:pPr>
+            <a:endParaRPr lang="zh-CN" sz="1400">
+              <a:solidFill>
+                <a:schemeClr val="tx1">
+                  <a:lumMod val="85000"/>
+                  <a:lumOff val="15000"/>
+                </a:schemeClr>
+              </a:solidFill>
+              <a:latin typeface="Helvetica"/>
+              <a:cs typeface="Helvetica"/>
+            </a:endParaRPr>
+          </a:p>
+          <a:p>
+            <a:pPr marL="0" marR="0" indent="0" algn="l" defTabSz="914400" rtl="0" fontAlgn="auto" latinLnBrk="0" hangingPunct="0">
+              <a:lnSpc>
+                <a:spcPct val="100000"/>
+              </a:lnSpc>
+              <a:spcBef>
+                <a:spcPts val="0"/>
+              </a:spcBef>
+              <a:spcAft>
+                <a:spcPts val="0"/>
+              </a:spcAft>
+              <a:buClrTx/>
+              <a:buSzTx/>
+              <a:buFontTx/>
+              <a:buNone/>
+            </a:pPr>
+            <a:r>
+              <a:rPr lang="zh-CN" sz="1400">
                 <a:solidFill>
                   <a:schemeClr val="tx1">
                     <a:lumMod val="85000"/>
@@ -19993,12 +19837,11 @@
                   </a:schemeClr>
                 </a:solidFill>
                 <a:latin typeface="Helvetica"/>
-                <a:ea typeface="宋体" panose="02010600030101010101" pitchFamily="2" charset="-122"/>
                 <a:cs typeface="Helvetica"/>
               </a:rPr>
-              <a:t>1. 安装依赖</a:t>
-            </a:r>
-            <a:endParaRPr sz="1200" b="1">
+              <a:t>直接采用这种反向代理的好处就是前端调用后端接口时不会产生跨域问题，但要记得这只是开发环境配置好了反向代理，以后部署前端到线上环境的时候，需要采用 Nginx 或其他工具来实现线上环境的反向代理。</a:t>
+            </a:r>
+            <a:endParaRPr lang="zh-CN" sz="1400">
               <a:solidFill>
                 <a:schemeClr val="tx1">
                   <a:lumMod val="85000"/>
@@ -20006,53 +19849,35 @@
                 </a:schemeClr>
               </a:solidFill>
               <a:latin typeface="Helvetica"/>
-              <a:ea typeface="宋体" panose="02010600030101010101" pitchFamily="2" charset="-122"/>
-              <a:cs typeface="Helvetica"/>
-            </a:endParaRPr>
-          </a:p>
-          <a:p>
-            <a:pPr marR="0" algn="l" defTabSz="914400" rtl="0" fontAlgn="auto" latinLnBrk="0" hangingPunct="0">
-              <a:lnSpc>
-                <a:spcPct val="100000"/>
-              </a:lnSpc>
-              <a:spcBef>
-                <a:spcPts val="0"/>
-              </a:spcBef>
-              <a:spcAft>
-                <a:spcPts val="0"/>
-              </a:spcAft>
-              <a:buClrTx/>
-              <a:buSzTx/>
-              <a:buFont typeface="Arial" panose="020B0604020202020204" pitchFamily="34" charset="0"/>
-            </a:pPr>
-            <a:r>
-              <a:rPr sz="1200" b="1">
-                <a:solidFill>
-                  <a:schemeClr val="tx1">
-                    <a:lumMod val="85000"/>
-                    <a:lumOff val="15000"/>
-                  </a:schemeClr>
-                </a:solidFill>
-                <a:latin typeface="Helvetica"/>
-                <a:ea typeface="宋体" panose="02010600030101010101" pitchFamily="2" charset="-122"/>
-                <a:cs typeface="Helvetica"/>
-              </a:rPr>
-              <a:t>pnpm i -D vite-plugin-mock mockjs @types/mockjs</a:t>
-            </a:r>
-            <a:endParaRPr sz="1200" b="1">
-              <a:solidFill>
-                <a:schemeClr val="tx1">
-                  <a:lumMod val="85000"/>
-                  <a:lumOff val="15000"/>
-                </a:schemeClr>
-              </a:solidFill>
-              <a:latin typeface="Helvetica"/>
-              <a:ea typeface="宋体" panose="02010600030101010101" pitchFamily="2" charset="-122"/>
               <a:cs typeface="Helvetica"/>
             </a:endParaRPr>
           </a:p>
         </p:txBody>
       </p:sp>
+      <p:pic>
+        <p:nvPicPr>
+          <p:cNvPr id="3" name="图片 2"/>
+          <p:cNvPicPr>
+            <a:picLocks noChangeAspect="1"/>
+          </p:cNvPicPr>
+          <p:nvPr/>
+        </p:nvPicPr>
+        <p:blipFill>
+          <a:blip r:embed="rId2"/>
+          <a:stretch>
+            <a:fillRect/>
+          </a:stretch>
+        </p:blipFill>
+        <p:spPr>
+          <a:xfrm>
+            <a:off x="2531110" y="683895"/>
+            <a:ext cx="3683000" cy="2766695"/>
+          </a:xfrm>
+          <a:prstGeom prst="rect">
+            <a:avLst/>
+          </a:prstGeom>
+        </p:spPr>
+      </p:pic>
     </p:spTree>
   </p:cSld>
   <p:clrMapOvr>
@@ -20255,7 +20080,7 @@
                 <a:ea typeface="微软雅黑" panose="020B0503020204020204" charset="-122"/>
                 <a:sym typeface="Helvetica"/>
               </a:rPr>
-              <a:t>ant design</a:t>
+              <a:t>Axios</a:t>
             </a:r>
             <a:endParaRPr lang="en-US" altLang="zh-CN" b="1" dirty="0">
               <a:solidFill>
@@ -20277,7 +20102,7 @@
         <p:spPr>
           <a:xfrm>
             <a:off x="1447800" y="624071"/>
-            <a:ext cx="6545580" cy="4398645"/>
+            <a:ext cx="6545580" cy="3752215"/>
           </a:xfrm>
           <a:prstGeom prst="rect">
             <a:avLst/>
@@ -20308,23 +20133,23 @@
           </a:bodyPr>
           <a:lstStyle/>
           <a:p>
-            <a:pPr marL="0" marR="0" indent="0" algn="l" defTabSz="914400" rtl="0" fontAlgn="auto" latinLnBrk="0" hangingPunct="0">
-              <a:lnSpc>
-                <a:spcPct val="100000"/>
-              </a:lnSpc>
-              <a:spcBef>
-                <a:spcPts val="0"/>
-              </a:spcBef>
-              <a:spcAft>
-                <a:spcPts val="0"/>
-              </a:spcAft>
-              <a:buClrTx/>
-              <a:buSzTx/>
-              <a:buFontTx/>
-              <a:buNone/>
-            </a:pPr>
-            <a:r>
-              <a:rPr lang="zh-CN" sz="1400">
+            <a:pPr marL="285750" marR="0" indent="-285750" algn="l" defTabSz="914400" rtl="0" fontAlgn="auto" latinLnBrk="0" hangingPunct="0">
+              <a:lnSpc>
+                <a:spcPct val="100000"/>
+              </a:lnSpc>
+              <a:spcBef>
+                <a:spcPts val="0"/>
+              </a:spcBef>
+              <a:spcAft>
+                <a:spcPts val="0"/>
+              </a:spcAft>
+              <a:buClrTx/>
+              <a:buSzTx/>
+              <a:buFont typeface="Arial" panose="020B0604020202020204" pitchFamily="34" charset="0"/>
+              <a:buChar char="•"/>
+            </a:pPr>
+            <a:r>
+              <a:rPr lang="zh-CN" sz="1400" b="1">
                 <a:solidFill>
                   <a:schemeClr val="tx1">
                     <a:lumMod val="85000"/>
@@ -20336,7 +20161,7 @@
               </a:rPr>
               <a:t>安装</a:t>
             </a:r>
-            <a:endParaRPr sz="1400">
+            <a:endParaRPr sz="1400" b="1">
               <a:solidFill>
                 <a:schemeClr val="tx1">
                   <a:lumMod val="85000"/>
@@ -20374,7 +20199,7 @@
                 <a:latin typeface="Helvetica"/>
                 <a:cs typeface="Helvetica"/>
               </a:rPr>
-              <a:t>$ npm install ant-design-vue --save</a:t>
+              <a:t>$ pnpm install axios</a:t>
             </a:r>
             <a:endParaRPr sz="1400">
               <a:solidFill>
@@ -20403,8 +20228,35 @@
               <a:buFontTx/>
               <a:buNone/>
             </a:pPr>
-            <a:r>
-              <a:rPr sz="1400">
+            <a:endParaRPr sz="1400">
+              <a:solidFill>
+                <a:schemeClr val="tx1">
+                  <a:lumMod val="85000"/>
+                  <a:lumOff val="15000"/>
+                </a:schemeClr>
+              </a:solidFill>
+              <a:latin typeface="Helvetica"/>
+              <a:cs typeface="Helvetica"/>
+            </a:endParaRPr>
+          </a:p>
+          <a:p>
+            <a:pPr marL="285750" marR="0" indent="-285750" algn="l" defTabSz="914400" rtl="0" fontAlgn="auto" latinLnBrk="0" hangingPunct="0">
+              <a:lnSpc>
+                <a:spcPct val="100000"/>
+              </a:lnSpc>
+              <a:spcBef>
+                <a:spcPts val="0"/>
+              </a:spcBef>
+              <a:spcAft>
+                <a:spcPts val="0"/>
+              </a:spcAft>
+              <a:buClrTx/>
+              <a:buSzTx/>
+              <a:buFont typeface="Arial" panose="020B0604020202020204" pitchFamily="34" charset="0"/>
+              <a:buChar char="•"/>
+            </a:pPr>
+            <a:r>
+              <a:rPr lang="en-US" altLang="zh-CN" sz="1400">
                 <a:solidFill>
                   <a:schemeClr val="tx1">
                     <a:lumMod val="85000"/>
@@ -20412,11 +20264,12 @@
                   </a:schemeClr>
                 </a:solidFill>
                 <a:latin typeface="Helvetica"/>
+                <a:ea typeface="宋体" panose="02010600030101010101" pitchFamily="2" charset="-122"/>
                 <a:cs typeface="Helvetica"/>
               </a:rPr>
-              <a:t>$ yarn add ant-design-vue</a:t>
-            </a:r>
-            <a:endParaRPr sz="1400">
+              <a:t>utils/request.js </a:t>
+            </a:r>
+            <a:endParaRPr lang="en-US" altLang="zh-CN" sz="1400">
               <a:solidFill>
                 <a:schemeClr val="tx1">
                   <a:lumMod val="85000"/>
@@ -20424,6 +20277,7 @@
                 </a:schemeClr>
               </a:solidFill>
               <a:latin typeface="Helvetica"/>
+              <a:ea typeface="宋体" panose="02010600030101010101" pitchFamily="2" charset="-122"/>
               <a:cs typeface="Helvetica"/>
             </a:endParaRPr>
           </a:p>
@@ -20455,10 +20309,38 @@
                 <a:ea typeface="宋体" panose="02010600030101010101" pitchFamily="2" charset="-122"/>
                 <a:cs typeface="Helvetica"/>
               </a:rPr>
-              <a:t>$ pnpm install </a:t>
-            </a:r>
-            <a:r>
-              <a:rPr sz="1400">
+              <a:t>封装 axios ,开发者需要根据后台接口做修改。</a:t>
+            </a:r>
+            <a:endParaRPr lang="en-US" altLang="zh-CN" sz="1400">
+              <a:solidFill>
+                <a:schemeClr val="tx1">
+                  <a:lumMod val="85000"/>
+                  <a:lumOff val="15000"/>
+                </a:schemeClr>
+              </a:solidFill>
+              <a:latin typeface="Helvetica"/>
+              <a:ea typeface="宋体" panose="02010600030101010101" pitchFamily="2" charset="-122"/>
+              <a:cs typeface="Helvetica"/>
+            </a:endParaRPr>
+          </a:p>
+          <a:p>
+            <a:pPr marL="0" marR="0" indent="0" algn="l" defTabSz="914400" rtl="0" fontAlgn="auto" latinLnBrk="0" hangingPunct="0">
+              <a:lnSpc>
+                <a:spcPct val="100000"/>
+              </a:lnSpc>
+              <a:spcBef>
+                <a:spcPts val="0"/>
+              </a:spcBef>
+              <a:spcAft>
+                <a:spcPts val="0"/>
+              </a:spcAft>
+              <a:buClrTx/>
+              <a:buSzTx/>
+              <a:buFontTx/>
+              <a:buNone/>
+            </a:pPr>
+            <a:r>
+              <a:rPr lang="en-US" altLang="zh-CN" sz="1400">
                 <a:solidFill>
                   <a:schemeClr val="tx1">
                     <a:lumMod val="85000"/>
@@ -20466,12 +20348,12 @@
                   </a:schemeClr>
                 </a:solidFill>
                 <a:latin typeface="Helvetica"/>
+                <a:ea typeface="宋体" panose="02010600030101010101" pitchFamily="2" charset="-122"/>
                 <a:cs typeface="Helvetica"/>
-                <a:sym typeface="+mn-ea"/>
-              </a:rPr>
-              <a:t>ant-design-vue</a:t>
-            </a:r>
-            <a:endParaRPr sz="1400">
+              </a:rPr>
+              <a:t>service.interceptors.request.use 里可以设置请求头，比如设置 token</a:t>
+            </a:r>
+            <a:endParaRPr lang="en-US" altLang="zh-CN" sz="1400">
               <a:solidFill>
                 <a:schemeClr val="tx1">
                   <a:lumMod val="85000"/>
@@ -20479,8 +20361,8 @@
                 </a:schemeClr>
               </a:solidFill>
               <a:latin typeface="Helvetica"/>
+              <a:ea typeface="宋体" panose="02010600030101010101" pitchFamily="2" charset="-122"/>
               <a:cs typeface="Helvetica"/>
-              <a:sym typeface="+mn-ea"/>
             </a:endParaRPr>
           </a:p>
           <a:p>
@@ -20499,6 +20381,20 @@
               <a:buFontTx/>
               <a:buNone/>
             </a:pPr>
+            <a:r>
+              <a:rPr lang="en-US" altLang="zh-CN" sz="1400">
+                <a:solidFill>
+                  <a:schemeClr val="tx1">
+                    <a:lumMod val="85000"/>
+                    <a:lumOff val="15000"/>
+                  </a:schemeClr>
+                </a:solidFill>
+                <a:latin typeface="Helvetica"/>
+                <a:ea typeface="宋体" panose="02010600030101010101" pitchFamily="2" charset="-122"/>
+                <a:cs typeface="Helvetica"/>
+              </a:rPr>
+              <a:t>config.hideloading 是在 api 文件夹下的接口参数里设置service.interceptors.response.use 里可以对接口返回数据处理，比如 401 删除本地信息，重新登录</a:t>
+            </a:r>
             <a:endParaRPr lang="en-US" altLang="zh-CN" sz="1400">
               <a:solidFill>
                 <a:schemeClr val="tx1">
@@ -20527,6 +20423,34 @@
               <a:buFontTx/>
               <a:buNone/>
             </a:pPr>
+            <a:endParaRPr lang="en-US" altLang="zh-CN" sz="1400">
+              <a:solidFill>
+                <a:schemeClr val="tx1">
+                  <a:lumMod val="85000"/>
+                  <a:lumOff val="15000"/>
+                </a:schemeClr>
+              </a:solidFill>
+              <a:latin typeface="Helvetica"/>
+              <a:ea typeface="宋体" panose="02010600030101010101" pitchFamily="2" charset="-122"/>
+              <a:cs typeface="Helvetica"/>
+            </a:endParaRPr>
+          </a:p>
+          <a:p>
+            <a:pPr marL="285750" marR="0" indent="-285750" algn="l" defTabSz="914400" rtl="0" fontAlgn="auto" latinLnBrk="0" hangingPunct="0">
+              <a:lnSpc>
+                <a:spcPct val="100000"/>
+              </a:lnSpc>
+              <a:spcBef>
+                <a:spcPts val="0"/>
+              </a:spcBef>
+              <a:spcAft>
+                <a:spcPts val="0"/>
+              </a:spcAft>
+              <a:buClrTx/>
+              <a:buSzTx/>
+              <a:buFont typeface="Arial" panose="020B0604020202020204" pitchFamily="34" charset="0"/>
+              <a:buChar char="•"/>
+            </a:pPr>
             <a:r>
               <a:rPr lang="en-US" altLang="zh-CN" sz="1400">
                 <a:solidFill>
@@ -20539,7 +20463,7 @@
                 <a:ea typeface="宋体" panose="02010600030101010101" pitchFamily="2" charset="-122"/>
                 <a:cs typeface="Helvetica"/>
               </a:rPr>
-              <a:t>局部注册组件</a:t>
+              <a:t>接口管理</a:t>
             </a:r>
             <a:endParaRPr lang="en-US" altLang="zh-CN" sz="1400">
               <a:solidFill>
@@ -20581,7 +20505,7 @@
                 <a:ea typeface="宋体" panose="02010600030101010101" pitchFamily="2" charset="-122"/>
                 <a:cs typeface="Helvetica"/>
               </a:rPr>
-              <a:t>&lt;template&gt;</a:t>
+              <a:t>在src/api 文件夹下统一管理接口</a:t>
             </a:r>
             <a:endParaRPr lang="en-US" altLang="zh-CN" sz="1400">
               <a:solidFill>
@@ -20623,7 +20547,7 @@
                 <a:ea typeface="宋体" panose="02010600030101010101" pitchFamily="2" charset="-122"/>
                 <a:cs typeface="Helvetica"/>
               </a:rPr>
-              <a:t>  &lt;a-button&gt;Add&lt;/a-button&gt;</a:t>
+              <a:t>你可以建立多个模块对接接口</a:t>
             </a:r>
             <a:endParaRPr lang="en-US" altLang="zh-CN" sz="1400">
               <a:solidFill>
@@ -20665,7 +20589,7 @@
                 <a:ea typeface="宋体" panose="02010600030101010101" pitchFamily="2" charset="-122"/>
                 <a:cs typeface="Helvetica"/>
               </a:rPr>
-              <a:t>&lt;/template&gt;</a:t>
+              <a:t>url 接口地址，请求的时候会拼接上 config 下的 baseApi</a:t>
             </a:r>
             <a:endParaRPr lang="en-US" altLang="zh-CN" sz="1400">
               <a:solidFill>
@@ -20707,7 +20631,7 @@
                 <a:ea typeface="宋体" panose="02010600030101010101" pitchFamily="2" charset="-122"/>
                 <a:cs typeface="Helvetica"/>
               </a:rPr>
-              <a:t>&lt;script&gt;</a:t>
+              <a:t>method 请求方法</a:t>
             </a:r>
             <a:endParaRPr lang="en-US" altLang="zh-CN" sz="1400">
               <a:solidFill>
@@ -20749,7 +20673,7 @@
                 <a:ea typeface="宋体" panose="02010600030101010101" pitchFamily="2" charset="-122"/>
                 <a:cs typeface="Helvetica"/>
               </a:rPr>
-              <a:t>  import { Button } from 'ant-design-vue';</a:t>
+              <a:t>data 请求参数 qs.stringify(params) 是对数据系列化操作</a:t>
             </a:r>
             <a:endParaRPr lang="en-US" altLang="zh-CN" sz="1400">
               <a:solidFill>
@@ -20791,329 +20715,7 @@
                 <a:ea typeface="宋体" panose="02010600030101010101" pitchFamily="2" charset="-122"/>
                 <a:cs typeface="Helvetica"/>
               </a:rPr>
-              <a:t>  const ButtonGroup = Button.Group;</a:t>
-            </a:r>
-            <a:endParaRPr lang="en-US" altLang="zh-CN" sz="1400">
-              <a:solidFill>
-                <a:schemeClr val="tx1">
-                  <a:lumMod val="85000"/>
-                  <a:lumOff val="15000"/>
-                </a:schemeClr>
-              </a:solidFill>
-              <a:latin typeface="Helvetica"/>
-              <a:ea typeface="宋体" panose="02010600030101010101" pitchFamily="2" charset="-122"/>
-              <a:cs typeface="Helvetica"/>
-            </a:endParaRPr>
-          </a:p>
-          <a:p>
-            <a:pPr marL="0" marR="0" indent="0" algn="l" defTabSz="914400" rtl="0" fontAlgn="auto" latinLnBrk="0" hangingPunct="0">
-              <a:lnSpc>
-                <a:spcPct val="100000"/>
-              </a:lnSpc>
-              <a:spcBef>
-                <a:spcPts val="0"/>
-              </a:spcBef>
-              <a:spcAft>
-                <a:spcPts val="0"/>
-              </a:spcAft>
-              <a:buClrTx/>
-              <a:buSzTx/>
-              <a:buFontTx/>
-              <a:buNone/>
-            </a:pPr>
-            <a:endParaRPr lang="en-US" altLang="zh-CN" sz="1400">
-              <a:solidFill>
-                <a:schemeClr val="tx1">
-                  <a:lumMod val="85000"/>
-                  <a:lumOff val="15000"/>
-                </a:schemeClr>
-              </a:solidFill>
-              <a:latin typeface="Helvetica"/>
-              <a:ea typeface="宋体" panose="02010600030101010101" pitchFamily="2" charset="-122"/>
-              <a:cs typeface="Helvetica"/>
-            </a:endParaRPr>
-          </a:p>
-          <a:p>
-            <a:pPr marL="0" marR="0" indent="0" algn="l" defTabSz="914400" rtl="0" fontAlgn="auto" latinLnBrk="0" hangingPunct="0">
-              <a:lnSpc>
-                <a:spcPct val="100000"/>
-              </a:lnSpc>
-              <a:spcBef>
-                <a:spcPts val="0"/>
-              </a:spcBef>
-              <a:spcAft>
-                <a:spcPts val="0"/>
-              </a:spcAft>
-              <a:buClrTx/>
-              <a:buSzTx/>
-              <a:buFontTx/>
-              <a:buNone/>
-            </a:pPr>
-            <a:r>
-              <a:rPr lang="en-US" altLang="zh-CN" sz="1400">
-                <a:solidFill>
-                  <a:schemeClr val="tx1">
-                    <a:lumMod val="85000"/>
-                    <a:lumOff val="15000"/>
-                  </a:schemeClr>
-                </a:solidFill>
-                <a:latin typeface="Helvetica"/>
-                <a:ea typeface="宋体" panose="02010600030101010101" pitchFamily="2" charset="-122"/>
-                <a:cs typeface="Helvetica"/>
-              </a:rPr>
-              <a:t>  export default {</a:t>
-            </a:r>
-            <a:endParaRPr lang="en-US" altLang="zh-CN" sz="1400">
-              <a:solidFill>
-                <a:schemeClr val="tx1">
-                  <a:lumMod val="85000"/>
-                  <a:lumOff val="15000"/>
-                </a:schemeClr>
-              </a:solidFill>
-              <a:latin typeface="Helvetica"/>
-              <a:ea typeface="宋体" panose="02010600030101010101" pitchFamily="2" charset="-122"/>
-              <a:cs typeface="Helvetica"/>
-            </a:endParaRPr>
-          </a:p>
-          <a:p>
-            <a:pPr marL="0" marR="0" indent="0" algn="l" defTabSz="914400" rtl="0" fontAlgn="auto" latinLnBrk="0" hangingPunct="0">
-              <a:lnSpc>
-                <a:spcPct val="100000"/>
-              </a:lnSpc>
-              <a:spcBef>
-                <a:spcPts val="0"/>
-              </a:spcBef>
-              <a:spcAft>
-                <a:spcPts val="0"/>
-              </a:spcAft>
-              <a:buClrTx/>
-              <a:buSzTx/>
-              <a:buFontTx/>
-              <a:buNone/>
-            </a:pPr>
-            <a:r>
-              <a:rPr lang="en-US" altLang="zh-CN" sz="1400">
-                <a:solidFill>
-                  <a:schemeClr val="tx1">
-                    <a:lumMod val="85000"/>
-                    <a:lumOff val="15000"/>
-                  </a:schemeClr>
-                </a:solidFill>
-                <a:latin typeface="Helvetica"/>
-                <a:ea typeface="宋体" panose="02010600030101010101" pitchFamily="2" charset="-122"/>
-                <a:cs typeface="Helvetica"/>
-              </a:rPr>
-              <a:t>    components: {</a:t>
-            </a:r>
-            <a:endParaRPr lang="en-US" altLang="zh-CN" sz="1400">
-              <a:solidFill>
-                <a:schemeClr val="tx1">
-                  <a:lumMod val="85000"/>
-                  <a:lumOff val="15000"/>
-                </a:schemeClr>
-              </a:solidFill>
-              <a:latin typeface="Helvetica"/>
-              <a:ea typeface="宋体" panose="02010600030101010101" pitchFamily="2" charset="-122"/>
-              <a:cs typeface="Helvetica"/>
-            </a:endParaRPr>
-          </a:p>
-          <a:p>
-            <a:pPr marL="0" marR="0" indent="0" algn="l" defTabSz="914400" rtl="0" fontAlgn="auto" latinLnBrk="0" hangingPunct="0">
-              <a:lnSpc>
-                <a:spcPct val="100000"/>
-              </a:lnSpc>
-              <a:spcBef>
-                <a:spcPts val="0"/>
-              </a:spcBef>
-              <a:spcAft>
-                <a:spcPts val="0"/>
-              </a:spcAft>
-              <a:buClrTx/>
-              <a:buSzTx/>
-              <a:buFontTx/>
-              <a:buNone/>
-            </a:pPr>
-            <a:r>
-              <a:rPr lang="en-US" altLang="zh-CN" sz="1400">
-                <a:solidFill>
-                  <a:schemeClr val="tx1">
-                    <a:lumMod val="85000"/>
-                    <a:lumOff val="15000"/>
-                  </a:schemeClr>
-                </a:solidFill>
-                <a:latin typeface="Helvetica"/>
-                <a:ea typeface="宋体" panose="02010600030101010101" pitchFamily="2" charset="-122"/>
-                <a:cs typeface="Helvetica"/>
-              </a:rPr>
-              <a:t>      AButton: Button,</a:t>
-            </a:r>
-            <a:endParaRPr lang="en-US" altLang="zh-CN" sz="1400">
-              <a:solidFill>
-                <a:schemeClr val="tx1">
-                  <a:lumMod val="85000"/>
-                  <a:lumOff val="15000"/>
-                </a:schemeClr>
-              </a:solidFill>
-              <a:latin typeface="Helvetica"/>
-              <a:ea typeface="宋体" panose="02010600030101010101" pitchFamily="2" charset="-122"/>
-              <a:cs typeface="Helvetica"/>
-            </a:endParaRPr>
-          </a:p>
-          <a:p>
-            <a:pPr marL="0" marR="0" indent="0" algn="l" defTabSz="914400" rtl="0" fontAlgn="auto" latinLnBrk="0" hangingPunct="0">
-              <a:lnSpc>
-                <a:spcPct val="100000"/>
-              </a:lnSpc>
-              <a:spcBef>
-                <a:spcPts val="0"/>
-              </a:spcBef>
-              <a:spcAft>
-                <a:spcPts val="0"/>
-              </a:spcAft>
-              <a:buClrTx/>
-              <a:buSzTx/>
-              <a:buFontTx/>
-              <a:buNone/>
-            </a:pPr>
-            <a:r>
-              <a:rPr lang="en-US" altLang="zh-CN" sz="1400">
-                <a:solidFill>
-                  <a:schemeClr val="tx1">
-                    <a:lumMod val="85000"/>
-                    <a:lumOff val="15000"/>
-                  </a:schemeClr>
-                </a:solidFill>
-                <a:latin typeface="Helvetica"/>
-                <a:ea typeface="宋体" panose="02010600030101010101" pitchFamily="2" charset="-122"/>
-                <a:cs typeface="Helvetica"/>
-              </a:rPr>
-              <a:t>      AButtonGroup: ButtonGroup,</a:t>
-            </a:r>
-            <a:endParaRPr lang="en-US" altLang="zh-CN" sz="1400">
-              <a:solidFill>
-                <a:schemeClr val="tx1">
-                  <a:lumMod val="85000"/>
-                  <a:lumOff val="15000"/>
-                </a:schemeClr>
-              </a:solidFill>
-              <a:latin typeface="Helvetica"/>
-              <a:ea typeface="宋体" panose="02010600030101010101" pitchFamily="2" charset="-122"/>
-              <a:cs typeface="Helvetica"/>
-            </a:endParaRPr>
-          </a:p>
-          <a:p>
-            <a:pPr marL="0" marR="0" indent="0" algn="l" defTabSz="914400" rtl="0" fontAlgn="auto" latinLnBrk="0" hangingPunct="0">
-              <a:lnSpc>
-                <a:spcPct val="100000"/>
-              </a:lnSpc>
-              <a:spcBef>
-                <a:spcPts val="0"/>
-              </a:spcBef>
-              <a:spcAft>
-                <a:spcPts val="0"/>
-              </a:spcAft>
-              <a:buClrTx/>
-              <a:buSzTx/>
-              <a:buFontTx/>
-              <a:buNone/>
-            </a:pPr>
-            <a:r>
-              <a:rPr lang="en-US" altLang="zh-CN" sz="1400">
-                <a:solidFill>
-                  <a:schemeClr val="tx1">
-                    <a:lumMod val="85000"/>
-                    <a:lumOff val="15000"/>
-                  </a:schemeClr>
-                </a:solidFill>
-                <a:latin typeface="Helvetica"/>
-                <a:ea typeface="宋体" panose="02010600030101010101" pitchFamily="2" charset="-122"/>
-                <a:cs typeface="Helvetica"/>
-              </a:rPr>
-              <a:t>    },</a:t>
-            </a:r>
-            <a:endParaRPr lang="en-US" altLang="zh-CN" sz="1400">
-              <a:solidFill>
-                <a:schemeClr val="tx1">
-                  <a:lumMod val="85000"/>
-                  <a:lumOff val="15000"/>
-                </a:schemeClr>
-              </a:solidFill>
-              <a:latin typeface="Helvetica"/>
-              <a:ea typeface="宋体" panose="02010600030101010101" pitchFamily="2" charset="-122"/>
-              <a:cs typeface="Helvetica"/>
-            </a:endParaRPr>
-          </a:p>
-          <a:p>
-            <a:pPr marL="0" marR="0" indent="0" algn="l" defTabSz="914400" rtl="0" fontAlgn="auto" latinLnBrk="0" hangingPunct="0">
-              <a:lnSpc>
-                <a:spcPct val="100000"/>
-              </a:lnSpc>
-              <a:spcBef>
-                <a:spcPts val="0"/>
-              </a:spcBef>
-              <a:spcAft>
-                <a:spcPts val="0"/>
-              </a:spcAft>
-              <a:buClrTx/>
-              <a:buSzTx/>
-              <a:buFontTx/>
-              <a:buNone/>
-            </a:pPr>
-            <a:r>
-              <a:rPr lang="en-US" altLang="zh-CN" sz="1400">
-                <a:solidFill>
-                  <a:schemeClr val="tx1">
-                    <a:lumMod val="85000"/>
-                    <a:lumOff val="15000"/>
-                  </a:schemeClr>
-                </a:solidFill>
-                <a:latin typeface="Helvetica"/>
-                <a:ea typeface="宋体" panose="02010600030101010101" pitchFamily="2" charset="-122"/>
-                <a:cs typeface="Helvetica"/>
-              </a:rPr>
-              <a:t>  };</a:t>
-            </a:r>
-            <a:endParaRPr lang="en-US" altLang="zh-CN" sz="1400">
-              <a:solidFill>
-                <a:schemeClr val="tx1">
-                  <a:lumMod val="85000"/>
-                  <a:lumOff val="15000"/>
-                </a:schemeClr>
-              </a:solidFill>
-              <a:latin typeface="Helvetica"/>
-              <a:ea typeface="宋体" panose="02010600030101010101" pitchFamily="2" charset="-122"/>
-              <a:cs typeface="Helvetica"/>
-            </a:endParaRPr>
-          </a:p>
-          <a:p>
-            <a:pPr marL="0" marR="0" indent="0" algn="l" defTabSz="914400" rtl="0" fontAlgn="auto" latinLnBrk="0" hangingPunct="0">
-              <a:lnSpc>
-                <a:spcPct val="100000"/>
-              </a:lnSpc>
-              <a:spcBef>
-                <a:spcPts val="0"/>
-              </a:spcBef>
-              <a:spcAft>
-                <a:spcPts val="0"/>
-              </a:spcAft>
-              <a:buClrTx/>
-              <a:buSzTx/>
-              <a:buFontTx/>
-              <a:buNone/>
-            </a:pPr>
-            <a:r>
-              <a:rPr lang="en-US" altLang="zh-CN" sz="1400">
-                <a:solidFill>
-                  <a:schemeClr val="tx1">
-                    <a:lumMod val="85000"/>
-                    <a:lumOff val="15000"/>
-                  </a:schemeClr>
-                </a:solidFill>
-                <a:latin typeface="Helvetica"/>
-                <a:ea typeface="宋体" panose="02010600030101010101" pitchFamily="2" charset="-122"/>
-                <a:cs typeface="Helvetica"/>
-              </a:rPr>
-              <a:t>&lt;/script&gt;</a:t>
+              <a:t>loading 默认 false,设置为 true 后，显示 loading ui 交互中有些接口需要让用户感知</a:t>
             </a:r>
             <a:endParaRPr lang="en-US" altLang="zh-CN" sz="1400">
               <a:solidFill>
@@ -21331,7 +20933,7 @@
                 <a:ea typeface="微软雅黑" panose="020B0503020204020204" charset="-122"/>
                 <a:sym typeface="Helvetica"/>
               </a:rPr>
-              <a:t>Typescript</a:t>
+              <a:t>Axios</a:t>
             </a:r>
             <a:endParaRPr lang="en-US" altLang="zh-CN" b="1" dirty="0">
               <a:solidFill>
@@ -21352,8 +20954,8 @@
         </p:nvSpPr>
         <p:spPr>
           <a:xfrm>
-            <a:off x="1447800" y="624071"/>
-            <a:ext cx="6545580" cy="4398645"/>
+            <a:off x="1447800" y="952366"/>
+            <a:ext cx="6545580" cy="2675255"/>
           </a:xfrm>
           <a:prstGeom prst="rect">
             <a:avLst/>
@@ -21384,23 +20986,23 @@
           </a:bodyPr>
           <a:lstStyle/>
           <a:p>
-            <a:pPr marL="0" marR="0" indent="0" algn="l" defTabSz="914400" rtl="0" fontAlgn="auto" latinLnBrk="0" hangingPunct="0">
-              <a:lnSpc>
-                <a:spcPct val="100000"/>
-              </a:lnSpc>
-              <a:spcBef>
-                <a:spcPts val="0"/>
-              </a:spcBef>
-              <a:spcAft>
-                <a:spcPts val="0"/>
-              </a:spcAft>
-              <a:buClrTx/>
-              <a:buSzTx/>
-              <a:buFontTx/>
-              <a:buNone/>
-            </a:pPr>
-            <a:r>
-              <a:rPr lang="zh-CN" sz="1400">
+            <a:pPr marL="285750" marR="0" indent="-285750" algn="l" defTabSz="914400" rtl="0" fontAlgn="auto" latinLnBrk="0" hangingPunct="0">
+              <a:lnSpc>
+                <a:spcPct val="100000"/>
+              </a:lnSpc>
+              <a:spcBef>
+                <a:spcPts val="0"/>
+              </a:spcBef>
+              <a:spcAft>
+                <a:spcPts val="0"/>
+              </a:spcAft>
+              <a:buClrTx/>
+              <a:buSzTx/>
+              <a:buFont typeface="Arial" panose="020B0604020202020204" pitchFamily="34" charset="0"/>
+              <a:buChar char="•"/>
+            </a:pPr>
+            <a:r>
+              <a:rPr lang="zh-CN" sz="1400" b="1">
                 <a:solidFill>
                   <a:schemeClr val="tx1">
                     <a:lumMod val="85000"/>
@@ -21410,9 +21012,9 @@
                 <a:latin typeface="Helvetica"/>
                 <a:cs typeface="Helvetica"/>
               </a:rPr>
-              <a:t>安装</a:t>
-            </a:r>
-            <a:endParaRPr sz="1400">
+              <a:t>如何调用</a:t>
+            </a:r>
+            <a:endParaRPr lang="zh-CN" sz="1400" b="1">
               <a:solidFill>
                 <a:schemeClr val="tx1">
                   <a:lumMod val="85000"/>
@@ -21424,6 +21026,33 @@
             </a:endParaRPr>
           </a:p>
           <a:p>
+            <a:pPr marL="285750" marR="0" indent="-285750" algn="l" defTabSz="914400" rtl="0" fontAlgn="auto" latinLnBrk="0" hangingPunct="0">
+              <a:lnSpc>
+                <a:spcPct val="100000"/>
+              </a:lnSpc>
+              <a:spcBef>
+                <a:spcPts val="0"/>
+              </a:spcBef>
+              <a:spcAft>
+                <a:spcPts val="0"/>
+              </a:spcAft>
+              <a:buClrTx/>
+              <a:buSzTx/>
+              <a:buFont typeface="Arial" panose="020B0604020202020204" pitchFamily="34" charset="0"/>
+              <a:buChar char="•"/>
+            </a:pPr>
+            <a:endParaRPr lang="zh-CN" sz="1400" b="1">
+              <a:solidFill>
+                <a:schemeClr val="tx1">
+                  <a:lumMod val="85000"/>
+                  <a:lumOff val="15000"/>
+                </a:schemeClr>
+              </a:solidFill>
+              <a:latin typeface="Helvetica"/>
+              <a:cs typeface="Helvetica"/>
+            </a:endParaRPr>
+          </a:p>
+          <a:p>
             <a:pPr marL="0" marR="0" indent="0" algn="l" defTabSz="914400" rtl="0" fontAlgn="auto" latinLnBrk="0" hangingPunct="0">
               <a:lnSpc>
                 <a:spcPct val="100000"/>
@@ -21450,7 +21079,7 @@
                 <a:latin typeface="Helvetica"/>
                 <a:cs typeface="Helvetica"/>
               </a:rPr>
-              <a:t>$ npm install ant-design-vue --save</a:t>
+              <a:t>用 try catch 来捕获错误，既能捕获接口错误，也能捕获业务逻辑错误</a:t>
             </a:r>
             <a:endParaRPr sz="1400">
               <a:solidFill>
@@ -21479,8 +21108,33 @@
               <a:buFontTx/>
               <a:buNone/>
             </a:pPr>
-            <a:r>
-              <a:rPr sz="1400">
+            <a:endParaRPr sz="1400">
+              <a:solidFill>
+                <a:schemeClr val="tx1">
+                  <a:lumMod val="85000"/>
+                  <a:lumOff val="15000"/>
+                </a:schemeClr>
+              </a:solidFill>
+              <a:latin typeface="Helvetica"/>
+              <a:cs typeface="Helvetica"/>
+            </a:endParaRPr>
+          </a:p>
+          <a:p>
+            <a:pPr marR="0" algn="l" defTabSz="914400" rtl="0" fontAlgn="auto" latinLnBrk="0" hangingPunct="0">
+              <a:lnSpc>
+                <a:spcPct val="100000"/>
+              </a:lnSpc>
+              <a:spcBef>
+                <a:spcPts val="0"/>
+              </a:spcBef>
+              <a:spcAft>
+                <a:spcPts val="0"/>
+              </a:spcAft>
+              <a:buClrTx/>
+              <a:buSzTx/>
+            </a:pPr>
+            <a:r>
+              <a:rPr lang="en-US" altLang="zh-CN" sz="1400">
                 <a:solidFill>
                   <a:schemeClr val="tx1">
                     <a:lumMod val="85000"/>
@@ -21488,11 +21142,12 @@
                   </a:schemeClr>
                 </a:solidFill>
                 <a:latin typeface="Helvetica"/>
+                <a:ea typeface="宋体" panose="02010600030101010101" pitchFamily="2" charset="-122"/>
                 <a:cs typeface="Helvetica"/>
               </a:rPr>
-              <a:t>$ yarn add ant-design-vue</a:t>
-            </a:r>
-            <a:endParaRPr sz="1400">
+              <a:t>onMounted(async () =&gt; {</a:t>
+            </a:r>
+            <a:endParaRPr lang="en-US" altLang="zh-CN" sz="1400">
               <a:solidFill>
                 <a:schemeClr val="tx1">
                   <a:lumMod val="85000"/>
@@ -21500,24 +21155,23 @@
                 </a:schemeClr>
               </a:solidFill>
               <a:latin typeface="Helvetica"/>
+              <a:ea typeface="宋体" panose="02010600030101010101" pitchFamily="2" charset="-122"/>
               <a:cs typeface="Helvetica"/>
             </a:endParaRPr>
           </a:p>
           <a:p>
-            <a:pPr marL="0" marR="0" indent="0" algn="l" defTabSz="914400" rtl="0" fontAlgn="auto" latinLnBrk="0" hangingPunct="0">
-              <a:lnSpc>
-                <a:spcPct val="100000"/>
-              </a:lnSpc>
-              <a:spcBef>
-                <a:spcPts val="0"/>
-              </a:spcBef>
-              <a:spcAft>
-                <a:spcPts val="0"/>
-              </a:spcAft>
-              <a:buClrTx/>
-              <a:buSzTx/>
-              <a:buFontTx/>
-              <a:buNone/>
+            <a:pPr marR="0" algn="l" defTabSz="914400" rtl="0" fontAlgn="auto" latinLnBrk="0" hangingPunct="0">
+              <a:lnSpc>
+                <a:spcPct val="100000"/>
+              </a:lnSpc>
+              <a:spcBef>
+                <a:spcPts val="0"/>
+              </a:spcBef>
+              <a:spcAft>
+                <a:spcPts val="0"/>
+              </a:spcAft>
+              <a:buClrTx/>
+              <a:buSzTx/>
             </a:pPr>
             <a:r>
               <a:rPr lang="en-US" altLang="zh-CN" sz="1400">
@@ -21531,10 +21185,36 @@
                 <a:ea typeface="宋体" panose="02010600030101010101" pitchFamily="2" charset="-122"/>
                 <a:cs typeface="Helvetica"/>
               </a:rPr>
-              <a:t>$ pnpm install </a:t>
-            </a:r>
-            <a:r>
-              <a:rPr sz="1400">
+              <a:t>  try {</a:t>
+            </a:r>
+            <a:endParaRPr lang="en-US" altLang="zh-CN" sz="1400">
+              <a:solidFill>
+                <a:schemeClr val="tx1">
+                  <a:lumMod val="85000"/>
+                  <a:lumOff val="15000"/>
+                </a:schemeClr>
+              </a:solidFill>
+              <a:latin typeface="Helvetica"/>
+              <a:ea typeface="宋体" panose="02010600030101010101" pitchFamily="2" charset="-122"/>
+              <a:cs typeface="Helvetica"/>
+            </a:endParaRPr>
+          </a:p>
+          <a:p>
+            <a:pPr marR="0" algn="l" defTabSz="914400" rtl="0" fontAlgn="auto" latinLnBrk="0" hangingPunct="0">
+              <a:lnSpc>
+                <a:spcPct val="100000"/>
+              </a:lnSpc>
+              <a:spcBef>
+                <a:spcPts val="0"/>
+              </a:spcBef>
+              <a:spcAft>
+                <a:spcPts val="0"/>
+              </a:spcAft>
+              <a:buClrTx/>
+              <a:buSzTx/>
+            </a:pPr>
+            <a:r>
+              <a:rPr lang="en-US" altLang="zh-CN" sz="1400">
                 <a:solidFill>
                   <a:schemeClr val="tx1">
                     <a:lumMod val="85000"/>
@@ -21542,12 +21222,12 @@
                   </a:schemeClr>
                 </a:solidFill>
                 <a:latin typeface="Helvetica"/>
+                <a:ea typeface="宋体" panose="02010600030101010101" pitchFamily="2" charset="-122"/>
                 <a:cs typeface="Helvetica"/>
-                <a:sym typeface="+mn-ea"/>
-              </a:rPr>
-              <a:t>ant-design-vue</a:t>
-            </a:r>
-            <a:endParaRPr sz="1400">
+              </a:rPr>
+              <a:t>    let res = await fetchUserInfo()</a:t>
+            </a:r>
+            <a:endParaRPr lang="en-US" altLang="zh-CN" sz="1400">
               <a:solidFill>
                 <a:schemeClr val="tx1">
                   <a:lumMod val="85000"/>
@@ -21555,26 +21235,38 @@
                 </a:schemeClr>
               </a:solidFill>
               <a:latin typeface="Helvetica"/>
+              <a:ea typeface="宋体" panose="02010600030101010101" pitchFamily="2" charset="-122"/>
               <a:cs typeface="Helvetica"/>
-              <a:sym typeface="+mn-ea"/>
-            </a:endParaRPr>
-          </a:p>
-          <a:p>
-            <a:pPr marL="0" marR="0" indent="0" algn="l" defTabSz="914400" rtl="0" fontAlgn="auto" latinLnBrk="0" hangingPunct="0">
-              <a:lnSpc>
-                <a:spcPct val="100000"/>
-              </a:lnSpc>
-              <a:spcBef>
-                <a:spcPts val="0"/>
-              </a:spcBef>
-              <a:spcAft>
-                <a:spcPts val="0"/>
-              </a:spcAft>
-              <a:buClrTx/>
-              <a:buSzTx/>
-              <a:buFontTx/>
-              <a:buNone/>
-            </a:pPr>
+            </a:endParaRPr>
+          </a:p>
+          <a:p>
+            <a:pPr marR="0" algn="l" defTabSz="914400" rtl="0" fontAlgn="auto" latinLnBrk="0" hangingPunct="0">
+              <a:lnSpc>
+                <a:spcPct val="100000"/>
+              </a:lnSpc>
+              <a:spcBef>
+                <a:spcPts val="0"/>
+              </a:spcBef>
+              <a:spcAft>
+                <a:spcPts val="0"/>
+              </a:spcAft>
+              <a:buClrTx/>
+              <a:buSzTx/>
+            </a:pPr>
+            <a:r>
+              <a:rPr lang="en-US" altLang="zh-CN" sz="1400">
+                <a:solidFill>
+                  <a:schemeClr val="tx1">
+                    <a:lumMod val="85000"/>
+                    <a:lumOff val="15000"/>
+                  </a:schemeClr>
+                </a:solidFill>
+                <a:latin typeface="Helvetica"/>
+                <a:ea typeface="宋体" panose="02010600030101010101" pitchFamily="2" charset="-122"/>
+                <a:cs typeface="Helvetica"/>
+              </a:rPr>
+              <a:t>    console.log(res)</a:t>
+            </a:r>
             <a:endParaRPr lang="en-US" altLang="zh-CN" sz="1400">
               <a:solidFill>
                 <a:schemeClr val="tx1">
@@ -21588,20 +21280,18 @@
             </a:endParaRPr>
           </a:p>
           <a:p>
-            <a:pPr marL="0" marR="0" indent="0" algn="l" defTabSz="914400" rtl="0" fontAlgn="auto" latinLnBrk="0" hangingPunct="0">
-              <a:lnSpc>
-                <a:spcPct val="100000"/>
-              </a:lnSpc>
-              <a:spcBef>
-                <a:spcPts val="0"/>
-              </a:spcBef>
-              <a:spcAft>
-                <a:spcPts val="0"/>
-              </a:spcAft>
-              <a:buClrTx/>
-              <a:buSzTx/>
-              <a:buFontTx/>
-              <a:buNone/>
+            <a:pPr marR="0" algn="l" defTabSz="914400" rtl="0" fontAlgn="auto" latinLnBrk="0" hangingPunct="0">
+              <a:lnSpc>
+                <a:spcPct val="100000"/>
+              </a:lnSpc>
+              <a:spcBef>
+                <a:spcPts val="0"/>
+              </a:spcBef>
+              <a:spcAft>
+                <a:spcPts val="0"/>
+              </a:spcAft>
+              <a:buClrTx/>
+              <a:buSzTx/>
             </a:pPr>
             <a:r>
               <a:rPr lang="en-US" altLang="zh-CN" sz="1400">
@@ -21615,7 +21305,7 @@
                 <a:ea typeface="宋体" panose="02010600030101010101" pitchFamily="2" charset="-122"/>
                 <a:cs typeface="Helvetica"/>
               </a:rPr>
-              <a:t>局部注册组件</a:t>
+              <a:t>  } catch (error) {</a:t>
             </a:r>
             <a:endParaRPr lang="en-US" altLang="zh-CN" sz="1400">
               <a:solidFill>
@@ -21630,20 +21320,18 @@
             </a:endParaRPr>
           </a:p>
           <a:p>
-            <a:pPr marL="0" marR="0" indent="0" algn="l" defTabSz="914400" rtl="0" fontAlgn="auto" latinLnBrk="0" hangingPunct="0">
-              <a:lnSpc>
-                <a:spcPct val="100000"/>
-              </a:lnSpc>
-              <a:spcBef>
-                <a:spcPts val="0"/>
-              </a:spcBef>
-              <a:spcAft>
-                <a:spcPts val="0"/>
-              </a:spcAft>
-              <a:buClrTx/>
-              <a:buSzTx/>
-              <a:buFontTx/>
-              <a:buNone/>
+            <a:pPr marR="0" algn="l" defTabSz="914400" rtl="0" fontAlgn="auto" latinLnBrk="0" hangingPunct="0">
+              <a:lnSpc>
+                <a:spcPct val="100000"/>
+              </a:lnSpc>
+              <a:spcBef>
+                <a:spcPts val="0"/>
+              </a:spcBef>
+              <a:spcAft>
+                <a:spcPts val="0"/>
+              </a:spcAft>
+              <a:buClrTx/>
+              <a:buSzTx/>
             </a:pPr>
             <a:r>
               <a:rPr lang="en-US" altLang="zh-CN" sz="1400">
@@ -21657,7 +21345,7 @@
                 <a:ea typeface="宋体" panose="02010600030101010101" pitchFamily="2" charset="-122"/>
                 <a:cs typeface="Helvetica"/>
               </a:rPr>
-              <a:t>&lt;template&gt;</a:t>
+              <a:t>    console.log(error)</a:t>
             </a:r>
             <a:endParaRPr lang="en-US" altLang="zh-CN" sz="1400">
               <a:solidFill>
@@ -21672,20 +21360,18 @@
             </a:endParaRPr>
           </a:p>
           <a:p>
-            <a:pPr marL="0" marR="0" indent="0" algn="l" defTabSz="914400" rtl="0" fontAlgn="auto" latinLnBrk="0" hangingPunct="0">
-              <a:lnSpc>
-                <a:spcPct val="100000"/>
-              </a:lnSpc>
-              <a:spcBef>
-                <a:spcPts val="0"/>
-              </a:spcBef>
-              <a:spcAft>
-                <a:spcPts val="0"/>
-              </a:spcAft>
-              <a:buClrTx/>
-              <a:buSzTx/>
-              <a:buFontTx/>
-              <a:buNone/>
+            <a:pPr marR="0" algn="l" defTabSz="914400" rtl="0" fontAlgn="auto" latinLnBrk="0" hangingPunct="0">
+              <a:lnSpc>
+                <a:spcPct val="100000"/>
+              </a:lnSpc>
+              <a:spcBef>
+                <a:spcPts val="0"/>
+              </a:spcBef>
+              <a:spcAft>
+                <a:spcPts val="0"/>
+              </a:spcAft>
+              <a:buClrTx/>
+              <a:buSzTx/>
             </a:pPr>
             <a:r>
               <a:rPr lang="en-US" altLang="zh-CN" sz="1400">
@@ -21699,7 +21385,7 @@
                 <a:ea typeface="宋体" panose="02010600030101010101" pitchFamily="2" charset="-122"/>
                 <a:cs typeface="Helvetica"/>
               </a:rPr>
-              <a:t>  &lt;a-button&gt;Add&lt;/a-button&gt;</a:t>
+              <a:t>  }</a:t>
             </a:r>
             <a:endParaRPr lang="en-US" altLang="zh-CN" sz="1400">
               <a:solidFill>
@@ -21714,20 +21400,18 @@
             </a:endParaRPr>
           </a:p>
           <a:p>
-            <a:pPr marL="0" marR="0" indent="0" algn="l" defTabSz="914400" rtl="0" fontAlgn="auto" latinLnBrk="0" hangingPunct="0">
-              <a:lnSpc>
-                <a:spcPct val="100000"/>
-              </a:lnSpc>
-              <a:spcBef>
-                <a:spcPts val="0"/>
-              </a:spcBef>
-              <a:spcAft>
-                <a:spcPts val="0"/>
-              </a:spcAft>
-              <a:buClrTx/>
-              <a:buSzTx/>
-              <a:buFontTx/>
-              <a:buNone/>
+            <a:pPr marR="0" algn="l" defTabSz="914400" rtl="0" fontAlgn="auto" latinLnBrk="0" hangingPunct="0">
+              <a:lnSpc>
+                <a:spcPct val="100000"/>
+              </a:lnSpc>
+              <a:spcBef>
+                <a:spcPts val="0"/>
+              </a:spcBef>
+              <a:spcAft>
+                <a:spcPts val="0"/>
+              </a:spcAft>
+              <a:buClrTx/>
+              <a:buSzTx/>
             </a:pPr>
             <a:r>
               <a:rPr lang="en-US" altLang="zh-CN" sz="1400">
@@ -21741,455 +21425,7 @@
                 <a:ea typeface="宋体" panose="02010600030101010101" pitchFamily="2" charset="-122"/>
                 <a:cs typeface="Helvetica"/>
               </a:rPr>
-              <a:t>&lt;/template&gt;</a:t>
-            </a:r>
-            <a:endParaRPr lang="en-US" altLang="zh-CN" sz="1400">
-              <a:solidFill>
-                <a:schemeClr val="tx1">
-                  <a:lumMod val="85000"/>
-                  <a:lumOff val="15000"/>
-                </a:schemeClr>
-              </a:solidFill>
-              <a:latin typeface="Helvetica"/>
-              <a:ea typeface="宋体" panose="02010600030101010101" pitchFamily="2" charset="-122"/>
-              <a:cs typeface="Helvetica"/>
-            </a:endParaRPr>
-          </a:p>
-          <a:p>
-            <a:pPr marL="0" marR="0" indent="0" algn="l" defTabSz="914400" rtl="0" fontAlgn="auto" latinLnBrk="0" hangingPunct="0">
-              <a:lnSpc>
-                <a:spcPct val="100000"/>
-              </a:lnSpc>
-              <a:spcBef>
-                <a:spcPts val="0"/>
-              </a:spcBef>
-              <a:spcAft>
-                <a:spcPts val="0"/>
-              </a:spcAft>
-              <a:buClrTx/>
-              <a:buSzTx/>
-              <a:buFontTx/>
-              <a:buNone/>
-            </a:pPr>
-            <a:r>
-              <a:rPr lang="en-US" altLang="zh-CN" sz="1400">
-                <a:solidFill>
-                  <a:schemeClr val="tx1">
-                    <a:lumMod val="85000"/>
-                    <a:lumOff val="15000"/>
-                  </a:schemeClr>
-                </a:solidFill>
-                <a:latin typeface="Helvetica"/>
-                <a:ea typeface="宋体" panose="02010600030101010101" pitchFamily="2" charset="-122"/>
-                <a:cs typeface="Helvetica"/>
-              </a:rPr>
-              <a:t>&lt;script&gt;</a:t>
-            </a:r>
-            <a:endParaRPr lang="en-US" altLang="zh-CN" sz="1400">
-              <a:solidFill>
-                <a:schemeClr val="tx1">
-                  <a:lumMod val="85000"/>
-                  <a:lumOff val="15000"/>
-                </a:schemeClr>
-              </a:solidFill>
-              <a:latin typeface="Helvetica"/>
-              <a:ea typeface="宋体" panose="02010600030101010101" pitchFamily="2" charset="-122"/>
-              <a:cs typeface="Helvetica"/>
-            </a:endParaRPr>
-          </a:p>
-          <a:p>
-            <a:pPr marL="0" marR="0" indent="0" algn="l" defTabSz="914400" rtl="0" fontAlgn="auto" latinLnBrk="0" hangingPunct="0">
-              <a:lnSpc>
-                <a:spcPct val="100000"/>
-              </a:lnSpc>
-              <a:spcBef>
-                <a:spcPts val="0"/>
-              </a:spcBef>
-              <a:spcAft>
-                <a:spcPts val="0"/>
-              </a:spcAft>
-              <a:buClrTx/>
-              <a:buSzTx/>
-              <a:buFontTx/>
-              <a:buNone/>
-            </a:pPr>
-            <a:r>
-              <a:rPr lang="en-US" altLang="zh-CN" sz="1400">
-                <a:solidFill>
-                  <a:schemeClr val="tx1">
-                    <a:lumMod val="85000"/>
-                    <a:lumOff val="15000"/>
-                  </a:schemeClr>
-                </a:solidFill>
-                <a:latin typeface="Helvetica"/>
-                <a:ea typeface="宋体" panose="02010600030101010101" pitchFamily="2" charset="-122"/>
-                <a:cs typeface="Helvetica"/>
-              </a:rPr>
-              <a:t>  import { Button } from 'ant-design-vue';</a:t>
-            </a:r>
-            <a:endParaRPr lang="en-US" altLang="zh-CN" sz="1400">
-              <a:solidFill>
-                <a:schemeClr val="tx1">
-                  <a:lumMod val="85000"/>
-                  <a:lumOff val="15000"/>
-                </a:schemeClr>
-              </a:solidFill>
-              <a:latin typeface="Helvetica"/>
-              <a:ea typeface="宋体" panose="02010600030101010101" pitchFamily="2" charset="-122"/>
-              <a:cs typeface="Helvetica"/>
-            </a:endParaRPr>
-          </a:p>
-          <a:p>
-            <a:pPr marL="0" marR="0" indent="0" algn="l" defTabSz="914400" rtl="0" fontAlgn="auto" latinLnBrk="0" hangingPunct="0">
-              <a:lnSpc>
-                <a:spcPct val="100000"/>
-              </a:lnSpc>
-              <a:spcBef>
-                <a:spcPts val="0"/>
-              </a:spcBef>
-              <a:spcAft>
-                <a:spcPts val="0"/>
-              </a:spcAft>
-              <a:buClrTx/>
-              <a:buSzTx/>
-              <a:buFontTx/>
-              <a:buNone/>
-            </a:pPr>
-            <a:r>
-              <a:rPr lang="en-US" altLang="zh-CN" sz="1400">
-                <a:solidFill>
-                  <a:schemeClr val="tx1">
-                    <a:lumMod val="85000"/>
-                    <a:lumOff val="15000"/>
-                  </a:schemeClr>
-                </a:solidFill>
-                <a:latin typeface="Helvetica"/>
-                <a:ea typeface="宋体" panose="02010600030101010101" pitchFamily="2" charset="-122"/>
-                <a:cs typeface="Helvetica"/>
-              </a:rPr>
-              <a:t>  const ButtonGroup = Button.Group;</a:t>
-            </a:r>
-            <a:endParaRPr lang="en-US" altLang="zh-CN" sz="1400">
-              <a:solidFill>
-                <a:schemeClr val="tx1">
-                  <a:lumMod val="85000"/>
-                  <a:lumOff val="15000"/>
-                </a:schemeClr>
-              </a:solidFill>
-              <a:latin typeface="Helvetica"/>
-              <a:ea typeface="宋体" panose="02010600030101010101" pitchFamily="2" charset="-122"/>
-              <a:cs typeface="Helvetica"/>
-            </a:endParaRPr>
-          </a:p>
-          <a:p>
-            <a:pPr marL="0" marR="0" indent="0" algn="l" defTabSz="914400" rtl="0" fontAlgn="auto" latinLnBrk="0" hangingPunct="0">
-              <a:lnSpc>
-                <a:spcPct val="100000"/>
-              </a:lnSpc>
-              <a:spcBef>
-                <a:spcPts val="0"/>
-              </a:spcBef>
-              <a:spcAft>
-                <a:spcPts val="0"/>
-              </a:spcAft>
-              <a:buClrTx/>
-              <a:buSzTx/>
-              <a:buFontTx/>
-              <a:buNone/>
-            </a:pPr>
-            <a:endParaRPr lang="en-US" altLang="zh-CN" sz="1400">
-              <a:solidFill>
-                <a:schemeClr val="tx1">
-                  <a:lumMod val="85000"/>
-                  <a:lumOff val="15000"/>
-                </a:schemeClr>
-              </a:solidFill>
-              <a:latin typeface="Helvetica"/>
-              <a:ea typeface="宋体" panose="02010600030101010101" pitchFamily="2" charset="-122"/>
-              <a:cs typeface="Helvetica"/>
-            </a:endParaRPr>
-          </a:p>
-          <a:p>
-            <a:pPr marL="0" marR="0" indent="0" algn="l" defTabSz="914400" rtl="0" fontAlgn="auto" latinLnBrk="0" hangingPunct="0">
-              <a:lnSpc>
-                <a:spcPct val="100000"/>
-              </a:lnSpc>
-              <a:spcBef>
-                <a:spcPts val="0"/>
-              </a:spcBef>
-              <a:spcAft>
-                <a:spcPts val="0"/>
-              </a:spcAft>
-              <a:buClrTx/>
-              <a:buSzTx/>
-              <a:buFontTx/>
-              <a:buNone/>
-            </a:pPr>
-            <a:r>
-              <a:rPr lang="en-US" altLang="zh-CN" sz="1400">
-                <a:solidFill>
-                  <a:schemeClr val="tx1">
-                    <a:lumMod val="85000"/>
-                    <a:lumOff val="15000"/>
-                  </a:schemeClr>
-                </a:solidFill>
-                <a:latin typeface="Helvetica"/>
-                <a:ea typeface="宋体" panose="02010600030101010101" pitchFamily="2" charset="-122"/>
-                <a:cs typeface="Helvetica"/>
-              </a:rPr>
-              <a:t>  export default {</a:t>
-            </a:r>
-            <a:endParaRPr lang="en-US" altLang="zh-CN" sz="1400">
-              <a:solidFill>
-                <a:schemeClr val="tx1">
-                  <a:lumMod val="85000"/>
-                  <a:lumOff val="15000"/>
-                </a:schemeClr>
-              </a:solidFill>
-              <a:latin typeface="Helvetica"/>
-              <a:ea typeface="宋体" panose="02010600030101010101" pitchFamily="2" charset="-122"/>
-              <a:cs typeface="Helvetica"/>
-            </a:endParaRPr>
-          </a:p>
-          <a:p>
-            <a:pPr marL="0" marR="0" indent="0" algn="l" defTabSz="914400" rtl="0" fontAlgn="auto" latinLnBrk="0" hangingPunct="0">
-              <a:lnSpc>
-                <a:spcPct val="100000"/>
-              </a:lnSpc>
-              <a:spcBef>
-                <a:spcPts val="0"/>
-              </a:spcBef>
-              <a:spcAft>
-                <a:spcPts val="0"/>
-              </a:spcAft>
-              <a:buClrTx/>
-              <a:buSzTx/>
-              <a:buFontTx/>
-              <a:buNone/>
-            </a:pPr>
-            <a:r>
-              <a:rPr lang="en-US" altLang="zh-CN" sz="1400">
-                <a:solidFill>
-                  <a:schemeClr val="tx1">
-                    <a:lumMod val="85000"/>
-                    <a:lumOff val="15000"/>
-                  </a:schemeClr>
-                </a:solidFill>
-                <a:latin typeface="Helvetica"/>
-                <a:ea typeface="宋体" panose="02010600030101010101" pitchFamily="2" charset="-122"/>
-                <a:cs typeface="Helvetica"/>
-              </a:rPr>
-              <a:t>    components: {</a:t>
-            </a:r>
-            <a:endParaRPr lang="en-US" altLang="zh-CN" sz="1400">
-              <a:solidFill>
-                <a:schemeClr val="tx1">
-                  <a:lumMod val="85000"/>
-                  <a:lumOff val="15000"/>
-                </a:schemeClr>
-              </a:solidFill>
-              <a:latin typeface="Helvetica"/>
-              <a:ea typeface="宋体" panose="02010600030101010101" pitchFamily="2" charset="-122"/>
-              <a:cs typeface="Helvetica"/>
-            </a:endParaRPr>
-          </a:p>
-          <a:p>
-            <a:pPr marL="0" marR="0" indent="0" algn="l" defTabSz="914400" rtl="0" fontAlgn="auto" latinLnBrk="0" hangingPunct="0">
-              <a:lnSpc>
-                <a:spcPct val="100000"/>
-              </a:lnSpc>
-              <a:spcBef>
-                <a:spcPts val="0"/>
-              </a:spcBef>
-              <a:spcAft>
-                <a:spcPts val="0"/>
-              </a:spcAft>
-              <a:buClrTx/>
-              <a:buSzTx/>
-              <a:buFontTx/>
-              <a:buNone/>
-            </a:pPr>
-            <a:r>
-              <a:rPr lang="en-US" altLang="zh-CN" sz="1400">
-                <a:solidFill>
-                  <a:schemeClr val="tx1">
-                    <a:lumMod val="85000"/>
-                    <a:lumOff val="15000"/>
-                  </a:schemeClr>
-                </a:solidFill>
-                <a:latin typeface="Helvetica"/>
-                <a:ea typeface="宋体" panose="02010600030101010101" pitchFamily="2" charset="-122"/>
-                <a:cs typeface="Helvetica"/>
-              </a:rPr>
-              <a:t>      AButton: Button,</a:t>
-            </a:r>
-            <a:endParaRPr lang="en-US" altLang="zh-CN" sz="1400">
-              <a:solidFill>
-                <a:schemeClr val="tx1">
-                  <a:lumMod val="85000"/>
-                  <a:lumOff val="15000"/>
-                </a:schemeClr>
-              </a:solidFill>
-              <a:latin typeface="Helvetica"/>
-              <a:ea typeface="宋体" panose="02010600030101010101" pitchFamily="2" charset="-122"/>
-              <a:cs typeface="Helvetica"/>
-            </a:endParaRPr>
-          </a:p>
-          <a:p>
-            <a:pPr marL="0" marR="0" indent="0" algn="l" defTabSz="914400" rtl="0" fontAlgn="auto" latinLnBrk="0" hangingPunct="0">
-              <a:lnSpc>
-                <a:spcPct val="100000"/>
-              </a:lnSpc>
-              <a:spcBef>
-                <a:spcPts val="0"/>
-              </a:spcBef>
-              <a:spcAft>
-                <a:spcPts val="0"/>
-              </a:spcAft>
-              <a:buClrTx/>
-              <a:buSzTx/>
-              <a:buFontTx/>
-              <a:buNone/>
-            </a:pPr>
-            <a:r>
-              <a:rPr lang="en-US" altLang="zh-CN" sz="1400">
-                <a:solidFill>
-                  <a:schemeClr val="tx1">
-                    <a:lumMod val="85000"/>
-                    <a:lumOff val="15000"/>
-                  </a:schemeClr>
-                </a:solidFill>
-                <a:latin typeface="Helvetica"/>
-                <a:ea typeface="宋体" panose="02010600030101010101" pitchFamily="2" charset="-122"/>
-                <a:cs typeface="Helvetica"/>
-              </a:rPr>
-              <a:t>      AButtonGroup: ButtonGroup,</a:t>
-            </a:r>
-            <a:endParaRPr lang="en-US" altLang="zh-CN" sz="1400">
-              <a:solidFill>
-                <a:schemeClr val="tx1">
-                  <a:lumMod val="85000"/>
-                  <a:lumOff val="15000"/>
-                </a:schemeClr>
-              </a:solidFill>
-              <a:latin typeface="Helvetica"/>
-              <a:ea typeface="宋体" panose="02010600030101010101" pitchFamily="2" charset="-122"/>
-              <a:cs typeface="Helvetica"/>
-            </a:endParaRPr>
-          </a:p>
-          <a:p>
-            <a:pPr marL="0" marR="0" indent="0" algn="l" defTabSz="914400" rtl="0" fontAlgn="auto" latinLnBrk="0" hangingPunct="0">
-              <a:lnSpc>
-                <a:spcPct val="100000"/>
-              </a:lnSpc>
-              <a:spcBef>
-                <a:spcPts val="0"/>
-              </a:spcBef>
-              <a:spcAft>
-                <a:spcPts val="0"/>
-              </a:spcAft>
-              <a:buClrTx/>
-              <a:buSzTx/>
-              <a:buFontTx/>
-              <a:buNone/>
-            </a:pPr>
-            <a:r>
-              <a:rPr lang="en-US" altLang="zh-CN" sz="1400">
-                <a:solidFill>
-                  <a:schemeClr val="tx1">
-                    <a:lumMod val="85000"/>
-                    <a:lumOff val="15000"/>
-                  </a:schemeClr>
-                </a:solidFill>
-                <a:latin typeface="Helvetica"/>
-                <a:ea typeface="宋体" panose="02010600030101010101" pitchFamily="2" charset="-122"/>
-                <a:cs typeface="Helvetica"/>
-              </a:rPr>
-              <a:t>    },</a:t>
-            </a:r>
-            <a:endParaRPr lang="en-US" altLang="zh-CN" sz="1400">
-              <a:solidFill>
-                <a:schemeClr val="tx1">
-                  <a:lumMod val="85000"/>
-                  <a:lumOff val="15000"/>
-                </a:schemeClr>
-              </a:solidFill>
-              <a:latin typeface="Helvetica"/>
-              <a:ea typeface="宋体" panose="02010600030101010101" pitchFamily="2" charset="-122"/>
-              <a:cs typeface="Helvetica"/>
-            </a:endParaRPr>
-          </a:p>
-          <a:p>
-            <a:pPr marL="0" marR="0" indent="0" algn="l" defTabSz="914400" rtl="0" fontAlgn="auto" latinLnBrk="0" hangingPunct="0">
-              <a:lnSpc>
-                <a:spcPct val="100000"/>
-              </a:lnSpc>
-              <a:spcBef>
-                <a:spcPts val="0"/>
-              </a:spcBef>
-              <a:spcAft>
-                <a:spcPts val="0"/>
-              </a:spcAft>
-              <a:buClrTx/>
-              <a:buSzTx/>
-              <a:buFontTx/>
-              <a:buNone/>
-            </a:pPr>
-            <a:r>
-              <a:rPr lang="en-US" altLang="zh-CN" sz="1400">
-                <a:solidFill>
-                  <a:schemeClr val="tx1">
-                    <a:lumMod val="85000"/>
-                    <a:lumOff val="15000"/>
-                  </a:schemeClr>
-                </a:solidFill>
-                <a:latin typeface="Helvetica"/>
-                <a:ea typeface="宋体" panose="02010600030101010101" pitchFamily="2" charset="-122"/>
-                <a:cs typeface="Helvetica"/>
-              </a:rPr>
-              <a:t>  };</a:t>
-            </a:r>
-            <a:endParaRPr lang="en-US" altLang="zh-CN" sz="1400">
-              <a:solidFill>
-                <a:schemeClr val="tx1">
-                  <a:lumMod val="85000"/>
-                  <a:lumOff val="15000"/>
-                </a:schemeClr>
-              </a:solidFill>
-              <a:latin typeface="Helvetica"/>
-              <a:ea typeface="宋体" panose="02010600030101010101" pitchFamily="2" charset="-122"/>
-              <a:cs typeface="Helvetica"/>
-            </a:endParaRPr>
-          </a:p>
-          <a:p>
-            <a:pPr marL="0" marR="0" indent="0" algn="l" defTabSz="914400" rtl="0" fontAlgn="auto" latinLnBrk="0" hangingPunct="0">
-              <a:lnSpc>
-                <a:spcPct val="100000"/>
-              </a:lnSpc>
-              <a:spcBef>
-                <a:spcPts val="0"/>
-              </a:spcBef>
-              <a:spcAft>
-                <a:spcPts val="0"/>
-              </a:spcAft>
-              <a:buClrTx/>
-              <a:buSzTx/>
-              <a:buFontTx/>
-              <a:buNone/>
-            </a:pPr>
-            <a:r>
-              <a:rPr lang="en-US" altLang="zh-CN" sz="1400">
-                <a:solidFill>
-                  <a:schemeClr val="tx1">
-                    <a:lumMod val="85000"/>
-                    <a:lumOff val="15000"/>
-                  </a:schemeClr>
-                </a:solidFill>
-                <a:latin typeface="Helvetica"/>
-                <a:ea typeface="宋体" panose="02010600030101010101" pitchFamily="2" charset="-122"/>
-                <a:cs typeface="Helvetica"/>
-              </a:rPr>
-              <a:t>&lt;/script&gt;</a:t>
+              <a:t>})</a:t>
             </a:r>
             <a:endParaRPr lang="en-US" altLang="zh-CN" sz="1400">
               <a:solidFill>
@@ -22407,7 +21643,7 @@
                 <a:ea typeface="微软雅黑" panose="020B0503020204020204" charset="-122"/>
                 <a:sym typeface="Helvetica"/>
               </a:rPr>
-              <a:t>Axios</a:t>
+              <a:t>ant design</a:t>
             </a:r>
             <a:endParaRPr lang="en-US" altLang="zh-CN" b="1" dirty="0">
               <a:solidFill>
@@ -22429,7 +21665,7 @@
         <p:spPr>
           <a:xfrm>
             <a:off x="1447800" y="624071"/>
-            <a:ext cx="6545580" cy="4398645"/>
+            <a:ext cx="6545580" cy="3106420"/>
           </a:xfrm>
           <a:prstGeom prst="rect">
             <a:avLst/>
@@ -22460,20 +21696,20 @@
           </a:bodyPr>
           <a:lstStyle/>
           <a:p>
-            <a:pPr marL="0" marR="0" indent="0" algn="l" defTabSz="914400" rtl="0" fontAlgn="auto" latinLnBrk="0" hangingPunct="0">
-              <a:lnSpc>
-                <a:spcPct val="100000"/>
-              </a:lnSpc>
-              <a:spcBef>
-                <a:spcPts val="0"/>
-              </a:spcBef>
-              <a:spcAft>
-                <a:spcPts val="0"/>
-              </a:spcAft>
-              <a:buClrTx/>
-              <a:buSzTx/>
-              <a:buFontTx/>
-              <a:buNone/>
+            <a:pPr marL="285750" marR="0" indent="-285750" algn="l" defTabSz="914400" rtl="0" fontAlgn="auto" latinLnBrk="0" hangingPunct="0">
+              <a:lnSpc>
+                <a:spcPct val="100000"/>
+              </a:lnSpc>
+              <a:spcBef>
+                <a:spcPts val="0"/>
+              </a:spcBef>
+              <a:spcAft>
+                <a:spcPts val="0"/>
+              </a:spcAft>
+              <a:buClrTx/>
+              <a:buSzTx/>
+              <a:buFont typeface="Arial" panose="020B0604020202020204" pitchFamily="34" charset="0"/>
+              <a:buChar char="•"/>
             </a:pPr>
             <a:r>
               <a:rPr lang="zh-CN" sz="1400">
@@ -22488,7 +21724,7 @@
               </a:rPr>
               <a:t>安装</a:t>
             </a:r>
-            <a:endParaRPr sz="1400">
+            <a:endParaRPr lang="zh-CN" sz="1400">
               <a:solidFill>
                 <a:schemeClr val="tx1">
                   <a:lumMod val="85000"/>
@@ -22516,7 +21752,7 @@
               <a:buNone/>
             </a:pPr>
             <a:r>
-              <a:rPr sz="1400">
+              <a:rPr lang="en-US" altLang="zh-CN" sz="1400">
                 <a:solidFill>
                   <a:schemeClr val="tx1">
                     <a:lumMod val="85000"/>
@@ -22524,9 +21760,24 @@
                   </a:schemeClr>
                 </a:solidFill>
                 <a:latin typeface="Helvetica"/>
+                <a:ea typeface="宋体" panose="02010600030101010101" pitchFamily="2" charset="-122"/>
                 <a:cs typeface="Helvetica"/>
               </a:rPr>
-              <a:t>$ npm install ant-design-vue --save</a:t>
+              <a:t>$ pnpm install </a:t>
+            </a:r>
+            <a:r>
+              <a:rPr sz="1400">
+                <a:solidFill>
+                  <a:schemeClr val="tx1">
+                    <a:lumMod val="85000"/>
+                    <a:lumOff val="15000"/>
+                  </a:schemeClr>
+                </a:solidFill>
+                <a:latin typeface="Helvetica"/>
+                <a:cs typeface="Helvetica"/>
+                <a:sym typeface="+mn-ea"/>
+              </a:rPr>
+              <a:t>ant-design-vue</a:t>
             </a:r>
             <a:endParaRPr sz="1400">
               <a:solidFill>
@@ -22537,6 +21788,7 @@
               </a:solidFill>
               <a:latin typeface="Helvetica"/>
               <a:cs typeface="Helvetica"/>
+              <a:sym typeface="+mn-ea"/>
             </a:endParaRPr>
           </a:p>
           <a:p>
@@ -22555,8 +21807,36 @@
               <a:buFontTx/>
               <a:buNone/>
             </a:pPr>
-            <a:r>
-              <a:rPr sz="1400">
+            <a:endParaRPr lang="en-US" altLang="zh-CN" sz="1400">
+              <a:solidFill>
+                <a:schemeClr val="tx1">
+                  <a:lumMod val="85000"/>
+                  <a:lumOff val="15000"/>
+                </a:schemeClr>
+              </a:solidFill>
+              <a:latin typeface="Helvetica"/>
+              <a:ea typeface="宋体" panose="02010600030101010101" pitchFamily="2" charset="-122"/>
+              <a:cs typeface="Helvetica"/>
+            </a:endParaRPr>
+          </a:p>
+          <a:p>
+            <a:pPr marL="285750" marR="0" indent="-285750" algn="l" defTabSz="914400" rtl="0" fontAlgn="auto" latinLnBrk="0" hangingPunct="0">
+              <a:lnSpc>
+                <a:spcPct val="100000"/>
+              </a:lnSpc>
+              <a:spcBef>
+                <a:spcPts val="0"/>
+              </a:spcBef>
+              <a:spcAft>
+                <a:spcPts val="0"/>
+              </a:spcAft>
+              <a:buClrTx/>
+              <a:buSzTx/>
+              <a:buFont typeface="Arial" panose="020B0604020202020204" pitchFamily="34" charset="0"/>
+              <a:buChar char="•"/>
+            </a:pPr>
+            <a:r>
+              <a:rPr lang="en-US" altLang="zh-CN" sz="1400">
                 <a:solidFill>
                   <a:schemeClr val="tx1">
                     <a:lumMod val="85000"/>
@@ -22564,11 +21844,12 @@
                   </a:schemeClr>
                 </a:solidFill>
                 <a:latin typeface="Helvetica"/>
+                <a:ea typeface="宋体" panose="02010600030101010101" pitchFamily="2" charset="-122"/>
                 <a:cs typeface="Helvetica"/>
               </a:rPr>
-              <a:t>$ yarn add ant-design-vue</a:t>
-            </a:r>
-            <a:endParaRPr sz="1400">
+              <a:t>全局完整注册</a:t>
+            </a:r>
+            <a:endParaRPr lang="en-US" altLang="zh-CN" sz="1400">
               <a:solidFill>
                 <a:schemeClr val="tx1">
                   <a:lumMod val="85000"/>
@@ -22576,24 +21857,23 @@
                 </a:schemeClr>
               </a:solidFill>
               <a:latin typeface="Helvetica"/>
+              <a:ea typeface="宋体" panose="02010600030101010101" pitchFamily="2" charset="-122"/>
               <a:cs typeface="Helvetica"/>
             </a:endParaRPr>
           </a:p>
           <a:p>
-            <a:pPr marL="0" marR="0" indent="0" algn="l" defTabSz="914400" rtl="0" fontAlgn="auto" latinLnBrk="0" hangingPunct="0">
-              <a:lnSpc>
-                <a:spcPct val="100000"/>
-              </a:lnSpc>
-              <a:spcBef>
-                <a:spcPts val="0"/>
-              </a:spcBef>
-              <a:spcAft>
-                <a:spcPts val="0"/>
-              </a:spcAft>
-              <a:buClrTx/>
-              <a:buSzTx/>
-              <a:buFontTx/>
-              <a:buNone/>
+            <a:pPr marR="0" algn="l" defTabSz="914400" rtl="0" fontAlgn="auto" latinLnBrk="0" hangingPunct="0">
+              <a:lnSpc>
+                <a:spcPct val="100000"/>
+              </a:lnSpc>
+              <a:spcBef>
+                <a:spcPts val="0"/>
+              </a:spcBef>
+              <a:spcAft>
+                <a:spcPts val="0"/>
+              </a:spcAft>
+              <a:buClrTx/>
+              <a:buSzTx/>
             </a:pPr>
             <a:r>
               <a:rPr lang="en-US" altLang="zh-CN" sz="1400">
@@ -22607,10 +21887,36 @@
                 <a:ea typeface="宋体" panose="02010600030101010101" pitchFamily="2" charset="-122"/>
                 <a:cs typeface="Helvetica"/>
               </a:rPr>
-              <a:t>$ pnpm install </a:t>
-            </a:r>
-            <a:r>
-              <a:rPr sz="1400">
+              <a:t>import { createApp } from 'vue';</a:t>
+            </a:r>
+            <a:endParaRPr lang="en-US" altLang="zh-CN" sz="1400">
+              <a:solidFill>
+                <a:schemeClr val="tx1">
+                  <a:lumMod val="85000"/>
+                  <a:lumOff val="15000"/>
+                </a:schemeClr>
+              </a:solidFill>
+              <a:latin typeface="Helvetica"/>
+              <a:ea typeface="宋体" panose="02010600030101010101" pitchFamily="2" charset="-122"/>
+              <a:cs typeface="Helvetica"/>
+            </a:endParaRPr>
+          </a:p>
+          <a:p>
+            <a:pPr marR="0" algn="l" defTabSz="914400" rtl="0" fontAlgn="auto" latinLnBrk="0" hangingPunct="0">
+              <a:lnSpc>
+                <a:spcPct val="100000"/>
+              </a:lnSpc>
+              <a:spcBef>
+                <a:spcPts val="0"/>
+              </a:spcBef>
+              <a:spcAft>
+                <a:spcPts val="0"/>
+              </a:spcAft>
+              <a:buClrTx/>
+              <a:buSzTx/>
+            </a:pPr>
+            <a:r>
+              <a:rPr lang="en-US" altLang="zh-CN" sz="1400">
                 <a:solidFill>
                   <a:schemeClr val="tx1">
                     <a:lumMod val="85000"/>
@@ -22618,12 +21924,12 @@
                   </a:schemeClr>
                 </a:solidFill>
                 <a:latin typeface="Helvetica"/>
+                <a:ea typeface="宋体" panose="02010600030101010101" pitchFamily="2" charset="-122"/>
                 <a:cs typeface="Helvetica"/>
-                <a:sym typeface="+mn-ea"/>
-              </a:rPr>
-              <a:t>ant-design-vue</a:t>
-            </a:r>
-            <a:endParaRPr sz="1400">
+              </a:rPr>
+              <a:t>import Antd from 'ant-design-vue';</a:t>
+            </a:r>
+            <a:endParaRPr lang="en-US" altLang="zh-CN" sz="1400">
               <a:solidFill>
                 <a:schemeClr val="tx1">
                   <a:lumMod val="85000"/>
@@ -22631,26 +21937,38 @@
                 </a:schemeClr>
               </a:solidFill>
               <a:latin typeface="Helvetica"/>
+              <a:ea typeface="宋体" panose="02010600030101010101" pitchFamily="2" charset="-122"/>
               <a:cs typeface="Helvetica"/>
-              <a:sym typeface="+mn-ea"/>
-            </a:endParaRPr>
-          </a:p>
-          <a:p>
-            <a:pPr marL="0" marR="0" indent="0" algn="l" defTabSz="914400" rtl="0" fontAlgn="auto" latinLnBrk="0" hangingPunct="0">
-              <a:lnSpc>
-                <a:spcPct val="100000"/>
-              </a:lnSpc>
-              <a:spcBef>
-                <a:spcPts val="0"/>
-              </a:spcBef>
-              <a:spcAft>
-                <a:spcPts val="0"/>
-              </a:spcAft>
-              <a:buClrTx/>
-              <a:buSzTx/>
-              <a:buFontTx/>
-              <a:buNone/>
-            </a:pPr>
+            </a:endParaRPr>
+          </a:p>
+          <a:p>
+            <a:pPr marR="0" algn="l" defTabSz="914400" rtl="0" fontAlgn="auto" latinLnBrk="0" hangingPunct="0">
+              <a:lnSpc>
+                <a:spcPct val="100000"/>
+              </a:lnSpc>
+              <a:spcBef>
+                <a:spcPts val="0"/>
+              </a:spcBef>
+              <a:spcAft>
+                <a:spcPts val="0"/>
+              </a:spcAft>
+              <a:buClrTx/>
+              <a:buSzTx/>
+            </a:pPr>
+            <a:r>
+              <a:rPr lang="en-US" altLang="zh-CN" sz="1400">
+                <a:solidFill>
+                  <a:schemeClr val="tx1">
+                    <a:lumMod val="85000"/>
+                    <a:lumOff val="15000"/>
+                  </a:schemeClr>
+                </a:solidFill>
+                <a:latin typeface="Helvetica"/>
+                <a:ea typeface="宋体" panose="02010600030101010101" pitchFamily="2" charset="-122"/>
+                <a:cs typeface="Helvetica"/>
+              </a:rPr>
+              <a:t>import App from './App';</a:t>
+            </a:r>
             <a:endParaRPr lang="en-US" altLang="zh-CN" sz="1400">
               <a:solidFill>
                 <a:schemeClr val="tx1">
@@ -22664,20 +21982,18 @@
             </a:endParaRPr>
           </a:p>
           <a:p>
-            <a:pPr marL="0" marR="0" indent="0" algn="l" defTabSz="914400" rtl="0" fontAlgn="auto" latinLnBrk="0" hangingPunct="0">
-              <a:lnSpc>
-                <a:spcPct val="100000"/>
-              </a:lnSpc>
-              <a:spcBef>
-                <a:spcPts val="0"/>
-              </a:spcBef>
-              <a:spcAft>
-                <a:spcPts val="0"/>
-              </a:spcAft>
-              <a:buClrTx/>
-              <a:buSzTx/>
-              <a:buFontTx/>
-              <a:buNone/>
+            <a:pPr marR="0" algn="l" defTabSz="914400" rtl="0" fontAlgn="auto" latinLnBrk="0" hangingPunct="0">
+              <a:lnSpc>
+                <a:spcPct val="100000"/>
+              </a:lnSpc>
+              <a:spcBef>
+                <a:spcPts val="0"/>
+              </a:spcBef>
+              <a:spcAft>
+                <a:spcPts val="0"/>
+              </a:spcAft>
+              <a:buClrTx/>
+              <a:buSzTx/>
             </a:pPr>
             <a:r>
               <a:rPr lang="en-US" altLang="zh-CN" sz="1400">
@@ -22691,7 +22007,7 @@
                 <a:ea typeface="宋体" panose="02010600030101010101" pitchFamily="2" charset="-122"/>
                 <a:cs typeface="Helvetica"/>
               </a:rPr>
-              <a:t>局部注册组件</a:t>
+              <a:t>import 'ant-design-vue/dist/antd.css';</a:t>
             </a:r>
             <a:endParaRPr lang="en-US" altLang="zh-CN" sz="1400">
               <a:solidFill>
@@ -22706,20 +22022,44 @@
             </a:endParaRPr>
           </a:p>
           <a:p>
-            <a:pPr marL="0" marR="0" indent="0" algn="l" defTabSz="914400" rtl="0" fontAlgn="auto" latinLnBrk="0" hangingPunct="0">
-              <a:lnSpc>
-                <a:spcPct val="100000"/>
-              </a:lnSpc>
-              <a:spcBef>
-                <a:spcPts val="0"/>
-              </a:spcBef>
-              <a:spcAft>
-                <a:spcPts val="0"/>
-              </a:spcAft>
-              <a:buClrTx/>
-              <a:buSzTx/>
-              <a:buFontTx/>
-              <a:buNone/>
+            <a:pPr marR="0" algn="l" defTabSz="914400" rtl="0" fontAlgn="auto" latinLnBrk="0" hangingPunct="0">
+              <a:lnSpc>
+                <a:spcPct val="100000"/>
+              </a:lnSpc>
+              <a:spcBef>
+                <a:spcPts val="0"/>
+              </a:spcBef>
+              <a:spcAft>
+                <a:spcPts val="0"/>
+              </a:spcAft>
+              <a:buClrTx/>
+              <a:buSzTx/>
+            </a:pPr>
+            <a:endParaRPr lang="en-US" altLang="zh-CN" sz="1400">
+              <a:solidFill>
+                <a:schemeClr val="tx1">
+                  <a:lumMod val="85000"/>
+                  <a:lumOff val="15000"/>
+                </a:schemeClr>
+              </a:solidFill>
+              <a:latin typeface="Helvetica"/>
+              <a:ea typeface="宋体" panose="02010600030101010101" pitchFamily="2" charset="-122"/>
+              <a:cs typeface="Helvetica"/>
+            </a:endParaRPr>
+          </a:p>
+          <a:p>
+            <a:pPr marR="0" algn="l" defTabSz="914400" rtl="0" fontAlgn="auto" latinLnBrk="0" hangingPunct="0">
+              <a:lnSpc>
+                <a:spcPct val="100000"/>
+              </a:lnSpc>
+              <a:spcBef>
+                <a:spcPts val="0"/>
+              </a:spcBef>
+              <a:spcAft>
+                <a:spcPts val="0"/>
+              </a:spcAft>
+              <a:buClrTx/>
+              <a:buSzTx/>
             </a:pPr>
             <a:r>
               <a:rPr lang="en-US" altLang="zh-CN" sz="1400">
@@ -22733,7 +22073,7 @@
                 <a:ea typeface="宋体" panose="02010600030101010101" pitchFamily="2" charset="-122"/>
                 <a:cs typeface="Helvetica"/>
               </a:rPr>
-              <a:t>&lt;template&gt;</a:t>
+              <a:t>const app = createApp(App);</a:t>
             </a:r>
             <a:endParaRPr lang="en-US" altLang="zh-CN" sz="1400">
               <a:solidFill>
@@ -22748,20 +22088,44 @@
             </a:endParaRPr>
           </a:p>
           <a:p>
-            <a:pPr marL="0" marR="0" indent="0" algn="l" defTabSz="914400" rtl="0" fontAlgn="auto" latinLnBrk="0" hangingPunct="0">
-              <a:lnSpc>
-                <a:spcPct val="100000"/>
-              </a:lnSpc>
-              <a:spcBef>
-                <a:spcPts val="0"/>
-              </a:spcBef>
-              <a:spcAft>
-                <a:spcPts val="0"/>
-              </a:spcAft>
-              <a:buClrTx/>
-              <a:buSzTx/>
-              <a:buFontTx/>
-              <a:buNone/>
+            <a:pPr marR="0" algn="l" defTabSz="914400" rtl="0" fontAlgn="auto" latinLnBrk="0" hangingPunct="0">
+              <a:lnSpc>
+                <a:spcPct val="100000"/>
+              </a:lnSpc>
+              <a:spcBef>
+                <a:spcPts val="0"/>
+              </a:spcBef>
+              <a:spcAft>
+                <a:spcPts val="0"/>
+              </a:spcAft>
+              <a:buClrTx/>
+              <a:buSzTx/>
+            </a:pPr>
+            <a:endParaRPr lang="en-US" altLang="zh-CN" sz="1400">
+              <a:solidFill>
+                <a:schemeClr val="tx1">
+                  <a:lumMod val="85000"/>
+                  <a:lumOff val="15000"/>
+                </a:schemeClr>
+              </a:solidFill>
+              <a:latin typeface="Helvetica"/>
+              <a:ea typeface="宋体" panose="02010600030101010101" pitchFamily="2" charset="-122"/>
+              <a:cs typeface="Helvetica"/>
+            </a:endParaRPr>
+          </a:p>
+          <a:p>
+            <a:pPr marR="0" algn="l" defTabSz="914400" rtl="0" fontAlgn="auto" latinLnBrk="0" hangingPunct="0">
+              <a:lnSpc>
+                <a:spcPct val="100000"/>
+              </a:lnSpc>
+              <a:spcBef>
+                <a:spcPts val="0"/>
+              </a:spcBef>
+              <a:spcAft>
+                <a:spcPts val="0"/>
+              </a:spcAft>
+              <a:buClrTx/>
+              <a:buSzTx/>
             </a:pPr>
             <a:r>
               <a:rPr lang="en-US" altLang="zh-CN" sz="1400">
@@ -22775,7 +22139,7 @@
                 <a:ea typeface="宋体" panose="02010600030101010101" pitchFamily="2" charset="-122"/>
                 <a:cs typeface="Helvetica"/>
               </a:rPr>
-              <a:t>  &lt;a-button&gt;Add&lt;/a-button&gt;</a:t>
+              <a:t>app.use(Antd).mount('#app');</a:t>
             </a:r>
             <a:endParaRPr lang="en-US" altLang="zh-CN" sz="1400">
               <a:solidFill>
@@ -22790,20 +22154,44 @@
             </a:endParaRPr>
           </a:p>
           <a:p>
-            <a:pPr marL="0" marR="0" indent="0" algn="l" defTabSz="914400" rtl="0" fontAlgn="auto" latinLnBrk="0" hangingPunct="0">
-              <a:lnSpc>
-                <a:spcPct val="100000"/>
-              </a:lnSpc>
-              <a:spcBef>
-                <a:spcPts val="0"/>
-              </a:spcBef>
-              <a:spcAft>
-                <a:spcPts val="0"/>
-              </a:spcAft>
-              <a:buClrTx/>
-              <a:buSzTx/>
-              <a:buFontTx/>
-              <a:buNone/>
+            <a:pPr marR="0" algn="l" defTabSz="914400" rtl="0" fontAlgn="auto" latinLnBrk="0" hangingPunct="0">
+              <a:lnSpc>
+                <a:spcPct val="100000"/>
+              </a:lnSpc>
+              <a:spcBef>
+                <a:spcPts val="0"/>
+              </a:spcBef>
+              <a:spcAft>
+                <a:spcPts val="0"/>
+              </a:spcAft>
+              <a:buClrTx/>
+              <a:buSzTx/>
+            </a:pPr>
+            <a:endParaRPr lang="en-US" altLang="zh-CN" sz="1400">
+              <a:solidFill>
+                <a:schemeClr val="tx1">
+                  <a:lumMod val="85000"/>
+                  <a:lumOff val="15000"/>
+                </a:schemeClr>
+              </a:solidFill>
+              <a:latin typeface="Helvetica"/>
+              <a:ea typeface="宋体" panose="02010600030101010101" pitchFamily="2" charset="-122"/>
+              <a:cs typeface="Helvetica"/>
+            </a:endParaRPr>
+          </a:p>
+          <a:p>
+            <a:pPr marR="0" algn="l" defTabSz="914400" rtl="0" fontAlgn="auto" latinLnBrk="0" hangingPunct="0">
+              <a:lnSpc>
+                <a:spcPct val="100000"/>
+              </a:lnSpc>
+              <a:spcBef>
+                <a:spcPts val="0"/>
+              </a:spcBef>
+              <a:spcAft>
+                <a:spcPts val="0"/>
+              </a:spcAft>
+              <a:buClrTx/>
+              <a:buSzTx/>
             </a:pPr>
             <a:r>
               <a:rPr lang="en-US" altLang="zh-CN" sz="1400">
@@ -22817,455 +22205,7 @@
                 <a:ea typeface="宋体" panose="02010600030101010101" pitchFamily="2" charset="-122"/>
                 <a:cs typeface="Helvetica"/>
               </a:rPr>
-              <a:t>&lt;/template&gt;</a:t>
-            </a:r>
-            <a:endParaRPr lang="en-US" altLang="zh-CN" sz="1400">
-              <a:solidFill>
-                <a:schemeClr val="tx1">
-                  <a:lumMod val="85000"/>
-                  <a:lumOff val="15000"/>
-                </a:schemeClr>
-              </a:solidFill>
-              <a:latin typeface="Helvetica"/>
-              <a:ea typeface="宋体" panose="02010600030101010101" pitchFamily="2" charset="-122"/>
-              <a:cs typeface="Helvetica"/>
-            </a:endParaRPr>
-          </a:p>
-          <a:p>
-            <a:pPr marL="0" marR="0" indent="0" algn="l" defTabSz="914400" rtl="0" fontAlgn="auto" latinLnBrk="0" hangingPunct="0">
-              <a:lnSpc>
-                <a:spcPct val="100000"/>
-              </a:lnSpc>
-              <a:spcBef>
-                <a:spcPts val="0"/>
-              </a:spcBef>
-              <a:spcAft>
-                <a:spcPts val="0"/>
-              </a:spcAft>
-              <a:buClrTx/>
-              <a:buSzTx/>
-              <a:buFontTx/>
-              <a:buNone/>
-            </a:pPr>
-            <a:r>
-              <a:rPr lang="en-US" altLang="zh-CN" sz="1400">
-                <a:solidFill>
-                  <a:schemeClr val="tx1">
-                    <a:lumMod val="85000"/>
-                    <a:lumOff val="15000"/>
-                  </a:schemeClr>
-                </a:solidFill>
-                <a:latin typeface="Helvetica"/>
-                <a:ea typeface="宋体" panose="02010600030101010101" pitchFamily="2" charset="-122"/>
-                <a:cs typeface="Helvetica"/>
-              </a:rPr>
-              <a:t>&lt;script&gt;</a:t>
-            </a:r>
-            <a:endParaRPr lang="en-US" altLang="zh-CN" sz="1400">
-              <a:solidFill>
-                <a:schemeClr val="tx1">
-                  <a:lumMod val="85000"/>
-                  <a:lumOff val="15000"/>
-                </a:schemeClr>
-              </a:solidFill>
-              <a:latin typeface="Helvetica"/>
-              <a:ea typeface="宋体" panose="02010600030101010101" pitchFamily="2" charset="-122"/>
-              <a:cs typeface="Helvetica"/>
-            </a:endParaRPr>
-          </a:p>
-          <a:p>
-            <a:pPr marL="0" marR="0" indent="0" algn="l" defTabSz="914400" rtl="0" fontAlgn="auto" latinLnBrk="0" hangingPunct="0">
-              <a:lnSpc>
-                <a:spcPct val="100000"/>
-              </a:lnSpc>
-              <a:spcBef>
-                <a:spcPts val="0"/>
-              </a:spcBef>
-              <a:spcAft>
-                <a:spcPts val="0"/>
-              </a:spcAft>
-              <a:buClrTx/>
-              <a:buSzTx/>
-              <a:buFontTx/>
-              <a:buNone/>
-            </a:pPr>
-            <a:r>
-              <a:rPr lang="en-US" altLang="zh-CN" sz="1400">
-                <a:solidFill>
-                  <a:schemeClr val="tx1">
-                    <a:lumMod val="85000"/>
-                    <a:lumOff val="15000"/>
-                  </a:schemeClr>
-                </a:solidFill>
-                <a:latin typeface="Helvetica"/>
-                <a:ea typeface="宋体" panose="02010600030101010101" pitchFamily="2" charset="-122"/>
-                <a:cs typeface="Helvetica"/>
-              </a:rPr>
-              <a:t>  import { Button } from 'ant-design-vue';</a:t>
-            </a:r>
-            <a:endParaRPr lang="en-US" altLang="zh-CN" sz="1400">
-              <a:solidFill>
-                <a:schemeClr val="tx1">
-                  <a:lumMod val="85000"/>
-                  <a:lumOff val="15000"/>
-                </a:schemeClr>
-              </a:solidFill>
-              <a:latin typeface="Helvetica"/>
-              <a:ea typeface="宋体" panose="02010600030101010101" pitchFamily="2" charset="-122"/>
-              <a:cs typeface="Helvetica"/>
-            </a:endParaRPr>
-          </a:p>
-          <a:p>
-            <a:pPr marL="0" marR="0" indent="0" algn="l" defTabSz="914400" rtl="0" fontAlgn="auto" latinLnBrk="0" hangingPunct="0">
-              <a:lnSpc>
-                <a:spcPct val="100000"/>
-              </a:lnSpc>
-              <a:spcBef>
-                <a:spcPts val="0"/>
-              </a:spcBef>
-              <a:spcAft>
-                <a:spcPts val="0"/>
-              </a:spcAft>
-              <a:buClrTx/>
-              <a:buSzTx/>
-              <a:buFontTx/>
-              <a:buNone/>
-            </a:pPr>
-            <a:r>
-              <a:rPr lang="en-US" altLang="zh-CN" sz="1400">
-                <a:solidFill>
-                  <a:schemeClr val="tx1">
-                    <a:lumMod val="85000"/>
-                    <a:lumOff val="15000"/>
-                  </a:schemeClr>
-                </a:solidFill>
-                <a:latin typeface="Helvetica"/>
-                <a:ea typeface="宋体" panose="02010600030101010101" pitchFamily="2" charset="-122"/>
-                <a:cs typeface="Helvetica"/>
-              </a:rPr>
-              <a:t>  const ButtonGroup = Button.Group;</a:t>
-            </a:r>
-            <a:endParaRPr lang="en-US" altLang="zh-CN" sz="1400">
-              <a:solidFill>
-                <a:schemeClr val="tx1">
-                  <a:lumMod val="85000"/>
-                  <a:lumOff val="15000"/>
-                </a:schemeClr>
-              </a:solidFill>
-              <a:latin typeface="Helvetica"/>
-              <a:ea typeface="宋体" panose="02010600030101010101" pitchFamily="2" charset="-122"/>
-              <a:cs typeface="Helvetica"/>
-            </a:endParaRPr>
-          </a:p>
-          <a:p>
-            <a:pPr marL="0" marR="0" indent="0" algn="l" defTabSz="914400" rtl="0" fontAlgn="auto" latinLnBrk="0" hangingPunct="0">
-              <a:lnSpc>
-                <a:spcPct val="100000"/>
-              </a:lnSpc>
-              <a:spcBef>
-                <a:spcPts val="0"/>
-              </a:spcBef>
-              <a:spcAft>
-                <a:spcPts val="0"/>
-              </a:spcAft>
-              <a:buClrTx/>
-              <a:buSzTx/>
-              <a:buFontTx/>
-              <a:buNone/>
-            </a:pPr>
-            <a:endParaRPr lang="en-US" altLang="zh-CN" sz="1400">
-              <a:solidFill>
-                <a:schemeClr val="tx1">
-                  <a:lumMod val="85000"/>
-                  <a:lumOff val="15000"/>
-                </a:schemeClr>
-              </a:solidFill>
-              <a:latin typeface="Helvetica"/>
-              <a:ea typeface="宋体" panose="02010600030101010101" pitchFamily="2" charset="-122"/>
-              <a:cs typeface="Helvetica"/>
-            </a:endParaRPr>
-          </a:p>
-          <a:p>
-            <a:pPr marL="0" marR="0" indent="0" algn="l" defTabSz="914400" rtl="0" fontAlgn="auto" latinLnBrk="0" hangingPunct="0">
-              <a:lnSpc>
-                <a:spcPct val="100000"/>
-              </a:lnSpc>
-              <a:spcBef>
-                <a:spcPts val="0"/>
-              </a:spcBef>
-              <a:spcAft>
-                <a:spcPts val="0"/>
-              </a:spcAft>
-              <a:buClrTx/>
-              <a:buSzTx/>
-              <a:buFontTx/>
-              <a:buNone/>
-            </a:pPr>
-            <a:r>
-              <a:rPr lang="en-US" altLang="zh-CN" sz="1400">
-                <a:solidFill>
-                  <a:schemeClr val="tx1">
-                    <a:lumMod val="85000"/>
-                    <a:lumOff val="15000"/>
-                  </a:schemeClr>
-                </a:solidFill>
-                <a:latin typeface="Helvetica"/>
-                <a:ea typeface="宋体" panose="02010600030101010101" pitchFamily="2" charset="-122"/>
-                <a:cs typeface="Helvetica"/>
-              </a:rPr>
-              <a:t>  export default {</a:t>
-            </a:r>
-            <a:endParaRPr lang="en-US" altLang="zh-CN" sz="1400">
-              <a:solidFill>
-                <a:schemeClr val="tx1">
-                  <a:lumMod val="85000"/>
-                  <a:lumOff val="15000"/>
-                </a:schemeClr>
-              </a:solidFill>
-              <a:latin typeface="Helvetica"/>
-              <a:ea typeface="宋体" panose="02010600030101010101" pitchFamily="2" charset="-122"/>
-              <a:cs typeface="Helvetica"/>
-            </a:endParaRPr>
-          </a:p>
-          <a:p>
-            <a:pPr marL="0" marR="0" indent="0" algn="l" defTabSz="914400" rtl="0" fontAlgn="auto" latinLnBrk="0" hangingPunct="0">
-              <a:lnSpc>
-                <a:spcPct val="100000"/>
-              </a:lnSpc>
-              <a:spcBef>
-                <a:spcPts val="0"/>
-              </a:spcBef>
-              <a:spcAft>
-                <a:spcPts val="0"/>
-              </a:spcAft>
-              <a:buClrTx/>
-              <a:buSzTx/>
-              <a:buFontTx/>
-              <a:buNone/>
-            </a:pPr>
-            <a:r>
-              <a:rPr lang="en-US" altLang="zh-CN" sz="1400">
-                <a:solidFill>
-                  <a:schemeClr val="tx1">
-                    <a:lumMod val="85000"/>
-                    <a:lumOff val="15000"/>
-                  </a:schemeClr>
-                </a:solidFill>
-                <a:latin typeface="Helvetica"/>
-                <a:ea typeface="宋体" panose="02010600030101010101" pitchFamily="2" charset="-122"/>
-                <a:cs typeface="Helvetica"/>
-              </a:rPr>
-              <a:t>    components: {</a:t>
-            </a:r>
-            <a:endParaRPr lang="en-US" altLang="zh-CN" sz="1400">
-              <a:solidFill>
-                <a:schemeClr val="tx1">
-                  <a:lumMod val="85000"/>
-                  <a:lumOff val="15000"/>
-                </a:schemeClr>
-              </a:solidFill>
-              <a:latin typeface="Helvetica"/>
-              <a:ea typeface="宋体" panose="02010600030101010101" pitchFamily="2" charset="-122"/>
-              <a:cs typeface="Helvetica"/>
-            </a:endParaRPr>
-          </a:p>
-          <a:p>
-            <a:pPr marL="0" marR="0" indent="0" algn="l" defTabSz="914400" rtl="0" fontAlgn="auto" latinLnBrk="0" hangingPunct="0">
-              <a:lnSpc>
-                <a:spcPct val="100000"/>
-              </a:lnSpc>
-              <a:spcBef>
-                <a:spcPts val="0"/>
-              </a:spcBef>
-              <a:spcAft>
-                <a:spcPts val="0"/>
-              </a:spcAft>
-              <a:buClrTx/>
-              <a:buSzTx/>
-              <a:buFontTx/>
-              <a:buNone/>
-            </a:pPr>
-            <a:r>
-              <a:rPr lang="en-US" altLang="zh-CN" sz="1400">
-                <a:solidFill>
-                  <a:schemeClr val="tx1">
-                    <a:lumMod val="85000"/>
-                    <a:lumOff val="15000"/>
-                  </a:schemeClr>
-                </a:solidFill>
-                <a:latin typeface="Helvetica"/>
-                <a:ea typeface="宋体" panose="02010600030101010101" pitchFamily="2" charset="-122"/>
-                <a:cs typeface="Helvetica"/>
-              </a:rPr>
-              <a:t>      AButton: Button,</a:t>
-            </a:r>
-            <a:endParaRPr lang="en-US" altLang="zh-CN" sz="1400">
-              <a:solidFill>
-                <a:schemeClr val="tx1">
-                  <a:lumMod val="85000"/>
-                  <a:lumOff val="15000"/>
-                </a:schemeClr>
-              </a:solidFill>
-              <a:latin typeface="Helvetica"/>
-              <a:ea typeface="宋体" panose="02010600030101010101" pitchFamily="2" charset="-122"/>
-              <a:cs typeface="Helvetica"/>
-            </a:endParaRPr>
-          </a:p>
-          <a:p>
-            <a:pPr marL="0" marR="0" indent="0" algn="l" defTabSz="914400" rtl="0" fontAlgn="auto" latinLnBrk="0" hangingPunct="0">
-              <a:lnSpc>
-                <a:spcPct val="100000"/>
-              </a:lnSpc>
-              <a:spcBef>
-                <a:spcPts val="0"/>
-              </a:spcBef>
-              <a:spcAft>
-                <a:spcPts val="0"/>
-              </a:spcAft>
-              <a:buClrTx/>
-              <a:buSzTx/>
-              <a:buFontTx/>
-              <a:buNone/>
-            </a:pPr>
-            <a:r>
-              <a:rPr lang="en-US" altLang="zh-CN" sz="1400">
-                <a:solidFill>
-                  <a:schemeClr val="tx1">
-                    <a:lumMod val="85000"/>
-                    <a:lumOff val="15000"/>
-                  </a:schemeClr>
-                </a:solidFill>
-                <a:latin typeface="Helvetica"/>
-                <a:ea typeface="宋体" panose="02010600030101010101" pitchFamily="2" charset="-122"/>
-                <a:cs typeface="Helvetica"/>
-              </a:rPr>
-              <a:t>      AButtonGroup: ButtonGroup,</a:t>
-            </a:r>
-            <a:endParaRPr lang="en-US" altLang="zh-CN" sz="1400">
-              <a:solidFill>
-                <a:schemeClr val="tx1">
-                  <a:lumMod val="85000"/>
-                  <a:lumOff val="15000"/>
-                </a:schemeClr>
-              </a:solidFill>
-              <a:latin typeface="Helvetica"/>
-              <a:ea typeface="宋体" panose="02010600030101010101" pitchFamily="2" charset="-122"/>
-              <a:cs typeface="Helvetica"/>
-            </a:endParaRPr>
-          </a:p>
-          <a:p>
-            <a:pPr marL="0" marR="0" indent="0" algn="l" defTabSz="914400" rtl="0" fontAlgn="auto" latinLnBrk="0" hangingPunct="0">
-              <a:lnSpc>
-                <a:spcPct val="100000"/>
-              </a:lnSpc>
-              <a:spcBef>
-                <a:spcPts val="0"/>
-              </a:spcBef>
-              <a:spcAft>
-                <a:spcPts val="0"/>
-              </a:spcAft>
-              <a:buClrTx/>
-              <a:buSzTx/>
-              <a:buFontTx/>
-              <a:buNone/>
-            </a:pPr>
-            <a:r>
-              <a:rPr lang="en-US" altLang="zh-CN" sz="1400">
-                <a:solidFill>
-                  <a:schemeClr val="tx1">
-                    <a:lumMod val="85000"/>
-                    <a:lumOff val="15000"/>
-                  </a:schemeClr>
-                </a:solidFill>
-                <a:latin typeface="Helvetica"/>
-                <a:ea typeface="宋体" panose="02010600030101010101" pitchFamily="2" charset="-122"/>
-                <a:cs typeface="Helvetica"/>
-              </a:rPr>
-              <a:t>    },</a:t>
-            </a:r>
-            <a:endParaRPr lang="en-US" altLang="zh-CN" sz="1400">
-              <a:solidFill>
-                <a:schemeClr val="tx1">
-                  <a:lumMod val="85000"/>
-                  <a:lumOff val="15000"/>
-                </a:schemeClr>
-              </a:solidFill>
-              <a:latin typeface="Helvetica"/>
-              <a:ea typeface="宋体" panose="02010600030101010101" pitchFamily="2" charset="-122"/>
-              <a:cs typeface="Helvetica"/>
-            </a:endParaRPr>
-          </a:p>
-          <a:p>
-            <a:pPr marL="0" marR="0" indent="0" algn="l" defTabSz="914400" rtl="0" fontAlgn="auto" latinLnBrk="0" hangingPunct="0">
-              <a:lnSpc>
-                <a:spcPct val="100000"/>
-              </a:lnSpc>
-              <a:spcBef>
-                <a:spcPts val="0"/>
-              </a:spcBef>
-              <a:spcAft>
-                <a:spcPts val="0"/>
-              </a:spcAft>
-              <a:buClrTx/>
-              <a:buSzTx/>
-              <a:buFontTx/>
-              <a:buNone/>
-            </a:pPr>
-            <a:r>
-              <a:rPr lang="en-US" altLang="zh-CN" sz="1400">
-                <a:solidFill>
-                  <a:schemeClr val="tx1">
-                    <a:lumMod val="85000"/>
-                    <a:lumOff val="15000"/>
-                  </a:schemeClr>
-                </a:solidFill>
-                <a:latin typeface="Helvetica"/>
-                <a:ea typeface="宋体" panose="02010600030101010101" pitchFamily="2" charset="-122"/>
-                <a:cs typeface="Helvetica"/>
-              </a:rPr>
-              <a:t>  };</a:t>
-            </a:r>
-            <a:endParaRPr lang="en-US" altLang="zh-CN" sz="1400">
-              <a:solidFill>
-                <a:schemeClr val="tx1">
-                  <a:lumMod val="85000"/>
-                  <a:lumOff val="15000"/>
-                </a:schemeClr>
-              </a:solidFill>
-              <a:latin typeface="Helvetica"/>
-              <a:ea typeface="宋体" panose="02010600030101010101" pitchFamily="2" charset="-122"/>
-              <a:cs typeface="Helvetica"/>
-            </a:endParaRPr>
-          </a:p>
-          <a:p>
-            <a:pPr marL="0" marR="0" indent="0" algn="l" defTabSz="914400" rtl="0" fontAlgn="auto" latinLnBrk="0" hangingPunct="0">
-              <a:lnSpc>
-                <a:spcPct val="100000"/>
-              </a:lnSpc>
-              <a:spcBef>
-                <a:spcPts val="0"/>
-              </a:spcBef>
-              <a:spcAft>
-                <a:spcPts val="0"/>
-              </a:spcAft>
-              <a:buClrTx/>
-              <a:buSzTx/>
-              <a:buFontTx/>
-              <a:buNone/>
-            </a:pPr>
-            <a:r>
-              <a:rPr lang="en-US" altLang="zh-CN" sz="1400">
-                <a:solidFill>
-                  <a:schemeClr val="tx1">
-                    <a:lumMod val="85000"/>
-                    <a:lumOff val="15000"/>
-                  </a:schemeClr>
-                </a:solidFill>
-                <a:latin typeface="Helvetica"/>
-                <a:ea typeface="宋体" panose="02010600030101010101" pitchFamily="2" charset="-122"/>
-                <a:cs typeface="Helvetica"/>
-              </a:rPr>
-              <a:t>&lt;/script&gt;</a:t>
+              <a:t>以上代码便完成了 Antd 的全局注册。需要注意的是，样式文件需要单独引入。</a:t>
             </a:r>
             <a:endParaRPr lang="en-US" altLang="zh-CN" sz="1400">
               <a:solidFill>
